--- a/CSharpCorner/11Jul-2020_Building_BFF_Azure_ApiMgt/Documentation/BackEndForFrontEnd_AzureAPIMgt.pptx
+++ b/CSharpCorner/11Jul-2020_Building_BFF_Azure_ApiMgt/Documentation/BackEndForFrontEnd_AzureAPIMgt.pptx
@@ -222,7 +222,7 @@
           <a:p>
             <a:fld id="{289D7669-2C4F-4057-B198-13E596C98571}" type="datetimeFigureOut">
               <a:rPr lang="en-IN" smtClean="0"/>
-              <a:t>15-04-2020</a:t>
+              <a:t>11-07-2020</a:t>
             </a:fld>
             <a:endParaRPr lang="en-IN"/>
           </a:p>
@@ -639,7 +639,7 @@
           <a:p>
             <a:fld id="{AAAFDAC1-E73E-4D41-B9D9-D9AB5226AECC}" type="datetimeFigureOut">
               <a:rPr lang="en-IN" smtClean="0"/>
-              <a:t>15-04-2020</a:t>
+              <a:t>11-07-2020</a:t>
             </a:fld>
             <a:endParaRPr lang="en-IN"/>
           </a:p>
@@ -839,7 +839,7 @@
           <a:p>
             <a:fld id="{AAAFDAC1-E73E-4D41-B9D9-D9AB5226AECC}" type="datetimeFigureOut">
               <a:rPr lang="en-IN" smtClean="0"/>
-              <a:t>15-04-2020</a:t>
+              <a:t>11-07-2020</a:t>
             </a:fld>
             <a:endParaRPr lang="en-IN"/>
           </a:p>
@@ -1049,7 +1049,7 @@
           <a:p>
             <a:fld id="{AAAFDAC1-E73E-4D41-B9D9-D9AB5226AECC}" type="datetimeFigureOut">
               <a:rPr lang="en-IN" smtClean="0"/>
-              <a:t>15-04-2020</a:t>
+              <a:t>11-07-2020</a:t>
             </a:fld>
             <a:endParaRPr lang="en-IN"/>
           </a:p>
@@ -1249,7 +1249,7 @@
           <a:p>
             <a:fld id="{AAAFDAC1-E73E-4D41-B9D9-D9AB5226AECC}" type="datetimeFigureOut">
               <a:rPr lang="en-IN" smtClean="0"/>
-              <a:t>15-04-2020</a:t>
+              <a:t>11-07-2020</a:t>
             </a:fld>
             <a:endParaRPr lang="en-IN"/>
           </a:p>
@@ -1525,7 +1525,7 @@
           <a:p>
             <a:fld id="{AAAFDAC1-E73E-4D41-B9D9-D9AB5226AECC}" type="datetimeFigureOut">
               <a:rPr lang="en-IN" smtClean="0"/>
-              <a:t>15-04-2020</a:t>
+              <a:t>11-07-2020</a:t>
             </a:fld>
             <a:endParaRPr lang="en-IN"/>
           </a:p>
@@ -1793,7 +1793,7 @@
           <a:p>
             <a:fld id="{AAAFDAC1-E73E-4D41-B9D9-D9AB5226AECC}" type="datetimeFigureOut">
               <a:rPr lang="en-IN" smtClean="0"/>
-              <a:t>15-04-2020</a:t>
+              <a:t>11-07-2020</a:t>
             </a:fld>
             <a:endParaRPr lang="en-IN"/>
           </a:p>
@@ -2208,7 +2208,7 @@
           <a:p>
             <a:fld id="{AAAFDAC1-E73E-4D41-B9D9-D9AB5226AECC}" type="datetimeFigureOut">
               <a:rPr lang="en-IN" smtClean="0"/>
-              <a:t>15-04-2020</a:t>
+              <a:t>11-07-2020</a:t>
             </a:fld>
             <a:endParaRPr lang="en-IN"/>
           </a:p>
@@ -2350,7 +2350,7 @@
           <a:p>
             <a:fld id="{AAAFDAC1-E73E-4D41-B9D9-D9AB5226AECC}" type="datetimeFigureOut">
               <a:rPr lang="en-IN" smtClean="0"/>
-              <a:t>15-04-2020</a:t>
+              <a:t>11-07-2020</a:t>
             </a:fld>
             <a:endParaRPr lang="en-IN"/>
           </a:p>
@@ -2463,7 +2463,7 @@
           <a:p>
             <a:fld id="{AAAFDAC1-E73E-4D41-B9D9-D9AB5226AECC}" type="datetimeFigureOut">
               <a:rPr lang="en-IN" smtClean="0"/>
-              <a:t>15-04-2020</a:t>
+              <a:t>11-07-2020</a:t>
             </a:fld>
             <a:endParaRPr lang="en-IN"/>
           </a:p>
@@ -2776,7 +2776,7 @@
           <a:p>
             <a:fld id="{AAAFDAC1-E73E-4D41-B9D9-D9AB5226AECC}" type="datetimeFigureOut">
               <a:rPr lang="en-IN" smtClean="0"/>
-              <a:t>15-04-2020</a:t>
+              <a:t>11-07-2020</a:t>
             </a:fld>
             <a:endParaRPr lang="en-IN"/>
           </a:p>
@@ -3065,7 +3065,7 @@
           <a:p>
             <a:fld id="{AAAFDAC1-E73E-4D41-B9D9-D9AB5226AECC}" type="datetimeFigureOut">
               <a:rPr lang="en-IN" smtClean="0"/>
-              <a:t>15-04-2020</a:t>
+              <a:t>11-07-2020</a:t>
             </a:fld>
             <a:endParaRPr lang="en-IN"/>
           </a:p>
@@ -3308,7 +3308,7 @@
           <a:p>
             <a:fld id="{AAAFDAC1-E73E-4D41-B9D9-D9AB5226AECC}" type="datetimeFigureOut">
               <a:rPr lang="en-IN" smtClean="0"/>
-              <a:t>15-04-2020</a:t>
+              <a:t>11-07-2020</a:t>
             </a:fld>
             <a:endParaRPr lang="en-IN"/>
           </a:p>
@@ -3870,7 +3870,7 @@
                 <a:latin typeface="Verdana" panose="020B0604030504040204" pitchFamily="34" charset="0"/>
                 <a:ea typeface="Verdana" panose="020B0604030504040204" pitchFamily="34" charset="0"/>
               </a:rPr>
-              <a:t>15-Apr-2020</a:t>
+              <a:t>11-Jul-2020</a:t>
             </a:r>
           </a:p>
         </p:txBody>
@@ -4488,7 +4488,7 @@
                 <a:latin typeface="Verdana" panose="020B0604030504040204" pitchFamily="34" charset="0"/>
                 <a:ea typeface="Verdana" panose="020B0604030504040204" pitchFamily="34" charset="0"/>
               </a:rPr>
-              <a:t>15-Apr-2020</a:t>
+              <a:t>11-Jul-2020</a:t>
             </a:r>
           </a:p>
         </p:txBody>
@@ -5026,7 +5026,7 @@
                 <a:latin typeface="Verdana" panose="020B0604030504040204" pitchFamily="34" charset="0"/>
                 <a:ea typeface="Verdana" panose="020B0604030504040204" pitchFamily="34" charset="0"/>
               </a:rPr>
-              <a:t>15-Apr-2020</a:t>
+              <a:t>11-Jul-2020</a:t>
             </a:r>
           </a:p>
         </p:txBody>
@@ -5947,7 +5947,7 @@
                 <a:latin typeface="Verdana" panose="020B0604030504040204" pitchFamily="34" charset="0"/>
                 <a:ea typeface="Verdana" panose="020B0604030504040204" pitchFamily="34" charset="0"/>
               </a:rPr>
-              <a:t>15-Apr-2020</a:t>
+              <a:t>11-Jul-2020</a:t>
             </a:r>
           </a:p>
         </p:txBody>
@@ -6363,7 +6363,7 @@
                 <a:latin typeface="Verdana" panose="020B0604030504040204" pitchFamily="34" charset="0"/>
                 <a:ea typeface="Verdana" panose="020B0604030504040204" pitchFamily="34" charset="0"/>
               </a:rPr>
-              <a:t>15-Apr-2020</a:t>
+              <a:t>11-Jul-2020</a:t>
             </a:r>
           </a:p>
         </p:txBody>
@@ -6779,7 +6779,7 @@
                 <a:latin typeface="Verdana" panose="020B0604030504040204" pitchFamily="34" charset="0"/>
                 <a:ea typeface="Verdana" panose="020B0604030504040204" pitchFamily="34" charset="0"/>
               </a:rPr>
-              <a:t>15-Apr-2020</a:t>
+              <a:t>11-Jul-2020</a:t>
             </a:r>
           </a:p>
         </p:txBody>
@@ -7266,7 +7266,7 @@
                 <a:latin typeface="Verdana" panose="020B0604030504040204" pitchFamily="34" charset="0"/>
                 <a:ea typeface="Verdana" panose="020B0604030504040204" pitchFamily="34" charset="0"/>
               </a:rPr>
-              <a:t>15-Apr-2020</a:t>
+              <a:t>11-Jul-2020</a:t>
             </a:r>
           </a:p>
         </p:txBody>
@@ -7663,7 +7663,7 @@
                 <a:latin typeface="Verdana" panose="020B0604030504040204" pitchFamily="34" charset="0"/>
                 <a:ea typeface="Verdana" panose="020B0604030504040204" pitchFamily="34" charset="0"/>
               </a:rPr>
-              <a:t>15-Apr-2020</a:t>
+              <a:t>11-Jul-2020</a:t>
             </a:r>
           </a:p>
         </p:txBody>
@@ -8173,7 +8173,7 @@
                 <a:latin typeface="Verdana" panose="020B0604030504040204" pitchFamily="34" charset="0"/>
                 <a:ea typeface="Verdana" panose="020B0604030504040204" pitchFamily="34" charset="0"/>
               </a:rPr>
-              <a:t>15-Apr-2020</a:t>
+              <a:t>11-Jul-2020</a:t>
             </a:r>
           </a:p>
         </p:txBody>
@@ -8700,7 +8700,7 @@
                 <a:latin typeface="Verdana" panose="020B0604030504040204" pitchFamily="34" charset="0"/>
                 <a:ea typeface="Verdana" panose="020B0604030504040204" pitchFamily="34" charset="0"/>
               </a:rPr>
-              <a:t>15-Apr-2020</a:t>
+              <a:t>11-Jul-2020</a:t>
             </a:r>
           </a:p>
         </p:txBody>
@@ -9303,7 +9303,7 @@
                 <a:latin typeface="Verdana" panose="020B0604030504040204" pitchFamily="34" charset="0"/>
                 <a:ea typeface="Verdana" panose="020B0604030504040204" pitchFamily="34" charset="0"/>
               </a:rPr>
-              <a:t>15-Apr-2020</a:t>
+              <a:t>11-Jul-2020</a:t>
             </a:r>
           </a:p>
         </p:txBody>
@@ -9861,7 +9861,7 @@
                 <a:latin typeface="Verdana" panose="020B0604030504040204" pitchFamily="34" charset="0"/>
                 <a:ea typeface="Verdana" panose="020B0604030504040204" pitchFamily="34" charset="0"/>
               </a:rPr>
-              <a:t>15-Apr-2020</a:t>
+              <a:t>11-Jul-2020</a:t>
             </a:r>
           </a:p>
         </p:txBody>
@@ -10392,7 +10392,7 @@
                 <a:latin typeface="Verdana" panose="020B0604030504040204" pitchFamily="34" charset="0"/>
                 <a:ea typeface="Verdana" panose="020B0604030504040204" pitchFamily="34" charset="0"/>
               </a:rPr>
-              <a:t>15-Apr-2020</a:t>
+              <a:t>11-Jul-2020</a:t>
             </a:r>
           </a:p>
         </p:txBody>

--- a/CSharpCorner/11Jul-2020_Building_BFF_Azure_ApiMgt/Documentation/BackEndForFrontEnd_AzureAPIMgt.pptx
+++ b/CSharpCorner/11Jul-2020_Building_BFF_Azure_ApiMgt/Documentation/BackEndForFrontEnd_AzureAPIMgt.pptx
@@ -5,23 +5,24 @@
     <p:sldMasterId id="2147483648" r:id="rId1"/>
   </p:sldMasterIdLst>
   <p:notesMasterIdLst>
-    <p:notesMasterId r:id="rId16"/>
+    <p:notesMasterId r:id="rId17"/>
   </p:notesMasterIdLst>
   <p:sldIdLst>
     <p:sldId id="256" r:id="rId2"/>
     <p:sldId id="257" r:id="rId3"/>
-    <p:sldId id="270" r:id="rId4"/>
-    <p:sldId id="271" r:id="rId5"/>
-    <p:sldId id="273" r:id="rId6"/>
-    <p:sldId id="274" r:id="rId7"/>
-    <p:sldId id="272" r:id="rId8"/>
-    <p:sldId id="263" r:id="rId9"/>
-    <p:sldId id="267" r:id="rId10"/>
-    <p:sldId id="275" r:id="rId11"/>
-    <p:sldId id="276" r:id="rId12"/>
-    <p:sldId id="277" r:id="rId13"/>
-    <p:sldId id="259" r:id="rId14"/>
-    <p:sldId id="258" r:id="rId15"/>
+    <p:sldId id="278" r:id="rId4"/>
+    <p:sldId id="270" r:id="rId5"/>
+    <p:sldId id="271" r:id="rId6"/>
+    <p:sldId id="273" r:id="rId7"/>
+    <p:sldId id="274" r:id="rId8"/>
+    <p:sldId id="272" r:id="rId9"/>
+    <p:sldId id="263" r:id="rId10"/>
+    <p:sldId id="267" r:id="rId11"/>
+    <p:sldId id="275" r:id="rId12"/>
+    <p:sldId id="276" r:id="rId13"/>
+    <p:sldId id="277" r:id="rId14"/>
+    <p:sldId id="259" r:id="rId15"/>
+    <p:sldId id="258" r:id="rId16"/>
   </p:sldIdLst>
   <p:sldSz cx="12192000" cy="6858000"/>
   <p:notesSz cx="6858000" cy="9144000"/>
@@ -4393,7 +4394,7 @@
                 <a:latin typeface="Verdana" panose="020B0604030504040204" pitchFamily="34" charset="0"/>
                 <a:ea typeface="Verdana" panose="020B0604030504040204" pitchFamily="34" charset="0"/>
               </a:rPr>
-              <a:t>Invoking API Gateway/BFF from Angular UI</a:t>
+              <a:t>Adding Policies to Global, Product, Services and Operation Level</a:t>
             </a:r>
             <a:endParaRPr lang="en-IN" b="1" dirty="0">
               <a:latin typeface="Verdana" panose="020B0604030504040204" pitchFamily="34" charset="0"/>
@@ -4677,20 +4678,20 @@
       </p:sp>
       <p:sp>
         <p:nvSpPr>
-          <p:cNvPr id="11" name="TextBox 10">
-            <a:extLst>
-              <a:ext uri="{FF2B5EF4-FFF2-40B4-BE49-F238E27FC236}">
-                <a16:creationId xmlns:a16="http://schemas.microsoft.com/office/drawing/2014/main" id="{13E2DF1E-6C2C-406F-BEFA-709E8A507357}"/>
-              </a:ext>
-            </a:extLst>
-          </p:cNvPr>
-          <p:cNvSpPr txBox="1"/>
+          <p:cNvPr id="11" name="Rectangle 10">
+            <a:extLst>
+              <a:ext uri="{FF2B5EF4-FFF2-40B4-BE49-F238E27FC236}">
+                <a16:creationId xmlns:a16="http://schemas.microsoft.com/office/drawing/2014/main" id="{F60D9B38-5067-4841-9B4A-CE7786A2CB4A}"/>
+              </a:ext>
+            </a:extLst>
+          </p:cNvPr>
+          <p:cNvSpPr/>
           <p:nvPr/>
         </p:nvSpPr>
         <p:spPr>
           <a:xfrm>
-            <a:off x="80629" y="602214"/>
-            <a:ext cx="12037390" cy="3684920"/>
+            <a:off x="1479881" y="588106"/>
+            <a:ext cx="9196748" cy="5236690"/>
           </a:xfrm>
           <a:prstGeom prst="rect">
             <a:avLst/>
@@ -4698,163 +4699,183 @@
           <a:noFill/>
         </p:spPr>
         <p:txBody>
-          <a:bodyPr wrap="square" rtlCol="0">
+          <a:bodyPr wrap="none" lIns="91440" tIns="45720" rIns="91440" bIns="45720">
             <a:spAutoFit/>
           </a:bodyPr>
           <a:lstStyle/>
           <a:p>
-            <a:pPr>
-              <a:lnSpc>
-                <a:spcPct val="200000"/>
-              </a:lnSpc>
-            </a:pPr>
-            <a:r>
-              <a:rPr lang="en-US" sz="2000" dirty="0">
-                <a:solidFill>
-                  <a:srgbClr val="002060"/>
-                </a:solidFill>
+            <a:pPr algn="ctr"/>
+            <a:r>
+              <a:rPr lang="en-US" sz="8800" b="1" cap="none" spc="0" dirty="0">
+                <a:ln w="9525">
+                  <a:solidFill>
+                    <a:schemeClr val="bg1"/>
+                  </a:solidFill>
+                  <a:prstDash val="solid"/>
+                </a:ln>
+                <a:solidFill>
+                  <a:schemeClr val="accent5"/>
+                </a:solidFill>
+                <a:effectLst>
+                  <a:outerShdw blurRad="12700" dist="38100" dir="2700000" algn="tl" rotWithShape="0">
+                    <a:schemeClr val="accent5">
+                      <a:lumMod val="60000"/>
+                      <a:lumOff val="40000"/>
+                    </a:schemeClr>
+                  </a:outerShdw>
+                </a:effectLst>
                 <a:latin typeface="Verdana" panose="020B0604030504040204" pitchFamily="34" charset="0"/>
                 <a:ea typeface="Verdana" panose="020B0604030504040204" pitchFamily="34" charset="0"/>
               </a:rPr>
-              <a:t>Working with Angular UI with Hosted Middle Tier, and </a:t>
-            </a:r>
-            <a:r>
-              <a:rPr lang="en-US" sz="2000" dirty="0" err="1">
-                <a:solidFill>
-                  <a:srgbClr val="002060"/>
-                </a:solidFill>
-                <a:latin typeface="Verdana" panose="020B0604030504040204" pitchFamily="34" charset="0"/>
-                <a:ea typeface="Verdana" panose="020B0604030504040204" pitchFamily="34" charset="0"/>
-              </a:rPr>
-              <a:t>Api</a:t>
-            </a:r>
-            <a:r>
-              <a:rPr lang="en-US" sz="2000" dirty="0">
-                <a:solidFill>
-                  <a:srgbClr val="002060"/>
-                </a:solidFill>
-                <a:latin typeface="Verdana" panose="020B0604030504040204" pitchFamily="34" charset="0"/>
-                <a:ea typeface="Verdana" panose="020B0604030504040204" pitchFamily="34" charset="0"/>
-              </a:rPr>
-              <a:t> Gateway</a:t>
-            </a:r>
-          </a:p>
-          <a:p>
-            <a:pPr marL="171450" indent="-171450">
-              <a:lnSpc>
-                <a:spcPct val="200000"/>
-              </a:lnSpc>
-              <a:buFont typeface="Wingdings" panose="05000000000000000000" pitchFamily="2" charset="2"/>
-              <a:buChar char="Ø"/>
+              <a:t>Demo 3</a:t>
+            </a:r>
+          </a:p>
+          <a:p>
+            <a:pPr marL="1371600" indent="-1371600" algn="ctr">
+              <a:buAutoNum type="arabicPeriod"/>
             </a:pPr>
-            <a:r>
-              <a:rPr lang="en-US" sz="2000" dirty="0">
-                <a:solidFill>
-                  <a:srgbClr val="002060"/>
-                </a:solidFill>
-                <a:latin typeface="Verdana" panose="020B0604030504040204" pitchFamily="34" charset="0"/>
-                <a:ea typeface="Verdana" panose="020B0604030504040204" pitchFamily="34" charset="0"/>
-              </a:rPr>
-              <a:t> Retrieve the data using Hosted Web </a:t>
-            </a:r>
-            <a:r>
-              <a:rPr lang="en-US" sz="2000" dirty="0" err="1">
-                <a:solidFill>
-                  <a:srgbClr val="002060"/>
-                </a:solidFill>
-                <a:latin typeface="Verdana" panose="020B0604030504040204" pitchFamily="34" charset="0"/>
-                <a:ea typeface="Verdana" panose="020B0604030504040204" pitchFamily="34" charset="0"/>
-              </a:rPr>
-              <a:t>Api</a:t>
-            </a:r>
-            <a:r>
-              <a:rPr lang="en-US" sz="2000" dirty="0">
-                <a:solidFill>
-                  <a:srgbClr val="002060"/>
-                </a:solidFill>
-                <a:latin typeface="Verdana" panose="020B0604030504040204" pitchFamily="34" charset="0"/>
-                <a:ea typeface="Verdana" panose="020B0604030504040204" pitchFamily="34" charset="0"/>
-              </a:rPr>
-              <a:t>.</a:t>
-            </a:r>
-          </a:p>
-          <a:p>
-            <a:pPr marL="171450" indent="-171450">
-              <a:lnSpc>
-                <a:spcPct val="200000"/>
-              </a:lnSpc>
-              <a:buFont typeface="Wingdings" panose="05000000000000000000" pitchFamily="2" charset="2"/>
-              <a:buChar char="Ø"/>
-            </a:pPr>
-            <a:r>
-              <a:rPr lang="en-US" sz="2000" dirty="0">
-                <a:solidFill>
-                  <a:srgbClr val="002060"/>
-                </a:solidFill>
-                <a:latin typeface="Verdana" panose="020B0604030504040204" pitchFamily="34" charset="0"/>
-                <a:ea typeface="Verdana" panose="020B0604030504040204" pitchFamily="34" charset="0"/>
-              </a:rPr>
-              <a:t> Retrieve the data using APIM Gateway.</a:t>
-            </a:r>
-          </a:p>
-          <a:p>
-            <a:pPr marL="800100" lvl="1" indent="-342900">
-              <a:lnSpc>
-                <a:spcPct val="200000"/>
-              </a:lnSpc>
-              <a:buFont typeface="Wingdings" panose="05000000000000000000" pitchFamily="2" charset="2"/>
-              <a:buChar char="ü"/>
-            </a:pPr>
-            <a:r>
-              <a:rPr lang="en-US" sz="2000" dirty="0">
-                <a:solidFill>
-                  <a:srgbClr val="002060"/>
-                </a:solidFill>
-                <a:latin typeface="Verdana" panose="020B0604030504040204" pitchFamily="34" charset="0"/>
-                <a:ea typeface="Verdana" panose="020B0604030504040204" pitchFamily="34" charset="0"/>
-              </a:rPr>
-              <a:t>Adding CORS</a:t>
-            </a:r>
-          </a:p>
-          <a:p>
-            <a:pPr marL="800100" lvl="1" indent="-342900">
-              <a:lnSpc>
-                <a:spcPct val="200000"/>
-              </a:lnSpc>
-              <a:buFont typeface="Wingdings" panose="05000000000000000000" pitchFamily="2" charset="2"/>
-              <a:buChar char="ü"/>
-            </a:pPr>
-            <a:r>
-              <a:rPr lang="en-US" sz="2000" dirty="0">
-                <a:solidFill>
-                  <a:srgbClr val="002060"/>
-                </a:solidFill>
-                <a:latin typeface="Verdana" panose="020B0604030504040204" pitchFamily="34" charset="0"/>
-                <a:ea typeface="Verdana" panose="020B0604030504040204" pitchFamily="34" charset="0"/>
-              </a:rPr>
-              <a:t>Passing Headers to APIM Gateway.</a:t>
-            </a:r>
-          </a:p>
-          <a:p>
-            <a:pPr>
-              <a:lnSpc>
-                <a:spcPct val="200000"/>
-              </a:lnSpc>
-            </a:pPr>
-            <a:endParaRPr lang="en-IN" sz="2000" dirty="0">
+            <a:endParaRPr lang="en-US" sz="4000" b="1" cap="none" spc="0" dirty="0">
+              <a:ln w="9525">
+                <a:solidFill>
+                  <a:schemeClr val="bg1"/>
+                </a:solidFill>
+                <a:prstDash val="solid"/>
+              </a:ln>
               <a:solidFill>
-                <a:srgbClr val="002060"/>
+                <a:schemeClr val="accent5"/>
               </a:solidFill>
+              <a:effectLst>
+                <a:outerShdw blurRad="12700" dist="38100" dir="2700000" algn="tl" rotWithShape="0">
+                  <a:schemeClr val="accent5">
+                    <a:lumMod val="60000"/>
+                    <a:lumOff val="40000"/>
+                  </a:schemeClr>
+                </a:outerShdw>
+              </a:effectLst>
               <a:latin typeface="Verdana" panose="020B0604030504040204" pitchFamily="34" charset="0"/>
               <a:ea typeface="Verdana" panose="020B0604030504040204" pitchFamily="34" charset="0"/>
             </a:endParaRPr>
           </a:p>
+          <a:p>
+            <a:pPr algn="ctr">
+              <a:lnSpc>
+                <a:spcPct val="150000"/>
+              </a:lnSpc>
+            </a:pPr>
+            <a:r>
+              <a:rPr lang="en-US" sz="4800" b="1" dirty="0">
+                <a:ln w="9525">
+                  <a:solidFill>
+                    <a:schemeClr val="bg1"/>
+                  </a:solidFill>
+                  <a:prstDash val="solid"/>
+                </a:ln>
+                <a:solidFill>
+                  <a:schemeClr val="accent5"/>
+                </a:solidFill>
+                <a:effectLst>
+                  <a:outerShdw blurRad="12700" dist="38100" dir="2700000" algn="tl" rotWithShape="0">
+                    <a:schemeClr val="accent5">
+                      <a:lumMod val="60000"/>
+                      <a:lumOff val="40000"/>
+                    </a:schemeClr>
+                  </a:outerShdw>
+                </a:effectLst>
+                <a:latin typeface="Verdana" panose="020B0604030504040204" pitchFamily="34" charset="0"/>
+                <a:ea typeface="Verdana" panose="020B0604030504040204" pitchFamily="34" charset="0"/>
+              </a:rPr>
+              <a:t>Adding Policies to Global, </a:t>
+            </a:r>
+          </a:p>
+          <a:p>
+            <a:pPr algn="ctr">
+              <a:lnSpc>
+                <a:spcPct val="150000"/>
+              </a:lnSpc>
+            </a:pPr>
+            <a:r>
+              <a:rPr lang="en-US" sz="4800" b="1" dirty="0">
+                <a:ln w="9525">
+                  <a:solidFill>
+                    <a:schemeClr val="bg1"/>
+                  </a:solidFill>
+                  <a:prstDash val="solid"/>
+                </a:ln>
+                <a:solidFill>
+                  <a:schemeClr val="accent5"/>
+                </a:solidFill>
+                <a:effectLst>
+                  <a:outerShdw blurRad="12700" dist="38100" dir="2700000" algn="tl" rotWithShape="0">
+                    <a:schemeClr val="accent5">
+                      <a:lumMod val="60000"/>
+                      <a:lumOff val="40000"/>
+                    </a:schemeClr>
+                  </a:outerShdw>
+                </a:effectLst>
+                <a:latin typeface="Verdana" panose="020B0604030504040204" pitchFamily="34" charset="0"/>
+                <a:ea typeface="Verdana" panose="020B0604030504040204" pitchFamily="34" charset="0"/>
+              </a:rPr>
+              <a:t>Product, Services </a:t>
+            </a:r>
+          </a:p>
+          <a:p>
+            <a:pPr algn="ctr">
+              <a:lnSpc>
+                <a:spcPct val="150000"/>
+              </a:lnSpc>
+            </a:pPr>
+            <a:r>
+              <a:rPr lang="en-US" sz="4800" b="1" dirty="0">
+                <a:ln w="9525">
+                  <a:solidFill>
+                    <a:schemeClr val="bg1"/>
+                  </a:solidFill>
+                  <a:prstDash val="solid"/>
+                </a:ln>
+                <a:solidFill>
+                  <a:schemeClr val="accent5"/>
+                </a:solidFill>
+                <a:effectLst>
+                  <a:outerShdw blurRad="12700" dist="38100" dir="2700000" algn="tl" rotWithShape="0">
+                    <a:schemeClr val="accent5">
+                      <a:lumMod val="60000"/>
+                      <a:lumOff val="40000"/>
+                    </a:schemeClr>
+                  </a:outerShdw>
+                </a:effectLst>
+                <a:latin typeface="Verdana" panose="020B0604030504040204" pitchFamily="34" charset="0"/>
+                <a:ea typeface="Verdana" panose="020B0604030504040204" pitchFamily="34" charset="0"/>
+              </a:rPr>
+              <a:t>and Operation Level</a:t>
+            </a:r>
+            <a:endParaRPr lang="en-US" sz="4800" b="1" cap="none" spc="0" dirty="0">
+              <a:ln w="9525">
+                <a:solidFill>
+                  <a:schemeClr val="bg1"/>
+                </a:solidFill>
+                <a:prstDash val="solid"/>
+              </a:ln>
+              <a:solidFill>
+                <a:schemeClr val="accent5"/>
+              </a:solidFill>
+              <a:effectLst>
+                <a:outerShdw blurRad="12700" dist="38100" dir="2700000" algn="tl" rotWithShape="0">
+                  <a:schemeClr val="accent5">
+                    <a:lumMod val="60000"/>
+                    <a:lumOff val="40000"/>
+                  </a:schemeClr>
+                </a:outerShdw>
+              </a:effectLst>
+              <a:latin typeface="Verdana" panose="020B0604030504040204" pitchFamily="34" charset="0"/>
+              <a:ea typeface="Verdana" panose="020B0604030504040204" pitchFamily="34" charset="0"/>
+            </a:endParaRPr>
+          </a:p>
         </p:txBody>
       </p:sp>
     </p:spTree>
     <p:extLst>
       <p:ext uri="{BB962C8B-B14F-4D97-AF65-F5344CB8AC3E}">
-        <p14:creationId xmlns:p14="http://schemas.microsoft.com/office/powerpoint/2010/main" val="1933217885"/>
+        <p14:creationId xmlns:p14="http://schemas.microsoft.com/office/powerpoint/2010/main" val="2826965558"/>
       </p:ext>
     </p:extLst>
   </p:cSld>
@@ -4931,7 +4952,7 @@
                 <a:latin typeface="Verdana" panose="020B0604030504040204" pitchFamily="34" charset="0"/>
                 <a:ea typeface="Verdana" panose="020B0604030504040204" pitchFamily="34" charset="0"/>
               </a:rPr>
-              <a:t>Adding Policies to Global, Product, Services and Operation Level</a:t>
+              <a:t>Invoking API Gateway/BFF from Angular UI</a:t>
             </a:r>
             <a:endParaRPr lang="en-IN" b="1" dirty="0">
               <a:latin typeface="Verdana" panose="020B0604030504040204" pitchFamily="34" charset="0"/>
@@ -5215,20 +5236,20 @@
       </p:sp>
       <p:sp>
         <p:nvSpPr>
-          <p:cNvPr id="11" name="Rectangle 10">
-            <a:extLst>
-              <a:ext uri="{FF2B5EF4-FFF2-40B4-BE49-F238E27FC236}">
-                <a16:creationId xmlns:a16="http://schemas.microsoft.com/office/drawing/2014/main" id="{F60D9B38-5067-4841-9B4A-CE7786A2CB4A}"/>
-              </a:ext>
-            </a:extLst>
-          </p:cNvPr>
-          <p:cNvSpPr/>
+          <p:cNvPr id="11" name="TextBox 10">
+            <a:extLst>
+              <a:ext uri="{FF2B5EF4-FFF2-40B4-BE49-F238E27FC236}">
+                <a16:creationId xmlns:a16="http://schemas.microsoft.com/office/drawing/2014/main" id="{13E2DF1E-6C2C-406F-BEFA-709E8A507357}"/>
+              </a:ext>
+            </a:extLst>
+          </p:cNvPr>
+          <p:cNvSpPr txBox="1"/>
           <p:nvPr/>
         </p:nvSpPr>
         <p:spPr>
           <a:xfrm>
-            <a:off x="2089022" y="588106"/>
-            <a:ext cx="7978466" cy="4128694"/>
+            <a:off x="80629" y="602214"/>
+            <a:ext cx="12037390" cy="3684920"/>
           </a:xfrm>
           <a:prstGeom prst="rect">
             <a:avLst/>
@@ -5236,197 +5257,163 @@
           <a:noFill/>
         </p:spPr>
         <p:txBody>
-          <a:bodyPr wrap="none" lIns="91440" tIns="45720" rIns="91440" bIns="45720">
+          <a:bodyPr wrap="square" rtlCol="0">
             <a:spAutoFit/>
           </a:bodyPr>
           <a:lstStyle/>
           <a:p>
-            <a:pPr algn="ctr"/>
-            <a:r>
-              <a:rPr lang="en-US" sz="8800" b="1" cap="none" spc="0" dirty="0">
-                <a:ln w="9525">
-                  <a:solidFill>
-                    <a:schemeClr val="bg1"/>
-                  </a:solidFill>
-                  <a:prstDash val="solid"/>
-                </a:ln>
-                <a:solidFill>
-                  <a:schemeClr val="accent5"/>
-                </a:solidFill>
-                <a:effectLst>
-                  <a:outerShdw blurRad="12700" dist="38100" dir="2700000" algn="tl" rotWithShape="0">
-                    <a:schemeClr val="accent5">
-                      <a:lumMod val="60000"/>
-                      <a:lumOff val="40000"/>
-                    </a:schemeClr>
-                  </a:outerShdw>
-                </a:effectLst>
+            <a:pPr>
+              <a:lnSpc>
+                <a:spcPct val="200000"/>
+              </a:lnSpc>
+            </a:pPr>
+            <a:r>
+              <a:rPr lang="en-US" sz="2000" dirty="0">
+                <a:solidFill>
+                  <a:srgbClr val="002060"/>
+                </a:solidFill>
                 <a:latin typeface="Verdana" panose="020B0604030504040204" pitchFamily="34" charset="0"/>
                 <a:ea typeface="Verdana" panose="020B0604030504040204" pitchFamily="34" charset="0"/>
               </a:rPr>
-              <a:t>Demo </a:t>
-            </a:r>
-            <a:r>
-              <a:rPr lang="en-US" sz="8800" b="1" dirty="0">
-                <a:ln w="9525">
-                  <a:solidFill>
-                    <a:schemeClr val="bg1"/>
-                  </a:solidFill>
-                  <a:prstDash val="solid"/>
-                </a:ln>
-                <a:solidFill>
-                  <a:schemeClr val="accent5"/>
-                </a:solidFill>
-                <a:effectLst>
-                  <a:outerShdw blurRad="12700" dist="38100" dir="2700000" algn="tl" rotWithShape="0">
-                    <a:schemeClr val="accent5">
-                      <a:lumMod val="60000"/>
-                      <a:lumOff val="40000"/>
-                    </a:schemeClr>
-                  </a:outerShdw>
-                </a:effectLst>
+              <a:t>Working with Angular UI with Hosted Middle Tier, and </a:t>
+            </a:r>
+            <a:r>
+              <a:rPr lang="en-US" sz="2000" dirty="0" err="1">
+                <a:solidFill>
+                  <a:srgbClr val="002060"/>
+                </a:solidFill>
                 <a:latin typeface="Verdana" panose="020B0604030504040204" pitchFamily="34" charset="0"/>
                 <a:ea typeface="Verdana" panose="020B0604030504040204" pitchFamily="34" charset="0"/>
               </a:rPr>
-              <a:t>4</a:t>
-            </a:r>
-            <a:endParaRPr lang="en-US" sz="8800" b="1" cap="none" spc="0" dirty="0">
-              <a:ln w="9525">
-                <a:solidFill>
-                  <a:schemeClr val="bg1"/>
-                </a:solidFill>
-                <a:prstDash val="solid"/>
-              </a:ln>
+              <a:t>Api</a:t>
+            </a:r>
+            <a:r>
+              <a:rPr lang="en-US" sz="2000" dirty="0">
+                <a:solidFill>
+                  <a:srgbClr val="002060"/>
+                </a:solidFill>
+                <a:latin typeface="Verdana" panose="020B0604030504040204" pitchFamily="34" charset="0"/>
+                <a:ea typeface="Verdana" panose="020B0604030504040204" pitchFamily="34" charset="0"/>
+              </a:rPr>
+              <a:t> Gateway</a:t>
+            </a:r>
+          </a:p>
+          <a:p>
+            <a:pPr marL="171450" indent="-171450">
+              <a:lnSpc>
+                <a:spcPct val="200000"/>
+              </a:lnSpc>
+              <a:buFont typeface="Wingdings" panose="05000000000000000000" pitchFamily="2" charset="2"/>
+              <a:buChar char="Ø"/>
+            </a:pPr>
+            <a:r>
+              <a:rPr lang="en-US" sz="2000" dirty="0">
+                <a:solidFill>
+                  <a:srgbClr val="002060"/>
+                </a:solidFill>
+                <a:latin typeface="Verdana" panose="020B0604030504040204" pitchFamily="34" charset="0"/>
+                <a:ea typeface="Verdana" panose="020B0604030504040204" pitchFamily="34" charset="0"/>
+              </a:rPr>
+              <a:t> Retrieve the data using Hosted Web </a:t>
+            </a:r>
+            <a:r>
+              <a:rPr lang="en-US" sz="2000" dirty="0" err="1">
+                <a:solidFill>
+                  <a:srgbClr val="002060"/>
+                </a:solidFill>
+                <a:latin typeface="Verdana" panose="020B0604030504040204" pitchFamily="34" charset="0"/>
+                <a:ea typeface="Verdana" panose="020B0604030504040204" pitchFamily="34" charset="0"/>
+              </a:rPr>
+              <a:t>Api</a:t>
+            </a:r>
+            <a:r>
+              <a:rPr lang="en-US" sz="2000" dirty="0">
+                <a:solidFill>
+                  <a:srgbClr val="002060"/>
+                </a:solidFill>
+                <a:latin typeface="Verdana" panose="020B0604030504040204" pitchFamily="34" charset="0"/>
+                <a:ea typeface="Verdana" panose="020B0604030504040204" pitchFamily="34" charset="0"/>
+              </a:rPr>
+              <a:t>.</a:t>
+            </a:r>
+          </a:p>
+          <a:p>
+            <a:pPr marL="171450" indent="-171450">
+              <a:lnSpc>
+                <a:spcPct val="200000"/>
+              </a:lnSpc>
+              <a:buFont typeface="Wingdings" panose="05000000000000000000" pitchFamily="2" charset="2"/>
+              <a:buChar char="Ø"/>
+            </a:pPr>
+            <a:r>
+              <a:rPr lang="en-US" sz="2000" dirty="0">
+                <a:solidFill>
+                  <a:srgbClr val="002060"/>
+                </a:solidFill>
+                <a:latin typeface="Verdana" panose="020B0604030504040204" pitchFamily="34" charset="0"/>
+                <a:ea typeface="Verdana" panose="020B0604030504040204" pitchFamily="34" charset="0"/>
+              </a:rPr>
+              <a:t> Retrieve the data using APIM Gateway.</a:t>
+            </a:r>
+          </a:p>
+          <a:p>
+            <a:pPr marL="800100" lvl="1" indent="-342900">
+              <a:lnSpc>
+                <a:spcPct val="200000"/>
+              </a:lnSpc>
+              <a:buFont typeface="Wingdings" panose="05000000000000000000" pitchFamily="2" charset="2"/>
+              <a:buChar char="ü"/>
+            </a:pPr>
+            <a:r>
+              <a:rPr lang="en-US" sz="2000" dirty="0">
+                <a:solidFill>
+                  <a:srgbClr val="002060"/>
+                </a:solidFill>
+                <a:latin typeface="Verdana" panose="020B0604030504040204" pitchFamily="34" charset="0"/>
+                <a:ea typeface="Verdana" panose="020B0604030504040204" pitchFamily="34" charset="0"/>
+              </a:rPr>
+              <a:t>Adding CORS</a:t>
+            </a:r>
+          </a:p>
+          <a:p>
+            <a:pPr marL="800100" lvl="1" indent="-342900">
+              <a:lnSpc>
+                <a:spcPct val="200000"/>
+              </a:lnSpc>
+              <a:buFont typeface="Wingdings" panose="05000000000000000000" pitchFamily="2" charset="2"/>
+              <a:buChar char="ü"/>
+            </a:pPr>
+            <a:r>
+              <a:rPr lang="en-US" sz="2000" dirty="0">
+                <a:solidFill>
+                  <a:srgbClr val="002060"/>
+                </a:solidFill>
+                <a:latin typeface="Verdana" panose="020B0604030504040204" pitchFamily="34" charset="0"/>
+                <a:ea typeface="Verdana" panose="020B0604030504040204" pitchFamily="34" charset="0"/>
+              </a:rPr>
+              <a:t>Passing Headers to APIM Gateway.</a:t>
+            </a:r>
+          </a:p>
+          <a:p>
+            <a:pPr>
+              <a:lnSpc>
+                <a:spcPct val="200000"/>
+              </a:lnSpc>
+            </a:pPr>
+            <a:endParaRPr lang="en-IN" sz="2000" dirty="0">
               <a:solidFill>
-                <a:schemeClr val="accent5"/>
+                <a:srgbClr val="002060"/>
               </a:solidFill>
-              <a:effectLst>
-                <a:outerShdw blurRad="12700" dist="38100" dir="2700000" algn="tl" rotWithShape="0">
-                  <a:schemeClr val="accent5">
-                    <a:lumMod val="60000"/>
-                    <a:lumOff val="40000"/>
-                  </a:schemeClr>
-                </a:outerShdw>
-              </a:effectLst>
               <a:latin typeface="Verdana" panose="020B0604030504040204" pitchFamily="34" charset="0"/>
               <a:ea typeface="Verdana" panose="020B0604030504040204" pitchFamily="34" charset="0"/>
             </a:endParaRPr>
           </a:p>
-          <a:p>
-            <a:pPr marL="1371600" indent="-1371600" algn="ctr">
-              <a:buAutoNum type="arabicPeriod"/>
-            </a:pPr>
-            <a:endParaRPr lang="en-US" sz="4000" b="1" cap="none" spc="0" dirty="0">
-              <a:ln w="9525">
-                <a:solidFill>
-                  <a:schemeClr val="bg1"/>
-                </a:solidFill>
-                <a:prstDash val="solid"/>
-              </a:ln>
-              <a:solidFill>
-                <a:schemeClr val="accent5"/>
-              </a:solidFill>
-              <a:effectLst>
-                <a:outerShdw blurRad="12700" dist="38100" dir="2700000" algn="tl" rotWithShape="0">
-                  <a:schemeClr val="accent5">
-                    <a:lumMod val="60000"/>
-                    <a:lumOff val="40000"/>
-                  </a:schemeClr>
-                </a:outerShdw>
-              </a:effectLst>
-              <a:latin typeface="Verdana" panose="020B0604030504040204" pitchFamily="34" charset="0"/>
-              <a:ea typeface="Verdana" panose="020B0604030504040204" pitchFamily="34" charset="0"/>
-            </a:endParaRPr>
-          </a:p>
-          <a:p>
-            <a:pPr algn="ctr">
-              <a:lnSpc>
-                <a:spcPct val="150000"/>
-              </a:lnSpc>
-            </a:pPr>
-            <a:r>
-              <a:rPr lang="en-US" sz="4800" b="1" dirty="0">
-                <a:ln w="9525">
-                  <a:solidFill>
-                    <a:schemeClr val="bg1"/>
-                  </a:solidFill>
-                  <a:prstDash val="solid"/>
-                </a:ln>
-                <a:solidFill>
-                  <a:schemeClr val="accent5"/>
-                </a:solidFill>
-                <a:effectLst>
-                  <a:outerShdw blurRad="12700" dist="38100" dir="2700000" algn="tl" rotWithShape="0">
-                    <a:schemeClr val="accent5">
-                      <a:lumMod val="60000"/>
-                      <a:lumOff val="40000"/>
-                    </a:schemeClr>
-                  </a:outerShdw>
-                </a:effectLst>
-                <a:latin typeface="Verdana" panose="020B0604030504040204" pitchFamily="34" charset="0"/>
-                <a:ea typeface="Verdana" panose="020B0604030504040204" pitchFamily="34" charset="0"/>
-              </a:rPr>
-              <a:t>Invoking API Gateway</a:t>
-            </a:r>
-          </a:p>
-          <a:p>
-            <a:pPr algn="ctr">
-              <a:lnSpc>
-                <a:spcPct val="150000"/>
-              </a:lnSpc>
-            </a:pPr>
-            <a:r>
-              <a:rPr lang="en-US" sz="4800" b="1" dirty="0">
-                <a:ln w="9525">
-                  <a:solidFill>
-                    <a:schemeClr val="bg1"/>
-                  </a:solidFill>
-                  <a:prstDash val="solid"/>
-                </a:ln>
-                <a:solidFill>
-                  <a:schemeClr val="accent5"/>
-                </a:solidFill>
-                <a:effectLst>
-                  <a:outerShdw blurRad="12700" dist="38100" dir="2700000" algn="tl" rotWithShape="0">
-                    <a:schemeClr val="accent5">
-                      <a:lumMod val="60000"/>
-                      <a:lumOff val="40000"/>
-                    </a:schemeClr>
-                  </a:outerShdw>
-                </a:effectLst>
-                <a:latin typeface="Verdana" panose="020B0604030504040204" pitchFamily="34" charset="0"/>
-                <a:ea typeface="Verdana" panose="020B0604030504040204" pitchFamily="34" charset="0"/>
-              </a:rPr>
-              <a:t>/BFF from Angular UI</a:t>
-            </a:r>
-            <a:endParaRPr lang="en-US" sz="4800" b="1" cap="none" spc="0" dirty="0">
-              <a:ln w="9525">
-                <a:solidFill>
-                  <a:schemeClr val="bg1"/>
-                </a:solidFill>
-                <a:prstDash val="solid"/>
-              </a:ln>
-              <a:solidFill>
-                <a:schemeClr val="accent5"/>
-              </a:solidFill>
-              <a:effectLst>
-                <a:outerShdw blurRad="12700" dist="38100" dir="2700000" algn="tl" rotWithShape="0">
-                  <a:schemeClr val="accent5">
-                    <a:lumMod val="60000"/>
-                    <a:lumOff val="40000"/>
-                  </a:schemeClr>
-                </a:outerShdw>
-              </a:effectLst>
-              <a:latin typeface="Verdana" panose="020B0604030504040204" pitchFamily="34" charset="0"/>
-              <a:ea typeface="Verdana" panose="020B0604030504040204" pitchFamily="34" charset="0"/>
-            </a:endParaRPr>
-          </a:p>
         </p:txBody>
       </p:sp>
     </p:spTree>
     <p:extLst>
       <p:ext uri="{BB962C8B-B14F-4D97-AF65-F5344CB8AC3E}">
-        <p14:creationId xmlns:p14="http://schemas.microsoft.com/office/powerpoint/2010/main" val="769488225"/>
+        <p14:creationId xmlns:p14="http://schemas.microsoft.com/office/powerpoint/2010/main" val="1933217885"/>
       </p:ext>
     </p:extLst>
   </p:cSld>
@@ -5455,10 +5442,10 @@
       </p:grpSpPr>
       <p:sp>
         <p:nvSpPr>
-          <p:cNvPr id="4" name="Rectangle: Rounded Corners 3">
-            <a:extLst>
-              <a:ext uri="{FF2B5EF4-FFF2-40B4-BE49-F238E27FC236}">
-                <a16:creationId xmlns:a16="http://schemas.microsoft.com/office/drawing/2014/main" id="{81A30E9C-E4F8-4E5A-9C67-31D637F98ADE}"/>
+          <p:cNvPr id="4" name="Rectangle 3">
+            <a:extLst>
+              <a:ext uri="{FF2B5EF4-FFF2-40B4-BE49-F238E27FC236}">
+                <a16:creationId xmlns:a16="http://schemas.microsoft.com/office/drawing/2014/main" id="{055C22F7-3FD1-4C1B-8D0C-0C2F7FB61DBE}"/>
               </a:ext>
             </a:extLst>
           </p:cNvPr>
@@ -5467,12 +5454,15 @@
         </p:nvSpPr>
         <p:spPr>
           <a:xfrm>
-            <a:off x="985421" y="2006353"/>
-            <a:ext cx="1216241" cy="781235"/>
-          </a:xfrm>
-          <a:prstGeom prst="roundRect">
+            <a:off x="0" y="8878"/>
+            <a:ext cx="12183122" cy="497150"/>
+          </a:xfrm>
+          <a:prstGeom prst="rect">
             <a:avLst/>
           </a:prstGeom>
+          <a:solidFill>
+            <a:srgbClr val="0070C0"/>
+          </a:solidFill>
         </p:spPr>
         <p:style>
           <a:lnRef idx="2">
@@ -5496,19 +5486,25 @@
           <a:p>
             <a:pPr algn="ctr"/>
             <a:r>
-              <a:rPr lang="en-US" dirty="0"/>
-              <a:t>UI</a:t>
-            </a:r>
-            <a:endParaRPr lang="en-IN" dirty="0"/>
-          </a:p>
-        </p:txBody>
-      </p:sp>
-      <p:sp>
-        <p:nvSpPr>
-          <p:cNvPr id="5" name="Rectangle: Rounded Corners 4">
-            <a:extLst>
-              <a:ext uri="{FF2B5EF4-FFF2-40B4-BE49-F238E27FC236}">
-                <a16:creationId xmlns:a16="http://schemas.microsoft.com/office/drawing/2014/main" id="{3701FE7F-65C1-4A8D-8586-581D3E8B80AF}"/>
+              <a:rPr lang="en-US" b="1" dirty="0">
+                <a:latin typeface="Verdana" panose="020B0604030504040204" pitchFamily="34" charset="0"/>
+                <a:ea typeface="Verdana" panose="020B0604030504040204" pitchFamily="34" charset="0"/>
+              </a:rPr>
+              <a:t>Adding Policies to Global, Product, Services and Operation Level</a:t>
+            </a:r>
+            <a:endParaRPr lang="en-IN" b="1" dirty="0">
+              <a:latin typeface="Verdana" panose="020B0604030504040204" pitchFamily="34" charset="0"/>
+              <a:ea typeface="Verdana" panose="020B0604030504040204" pitchFamily="34" charset="0"/>
+            </a:endParaRPr>
+          </a:p>
+        </p:txBody>
+      </p:sp>
+      <p:sp>
+        <p:nvSpPr>
+          <p:cNvPr id="7" name="Rectangle 6">
+            <a:extLst>
+              <a:ext uri="{FF2B5EF4-FFF2-40B4-BE49-F238E27FC236}">
+                <a16:creationId xmlns:a16="http://schemas.microsoft.com/office/drawing/2014/main" id="{B10720DE-FD2A-4FE5-B9FB-74854D01A659}"/>
               </a:ext>
             </a:extLst>
           </p:cNvPr>
@@ -5517,12 +5513,15 @@
         </p:nvSpPr>
         <p:spPr>
           <a:xfrm>
-            <a:off x="4307149" y="2006352"/>
-            <a:ext cx="1216241" cy="781235"/>
-          </a:xfrm>
-          <a:prstGeom prst="roundRect">
+            <a:off x="0" y="6383046"/>
+            <a:ext cx="12183122" cy="57703"/>
+          </a:xfrm>
+          <a:prstGeom prst="rect">
             <a:avLst/>
           </a:prstGeom>
+          <a:solidFill>
+            <a:srgbClr val="0070C0"/>
+          </a:solidFill>
         </p:spPr>
         <p:style>
           <a:lnRef idx="2">
@@ -5545,20 +5544,240 @@
           <a:lstStyle/>
           <a:p>
             <a:pPr algn="ctr"/>
-            <a:r>
-              <a:rPr lang="en-US" dirty="0"/>
-              <a:t>API GW</a:t>
-            </a:r>
-            <a:endParaRPr lang="en-IN" dirty="0"/>
-          </a:p>
-        </p:txBody>
-      </p:sp>
-      <p:sp>
-        <p:nvSpPr>
-          <p:cNvPr id="6" name="Rectangle: Rounded Corners 5">
-            <a:extLst>
-              <a:ext uri="{FF2B5EF4-FFF2-40B4-BE49-F238E27FC236}">
-                <a16:creationId xmlns:a16="http://schemas.microsoft.com/office/drawing/2014/main" id="{F78A97B4-F1E3-4932-9408-75B214195608}"/>
+            <a:endParaRPr lang="en-IN" sz="1000" dirty="0">
+              <a:latin typeface="Verdana" panose="020B0604030504040204" pitchFamily="34" charset="0"/>
+              <a:ea typeface="Verdana" panose="020B0604030504040204" pitchFamily="34" charset="0"/>
+            </a:endParaRPr>
+          </a:p>
+        </p:txBody>
+      </p:sp>
+      <p:sp>
+        <p:nvSpPr>
+          <p:cNvPr id="8" name="Footer Placeholder 7">
+            <a:extLst>
+              <a:ext uri="{FF2B5EF4-FFF2-40B4-BE49-F238E27FC236}">
+                <a16:creationId xmlns:a16="http://schemas.microsoft.com/office/drawing/2014/main" id="{DD2A19CA-EC18-432D-8F8F-17079808F38B}"/>
+              </a:ext>
+            </a:extLst>
+          </p:cNvPr>
+          <p:cNvSpPr>
+            <a:spLocks noGrp="1"/>
+          </p:cNvSpPr>
+          <p:nvPr>
+            <p:ph type="ftr" sz="quarter" idx="11"/>
+          </p:nvPr>
+        </p:nvSpPr>
+        <p:spPr>
+          <a:xfrm>
+            <a:off x="4038600" y="6427374"/>
+            <a:ext cx="4114800" cy="365125"/>
+          </a:xfrm>
+        </p:spPr>
+        <p:txBody>
+          <a:bodyPr/>
+          <a:lstStyle/>
+          <a:p>
+            <a:r>
+              <a:rPr lang="en-IN" b="1" dirty="0">
+                <a:solidFill>
+                  <a:srgbClr val="002060"/>
+                </a:solidFill>
+                <a:latin typeface="Verdana" panose="020B0604030504040204" pitchFamily="34" charset="0"/>
+                <a:ea typeface="Verdana" panose="020B0604030504040204" pitchFamily="34" charset="0"/>
+              </a:rPr>
+              <a:t>11-Jul-2020</a:t>
+            </a:r>
+          </a:p>
+        </p:txBody>
+      </p:sp>
+      <p:sp>
+        <p:nvSpPr>
+          <p:cNvPr id="9" name="Slide Number Placeholder 8">
+            <a:extLst>
+              <a:ext uri="{FF2B5EF4-FFF2-40B4-BE49-F238E27FC236}">
+                <a16:creationId xmlns:a16="http://schemas.microsoft.com/office/drawing/2014/main" id="{8162625C-0B1F-42E0-BE7C-D99A08FED7A3}"/>
+              </a:ext>
+            </a:extLst>
+          </p:cNvPr>
+          <p:cNvSpPr>
+            <a:spLocks noGrp="1"/>
+          </p:cNvSpPr>
+          <p:nvPr>
+            <p:ph type="sldNum" sz="quarter" idx="12"/>
+          </p:nvPr>
+        </p:nvSpPr>
+        <p:spPr>
+          <a:xfrm>
+            <a:off x="8610600" y="6427374"/>
+            <a:ext cx="2743200" cy="365125"/>
+          </a:xfrm>
+        </p:spPr>
+        <p:txBody>
+          <a:bodyPr/>
+          <a:lstStyle/>
+          <a:p>
+            <a:fld id="{30AF63FB-5233-4811-A918-B572E3A55817}" type="slidenum">
+              <a:rPr lang="en-IN" b="1" smtClean="0">
+                <a:solidFill>
+                  <a:srgbClr val="002060"/>
+                </a:solidFill>
+                <a:latin typeface="Verdana" panose="020B0604030504040204" pitchFamily="34" charset="0"/>
+                <a:ea typeface="Verdana" panose="020B0604030504040204" pitchFamily="34" charset="0"/>
+              </a:rPr>
+              <a:t>12</a:t>
+            </a:fld>
+            <a:endParaRPr lang="en-IN" b="1" dirty="0">
+              <a:solidFill>
+                <a:srgbClr val="002060"/>
+              </a:solidFill>
+              <a:latin typeface="Verdana" panose="020B0604030504040204" pitchFamily="34" charset="0"/>
+              <a:ea typeface="Verdana" panose="020B0604030504040204" pitchFamily="34" charset="0"/>
+            </a:endParaRPr>
+          </a:p>
+        </p:txBody>
+      </p:sp>
+      <p:sp>
+        <p:nvSpPr>
+          <p:cNvPr id="12" name="Footer Placeholder 7">
+            <a:extLst>
+              <a:ext uri="{FF2B5EF4-FFF2-40B4-BE49-F238E27FC236}">
+                <a16:creationId xmlns:a16="http://schemas.microsoft.com/office/drawing/2014/main" id="{64C57949-E349-47D3-A505-A098233AF49D}"/>
+              </a:ext>
+            </a:extLst>
+          </p:cNvPr>
+          <p:cNvSpPr txBox="1">
+            <a:spLocks/>
+          </p:cNvSpPr>
+          <p:nvPr/>
+        </p:nvSpPr>
+        <p:spPr>
+          <a:xfrm>
+            <a:off x="133897" y="6428848"/>
+            <a:ext cx="4114800" cy="365125"/>
+          </a:xfrm>
+          <a:prstGeom prst="rect">
+            <a:avLst/>
+          </a:prstGeom>
+        </p:spPr>
+        <p:txBody>
+          <a:bodyPr vert="horz" lIns="91440" tIns="45720" rIns="91440" bIns="45720" rtlCol="0" anchor="ctr"/>
+          <a:lstStyle>
+            <a:defPPr>
+              <a:defRPr lang="en-US"/>
+            </a:defPPr>
+            <a:lvl1pPr marL="0" algn="ctr" defTabSz="914400" rtl="0" eaLnBrk="1" latinLnBrk="0" hangingPunct="1">
+              <a:defRPr sz="1200" kern="1200">
+                <a:solidFill>
+                  <a:schemeClr val="tx1">
+                    <a:tint val="75000"/>
+                  </a:schemeClr>
+                </a:solidFill>
+                <a:latin typeface="+mn-lt"/>
+                <a:ea typeface="+mn-ea"/>
+                <a:cs typeface="+mn-cs"/>
+              </a:defRPr>
+            </a:lvl1pPr>
+            <a:lvl2pPr marL="457200" algn="l" defTabSz="914400" rtl="0" eaLnBrk="1" latinLnBrk="0" hangingPunct="1">
+              <a:defRPr sz="1800" kern="1200">
+                <a:solidFill>
+                  <a:schemeClr val="tx1"/>
+                </a:solidFill>
+                <a:latin typeface="+mn-lt"/>
+                <a:ea typeface="+mn-ea"/>
+                <a:cs typeface="+mn-cs"/>
+              </a:defRPr>
+            </a:lvl2pPr>
+            <a:lvl3pPr marL="914400" algn="l" defTabSz="914400" rtl="0" eaLnBrk="1" latinLnBrk="0" hangingPunct="1">
+              <a:defRPr sz="1800" kern="1200">
+                <a:solidFill>
+                  <a:schemeClr val="tx1"/>
+                </a:solidFill>
+                <a:latin typeface="+mn-lt"/>
+                <a:ea typeface="+mn-ea"/>
+                <a:cs typeface="+mn-cs"/>
+              </a:defRPr>
+            </a:lvl3pPr>
+            <a:lvl4pPr marL="1371600" algn="l" defTabSz="914400" rtl="0" eaLnBrk="1" latinLnBrk="0" hangingPunct="1">
+              <a:defRPr sz="1800" kern="1200">
+                <a:solidFill>
+                  <a:schemeClr val="tx1"/>
+                </a:solidFill>
+                <a:latin typeface="+mn-lt"/>
+                <a:ea typeface="+mn-ea"/>
+                <a:cs typeface="+mn-cs"/>
+              </a:defRPr>
+            </a:lvl4pPr>
+            <a:lvl5pPr marL="1828800" algn="l" defTabSz="914400" rtl="0" eaLnBrk="1" latinLnBrk="0" hangingPunct="1">
+              <a:defRPr sz="1800" kern="1200">
+                <a:solidFill>
+                  <a:schemeClr val="tx1"/>
+                </a:solidFill>
+                <a:latin typeface="+mn-lt"/>
+                <a:ea typeface="+mn-ea"/>
+                <a:cs typeface="+mn-cs"/>
+              </a:defRPr>
+            </a:lvl5pPr>
+            <a:lvl6pPr marL="2286000" algn="l" defTabSz="914400" rtl="0" eaLnBrk="1" latinLnBrk="0" hangingPunct="1">
+              <a:defRPr sz="1800" kern="1200">
+                <a:solidFill>
+                  <a:schemeClr val="tx1"/>
+                </a:solidFill>
+                <a:latin typeface="+mn-lt"/>
+                <a:ea typeface="+mn-ea"/>
+                <a:cs typeface="+mn-cs"/>
+              </a:defRPr>
+            </a:lvl6pPr>
+            <a:lvl7pPr marL="2743200" algn="l" defTabSz="914400" rtl="0" eaLnBrk="1" latinLnBrk="0" hangingPunct="1">
+              <a:defRPr sz="1800" kern="1200">
+                <a:solidFill>
+                  <a:schemeClr val="tx1"/>
+                </a:solidFill>
+                <a:latin typeface="+mn-lt"/>
+                <a:ea typeface="+mn-ea"/>
+                <a:cs typeface="+mn-cs"/>
+              </a:defRPr>
+            </a:lvl7pPr>
+            <a:lvl8pPr marL="3200400" algn="l" defTabSz="914400" rtl="0" eaLnBrk="1" latinLnBrk="0" hangingPunct="1">
+              <a:defRPr sz="1800" kern="1200">
+                <a:solidFill>
+                  <a:schemeClr val="tx1"/>
+                </a:solidFill>
+                <a:latin typeface="+mn-lt"/>
+                <a:ea typeface="+mn-ea"/>
+                <a:cs typeface="+mn-cs"/>
+              </a:defRPr>
+            </a:lvl8pPr>
+            <a:lvl9pPr marL="3657600" algn="l" defTabSz="914400" rtl="0" eaLnBrk="1" latinLnBrk="0" hangingPunct="1">
+              <a:defRPr sz="1800" kern="1200">
+                <a:solidFill>
+                  <a:schemeClr val="tx1"/>
+                </a:solidFill>
+                <a:latin typeface="+mn-lt"/>
+                <a:ea typeface="+mn-ea"/>
+                <a:cs typeface="+mn-cs"/>
+              </a:defRPr>
+            </a:lvl9pPr>
+          </a:lstStyle>
+          <a:p>
+            <a:r>
+              <a:rPr lang="en-IN" b="1" dirty="0">
+                <a:solidFill>
+                  <a:srgbClr val="002060"/>
+                </a:solidFill>
+                <a:latin typeface="Verdana" panose="020B0604030504040204" pitchFamily="34" charset="0"/>
+                <a:ea typeface="Verdana" panose="020B0604030504040204" pitchFamily="34" charset="0"/>
+              </a:rPr>
+              <a:t>C# Corner</a:t>
+            </a:r>
+          </a:p>
+        </p:txBody>
+      </p:sp>
+      <p:sp>
+        <p:nvSpPr>
+          <p:cNvPr id="11" name="Rectangle 10">
+            <a:extLst>
+              <a:ext uri="{FF2B5EF4-FFF2-40B4-BE49-F238E27FC236}">
+                <a16:creationId xmlns:a16="http://schemas.microsoft.com/office/drawing/2014/main" id="{F60D9B38-5067-4841-9B4A-CE7786A2CB4A}"/>
               </a:ext>
             </a:extLst>
           </p:cNvPr>
@@ -5567,98 +5786,8 @@
         </p:nvSpPr>
         <p:spPr>
           <a:xfrm>
-            <a:off x="8587666" y="2006352"/>
-            <a:ext cx="1216241" cy="781235"/>
-          </a:xfrm>
-          <a:prstGeom prst="roundRect">
-            <a:avLst/>
-          </a:prstGeom>
-        </p:spPr>
-        <p:style>
-          <a:lnRef idx="2">
-            <a:schemeClr val="accent1">
-              <a:shade val="50000"/>
-            </a:schemeClr>
-          </a:lnRef>
-          <a:fillRef idx="1">
-            <a:schemeClr val="accent1"/>
-          </a:fillRef>
-          <a:effectRef idx="0">
-            <a:schemeClr val="accent1"/>
-          </a:effectRef>
-          <a:fontRef idx="minor">
-            <a:schemeClr val="lt1"/>
-          </a:fontRef>
-        </p:style>
-        <p:txBody>
-          <a:bodyPr rtlCol="0" anchor="ctr"/>
-          <a:lstStyle/>
-          <a:p>
-            <a:pPr algn="ctr"/>
-            <a:r>
-              <a:rPr lang="en-US" dirty="0" err="1"/>
-              <a:t>Iden</a:t>
-            </a:r>
-            <a:r>
-              <a:rPr lang="en-US" dirty="0"/>
-              <a:t> MT</a:t>
-            </a:r>
-            <a:endParaRPr lang="en-IN" dirty="0"/>
-          </a:p>
-        </p:txBody>
-      </p:sp>
-      <p:cxnSp>
-        <p:nvCxnSpPr>
-          <p:cNvPr id="8" name="Straight Connector 7">
-            <a:extLst>
-              <a:ext uri="{FF2B5EF4-FFF2-40B4-BE49-F238E27FC236}">
-                <a16:creationId xmlns:a16="http://schemas.microsoft.com/office/drawing/2014/main" id="{967DF2B2-7895-49D2-ADB0-2643EC9CBBDE}"/>
-              </a:ext>
-            </a:extLst>
-          </p:cNvPr>
-          <p:cNvCxnSpPr/>
-          <p:nvPr/>
-        </p:nvCxnSpPr>
-        <p:spPr>
-          <a:xfrm flipH="1">
-            <a:off x="3116062" y="248575"/>
-            <a:ext cx="62144" cy="5575176"/>
-          </a:xfrm>
-          <a:prstGeom prst="line">
-            <a:avLst/>
-          </a:prstGeom>
-        </p:spPr>
-        <p:style>
-          <a:lnRef idx="1">
-            <a:schemeClr val="accent1"/>
-          </a:lnRef>
-          <a:fillRef idx="0">
-            <a:schemeClr val="accent1"/>
-          </a:fillRef>
-          <a:effectRef idx="0">
-            <a:schemeClr val="accent1"/>
-          </a:effectRef>
-          <a:fontRef idx="minor">
-            <a:schemeClr val="tx1"/>
-          </a:fontRef>
-        </p:style>
-      </p:cxnSp>
-      <p:sp>
-        <p:nvSpPr>
-          <p:cNvPr id="9" name="TextBox 8">
-            <a:extLst>
-              <a:ext uri="{FF2B5EF4-FFF2-40B4-BE49-F238E27FC236}">
-                <a16:creationId xmlns:a16="http://schemas.microsoft.com/office/drawing/2014/main" id="{CEC5D84C-15AC-468D-96BE-A5200F022909}"/>
-              </a:ext>
-            </a:extLst>
-          </p:cNvPr>
-          <p:cNvSpPr txBox="1"/>
-          <p:nvPr/>
-        </p:nvSpPr>
-        <p:spPr>
-          <a:xfrm>
-            <a:off x="6750594" y="3328589"/>
-            <a:ext cx="4714239" cy="923330"/>
+            <a:off x="2089022" y="588106"/>
+            <a:ext cx="7978466" cy="4128694"/>
           </a:xfrm>
           <a:prstGeom prst="rect">
             <a:avLst/>
@@ -5666,116 +5795,197 @@
           <a:noFill/>
         </p:spPr>
         <p:txBody>
-          <a:bodyPr wrap="none" rtlCol="0">
+          <a:bodyPr wrap="none" lIns="91440" tIns="45720" rIns="91440" bIns="45720">
             <a:spAutoFit/>
           </a:bodyPr>
           <a:lstStyle/>
           <a:p>
-            <a:r>
-              <a:rPr lang="en-IN" dirty="0">
-                <a:solidFill>
-                  <a:srgbClr val="C00000"/>
-                </a:solidFill>
-              </a:rPr>
-              <a:t>http://iden-service.azurewebsites.net/api/token</a:t>
-            </a:r>
-          </a:p>
-          <a:p>
-            <a:r>
-              <a:rPr lang="en-IN" dirty="0">
-                <a:solidFill>
-                  <a:srgbClr val="C00000"/>
-                </a:solidFill>
-              </a:rPr>
-              <a:t>POST: </a:t>
-            </a:r>
-            <a:r>
-              <a:rPr lang="en-IN" dirty="0" err="1">
-                <a:solidFill>
-                  <a:srgbClr val="C00000"/>
-                </a:solidFill>
-              </a:rPr>
-              <a:t>Dto</a:t>
-            </a:r>
-            <a:endParaRPr lang="en-IN" dirty="0">
+            <a:pPr algn="ctr"/>
+            <a:r>
+              <a:rPr lang="en-US" sz="8800" b="1" cap="none" spc="0" dirty="0">
+                <a:ln w="9525">
+                  <a:solidFill>
+                    <a:schemeClr val="bg1"/>
+                  </a:solidFill>
+                  <a:prstDash val="solid"/>
+                </a:ln>
+                <a:solidFill>
+                  <a:schemeClr val="accent5"/>
+                </a:solidFill>
+                <a:effectLst>
+                  <a:outerShdw blurRad="12700" dist="38100" dir="2700000" algn="tl" rotWithShape="0">
+                    <a:schemeClr val="accent5">
+                      <a:lumMod val="60000"/>
+                      <a:lumOff val="40000"/>
+                    </a:schemeClr>
+                  </a:outerShdw>
+                </a:effectLst>
+                <a:latin typeface="Verdana" panose="020B0604030504040204" pitchFamily="34" charset="0"/>
+                <a:ea typeface="Verdana" panose="020B0604030504040204" pitchFamily="34" charset="0"/>
+              </a:rPr>
+              <a:t>Demo </a:t>
+            </a:r>
+            <a:r>
+              <a:rPr lang="en-US" sz="8800" b="1" dirty="0">
+                <a:ln w="9525">
+                  <a:solidFill>
+                    <a:schemeClr val="bg1"/>
+                  </a:solidFill>
+                  <a:prstDash val="solid"/>
+                </a:ln>
+                <a:solidFill>
+                  <a:schemeClr val="accent5"/>
+                </a:solidFill>
+                <a:effectLst>
+                  <a:outerShdw blurRad="12700" dist="38100" dir="2700000" algn="tl" rotWithShape="0">
+                    <a:schemeClr val="accent5">
+                      <a:lumMod val="60000"/>
+                      <a:lumOff val="40000"/>
+                    </a:schemeClr>
+                  </a:outerShdw>
+                </a:effectLst>
+                <a:latin typeface="Verdana" panose="020B0604030504040204" pitchFamily="34" charset="0"/>
+                <a:ea typeface="Verdana" panose="020B0604030504040204" pitchFamily="34" charset="0"/>
+              </a:rPr>
+              <a:t>4</a:t>
+            </a:r>
+            <a:endParaRPr lang="en-US" sz="8800" b="1" cap="none" spc="0" dirty="0">
+              <a:ln w="9525">
+                <a:solidFill>
+                  <a:schemeClr val="bg1"/>
+                </a:solidFill>
+                <a:prstDash val="solid"/>
+              </a:ln>
               <a:solidFill>
-                <a:srgbClr val="C00000"/>
+                <a:schemeClr val="accent5"/>
               </a:solidFill>
+              <a:effectLst>
+                <a:outerShdw blurRad="12700" dist="38100" dir="2700000" algn="tl" rotWithShape="0">
+                  <a:schemeClr val="accent5">
+                    <a:lumMod val="60000"/>
+                    <a:lumOff val="40000"/>
+                  </a:schemeClr>
+                </a:outerShdw>
+              </a:effectLst>
+              <a:latin typeface="Verdana" panose="020B0604030504040204" pitchFamily="34" charset="0"/>
+              <a:ea typeface="Verdana" panose="020B0604030504040204" pitchFamily="34" charset="0"/>
             </a:endParaRPr>
           </a:p>
           <a:p>
-            <a:endParaRPr lang="en-IN" dirty="0">
+            <a:pPr marL="1371600" indent="-1371600" algn="ctr">
+              <a:buAutoNum type="arabicPeriod"/>
+            </a:pPr>
+            <a:endParaRPr lang="en-US" sz="4000" b="1" cap="none" spc="0" dirty="0">
+              <a:ln w="9525">
+                <a:solidFill>
+                  <a:schemeClr val="bg1"/>
+                </a:solidFill>
+                <a:prstDash val="solid"/>
+              </a:ln>
               <a:solidFill>
-                <a:srgbClr val="C00000"/>
+                <a:schemeClr val="accent5"/>
               </a:solidFill>
+              <a:effectLst>
+                <a:outerShdw blurRad="12700" dist="38100" dir="2700000" algn="tl" rotWithShape="0">
+                  <a:schemeClr val="accent5">
+                    <a:lumMod val="60000"/>
+                    <a:lumOff val="40000"/>
+                  </a:schemeClr>
+                </a:outerShdw>
+              </a:effectLst>
+              <a:latin typeface="Verdana" panose="020B0604030504040204" pitchFamily="34" charset="0"/>
+              <a:ea typeface="Verdana" panose="020B0604030504040204" pitchFamily="34" charset="0"/>
             </a:endParaRPr>
           </a:p>
-        </p:txBody>
-      </p:sp>
-      <p:sp>
-        <p:nvSpPr>
-          <p:cNvPr id="10" name="TextBox 9">
-            <a:extLst>
-              <a:ext uri="{FF2B5EF4-FFF2-40B4-BE49-F238E27FC236}">
-                <a16:creationId xmlns:a16="http://schemas.microsoft.com/office/drawing/2014/main" id="{A0C489EB-90D8-4E57-AF61-98C3A9B9D317}"/>
-              </a:ext>
-            </a:extLst>
-          </p:cNvPr>
-          <p:cNvSpPr txBox="1"/>
-          <p:nvPr/>
-        </p:nvSpPr>
-        <p:spPr>
-          <a:xfrm>
-            <a:off x="3525816" y="4414982"/>
-            <a:ext cx="5495094" cy="923330"/>
-          </a:xfrm>
-          <a:prstGeom prst="rect">
-            <a:avLst/>
-          </a:prstGeom>
-          <a:noFill/>
-        </p:spPr>
-        <p:txBody>
-          <a:bodyPr wrap="none" rtlCol="0">
-            <a:spAutoFit/>
-          </a:bodyPr>
-          <a:lstStyle/>
-          <a:p>
-            <a:r>
-              <a:rPr lang="en-IN" dirty="0">
-                <a:hlinkClick r:id="rId2"/>
-              </a:rPr>
-              <a:t>https://iden-service.azure-api.net/wfsapimgw/api/token</a:t>
-            </a:r>
-            <a:endParaRPr lang="en-IN" dirty="0"/>
-          </a:p>
-          <a:p>
-            <a:r>
-              <a:rPr lang="en-IN" dirty="0"/>
-              <a:t>POST: </a:t>
-            </a:r>
-            <a:r>
-              <a:rPr lang="en-IN" dirty="0" err="1"/>
-              <a:t>Dto</a:t>
-            </a:r>
-            <a:endParaRPr lang="en-IN" dirty="0"/>
-          </a:p>
-          <a:p>
-            <a:r>
-              <a:rPr lang="en-IN" dirty="0"/>
-              <a:t>Headers: </a:t>
-            </a:r>
-            <a:r>
-              <a:rPr lang="en-IN"/>
-              <a:t>SubKey</a:t>
-            </a:r>
-            <a:endParaRPr lang="en-IN" dirty="0"/>
+          <a:p>
+            <a:pPr algn="ctr">
+              <a:lnSpc>
+                <a:spcPct val="150000"/>
+              </a:lnSpc>
+            </a:pPr>
+            <a:r>
+              <a:rPr lang="en-US" sz="4800" b="1" dirty="0">
+                <a:ln w="9525">
+                  <a:solidFill>
+                    <a:schemeClr val="bg1"/>
+                  </a:solidFill>
+                  <a:prstDash val="solid"/>
+                </a:ln>
+                <a:solidFill>
+                  <a:schemeClr val="accent5"/>
+                </a:solidFill>
+                <a:effectLst>
+                  <a:outerShdw blurRad="12700" dist="38100" dir="2700000" algn="tl" rotWithShape="0">
+                    <a:schemeClr val="accent5">
+                      <a:lumMod val="60000"/>
+                      <a:lumOff val="40000"/>
+                    </a:schemeClr>
+                  </a:outerShdw>
+                </a:effectLst>
+                <a:latin typeface="Verdana" panose="020B0604030504040204" pitchFamily="34" charset="0"/>
+                <a:ea typeface="Verdana" panose="020B0604030504040204" pitchFamily="34" charset="0"/>
+              </a:rPr>
+              <a:t>Invoking API Gateway</a:t>
+            </a:r>
+          </a:p>
+          <a:p>
+            <a:pPr algn="ctr">
+              <a:lnSpc>
+                <a:spcPct val="150000"/>
+              </a:lnSpc>
+            </a:pPr>
+            <a:r>
+              <a:rPr lang="en-US" sz="4800" b="1" dirty="0">
+                <a:ln w="9525">
+                  <a:solidFill>
+                    <a:schemeClr val="bg1"/>
+                  </a:solidFill>
+                  <a:prstDash val="solid"/>
+                </a:ln>
+                <a:solidFill>
+                  <a:schemeClr val="accent5"/>
+                </a:solidFill>
+                <a:effectLst>
+                  <a:outerShdw blurRad="12700" dist="38100" dir="2700000" algn="tl" rotWithShape="0">
+                    <a:schemeClr val="accent5">
+                      <a:lumMod val="60000"/>
+                      <a:lumOff val="40000"/>
+                    </a:schemeClr>
+                  </a:outerShdw>
+                </a:effectLst>
+                <a:latin typeface="Verdana" panose="020B0604030504040204" pitchFamily="34" charset="0"/>
+                <a:ea typeface="Verdana" panose="020B0604030504040204" pitchFamily="34" charset="0"/>
+              </a:rPr>
+              <a:t>/BFF from Angular UI</a:t>
+            </a:r>
+            <a:endParaRPr lang="en-US" sz="4800" b="1" cap="none" spc="0" dirty="0">
+              <a:ln w="9525">
+                <a:solidFill>
+                  <a:schemeClr val="bg1"/>
+                </a:solidFill>
+                <a:prstDash val="solid"/>
+              </a:ln>
+              <a:solidFill>
+                <a:schemeClr val="accent5"/>
+              </a:solidFill>
+              <a:effectLst>
+                <a:outerShdw blurRad="12700" dist="38100" dir="2700000" algn="tl" rotWithShape="0">
+                  <a:schemeClr val="accent5">
+                    <a:lumMod val="60000"/>
+                    <a:lumOff val="40000"/>
+                  </a:schemeClr>
+                </a:outerShdw>
+              </a:effectLst>
+              <a:latin typeface="Verdana" panose="020B0604030504040204" pitchFamily="34" charset="0"/>
+              <a:ea typeface="Verdana" panose="020B0604030504040204" pitchFamily="34" charset="0"/>
+            </a:endParaRPr>
           </a:p>
         </p:txBody>
       </p:sp>
     </p:spTree>
     <p:extLst>
       <p:ext uri="{BB962C8B-B14F-4D97-AF65-F5344CB8AC3E}">
-        <p14:creationId xmlns:p14="http://schemas.microsoft.com/office/powerpoint/2010/main" val="3798582057"/>
+        <p14:creationId xmlns:p14="http://schemas.microsoft.com/office/powerpoint/2010/main" val="769488225"/>
       </p:ext>
     </p:extLst>
   </p:cSld>
@@ -5804,10 +6014,10 @@
       </p:grpSpPr>
       <p:sp>
         <p:nvSpPr>
-          <p:cNvPr id="4" name="Rectangle 3">
-            <a:extLst>
-              <a:ext uri="{FF2B5EF4-FFF2-40B4-BE49-F238E27FC236}">
-                <a16:creationId xmlns:a16="http://schemas.microsoft.com/office/drawing/2014/main" id="{055C22F7-3FD1-4C1B-8D0C-0C2F7FB61DBE}"/>
+          <p:cNvPr id="4" name="Rectangle: Rounded Corners 3">
+            <a:extLst>
+              <a:ext uri="{FF2B5EF4-FFF2-40B4-BE49-F238E27FC236}">
+                <a16:creationId xmlns:a16="http://schemas.microsoft.com/office/drawing/2014/main" id="{81A30E9C-E4F8-4E5A-9C67-31D637F98ADE}"/>
               </a:ext>
             </a:extLst>
           </p:cNvPr>
@@ -5816,15 +6026,12 @@
         </p:nvSpPr>
         <p:spPr>
           <a:xfrm>
-            <a:off x="0" y="8878"/>
-            <a:ext cx="12183122" cy="497150"/>
-          </a:xfrm>
-          <a:prstGeom prst="rect">
+            <a:off x="985421" y="2006353"/>
+            <a:ext cx="1216241" cy="781235"/>
+          </a:xfrm>
+          <a:prstGeom prst="roundRect">
             <a:avLst/>
           </a:prstGeom>
-          <a:solidFill>
-            <a:srgbClr val="0070C0"/>
-          </a:solidFill>
         </p:spPr>
         <p:style>
           <a:lnRef idx="2">
@@ -5848,25 +6055,19 @@
           <a:p>
             <a:pPr algn="ctr"/>
             <a:r>
-              <a:rPr lang="en-US" b="1" dirty="0">
-                <a:latin typeface="Verdana" panose="020B0604030504040204" pitchFamily="34" charset="0"/>
-                <a:ea typeface="Verdana" panose="020B0604030504040204" pitchFamily="34" charset="0"/>
-              </a:rPr>
-              <a:t>C# Corner Global Monthly Virtual Meet – April 2020</a:t>
-            </a:r>
-            <a:endParaRPr lang="en-IN" b="1" dirty="0">
-              <a:latin typeface="Verdana" panose="020B0604030504040204" pitchFamily="34" charset="0"/>
-              <a:ea typeface="Verdana" panose="020B0604030504040204" pitchFamily="34" charset="0"/>
-            </a:endParaRPr>
-          </a:p>
-        </p:txBody>
-      </p:sp>
-      <p:sp>
-        <p:nvSpPr>
-          <p:cNvPr id="7" name="Rectangle 6">
-            <a:extLst>
-              <a:ext uri="{FF2B5EF4-FFF2-40B4-BE49-F238E27FC236}">
-                <a16:creationId xmlns:a16="http://schemas.microsoft.com/office/drawing/2014/main" id="{B10720DE-FD2A-4FE5-B9FB-74854D01A659}"/>
+              <a:rPr lang="en-US" dirty="0"/>
+              <a:t>UI</a:t>
+            </a:r>
+            <a:endParaRPr lang="en-IN" dirty="0"/>
+          </a:p>
+        </p:txBody>
+      </p:sp>
+      <p:sp>
+        <p:nvSpPr>
+          <p:cNvPr id="5" name="Rectangle: Rounded Corners 4">
+            <a:extLst>
+              <a:ext uri="{FF2B5EF4-FFF2-40B4-BE49-F238E27FC236}">
+                <a16:creationId xmlns:a16="http://schemas.microsoft.com/office/drawing/2014/main" id="{3701FE7F-65C1-4A8D-8586-581D3E8B80AF}"/>
               </a:ext>
             </a:extLst>
           </p:cNvPr>
@@ -5875,15 +6076,12 @@
         </p:nvSpPr>
         <p:spPr>
           <a:xfrm>
-            <a:off x="0" y="6383046"/>
-            <a:ext cx="12183122" cy="57703"/>
-          </a:xfrm>
-          <a:prstGeom prst="rect">
+            <a:off x="4307149" y="2006352"/>
+            <a:ext cx="1216241" cy="781235"/>
+          </a:xfrm>
+          <a:prstGeom prst="roundRect">
             <a:avLst/>
           </a:prstGeom>
-          <a:solidFill>
-            <a:srgbClr val="0070C0"/>
-          </a:solidFill>
         </p:spPr>
         <p:style>
           <a:lnRef idx="2">
@@ -5906,250 +6104,120 @@
           <a:lstStyle/>
           <a:p>
             <a:pPr algn="ctr"/>
-            <a:endParaRPr lang="en-IN" sz="1000" dirty="0">
-              <a:latin typeface="Verdana" panose="020B0604030504040204" pitchFamily="34" charset="0"/>
-              <a:ea typeface="Verdana" panose="020B0604030504040204" pitchFamily="34" charset="0"/>
-            </a:endParaRPr>
-          </a:p>
-        </p:txBody>
-      </p:sp>
-      <p:sp>
-        <p:nvSpPr>
-          <p:cNvPr id="8" name="Footer Placeholder 7">
-            <a:extLst>
-              <a:ext uri="{FF2B5EF4-FFF2-40B4-BE49-F238E27FC236}">
-                <a16:creationId xmlns:a16="http://schemas.microsoft.com/office/drawing/2014/main" id="{DD2A19CA-EC18-432D-8F8F-17079808F38B}"/>
-              </a:ext>
-            </a:extLst>
-          </p:cNvPr>
-          <p:cNvSpPr>
-            <a:spLocks noGrp="1"/>
-          </p:cNvSpPr>
-          <p:nvPr>
-            <p:ph type="ftr" sz="quarter" idx="11"/>
-          </p:nvPr>
-        </p:nvSpPr>
-        <p:spPr>
-          <a:xfrm>
-            <a:off x="4038600" y="6427374"/>
-            <a:ext cx="4114800" cy="365125"/>
-          </a:xfrm>
-        </p:spPr>
-        <p:txBody>
-          <a:bodyPr/>
-          <a:lstStyle/>
-          <a:p>
-            <a:r>
-              <a:rPr lang="en-IN" b="1" dirty="0">
-                <a:solidFill>
-                  <a:srgbClr val="002060"/>
-                </a:solidFill>
-                <a:latin typeface="Verdana" panose="020B0604030504040204" pitchFamily="34" charset="0"/>
-                <a:ea typeface="Verdana" panose="020B0604030504040204" pitchFamily="34" charset="0"/>
-              </a:rPr>
-              <a:t>11-Jul-2020</a:t>
-            </a:r>
-          </a:p>
-        </p:txBody>
-      </p:sp>
-      <p:sp>
-        <p:nvSpPr>
-          <p:cNvPr id="9" name="Slide Number Placeholder 8">
-            <a:extLst>
-              <a:ext uri="{FF2B5EF4-FFF2-40B4-BE49-F238E27FC236}">
-                <a16:creationId xmlns:a16="http://schemas.microsoft.com/office/drawing/2014/main" id="{8162625C-0B1F-42E0-BE7C-D99A08FED7A3}"/>
-              </a:ext>
-            </a:extLst>
-          </p:cNvPr>
-          <p:cNvSpPr>
-            <a:spLocks noGrp="1"/>
-          </p:cNvSpPr>
-          <p:nvPr>
-            <p:ph type="sldNum" sz="quarter" idx="12"/>
-          </p:nvPr>
-        </p:nvSpPr>
-        <p:spPr>
-          <a:xfrm>
-            <a:off x="8610600" y="6427374"/>
-            <a:ext cx="2743200" cy="365125"/>
-          </a:xfrm>
-        </p:spPr>
-        <p:txBody>
-          <a:bodyPr/>
-          <a:lstStyle/>
-          <a:p>
-            <a:fld id="{30AF63FB-5233-4811-A918-B572E3A55817}" type="slidenum">
-              <a:rPr lang="en-IN" b="1" smtClean="0">
-                <a:solidFill>
-                  <a:srgbClr val="002060"/>
-                </a:solidFill>
-                <a:latin typeface="Verdana" panose="020B0604030504040204" pitchFamily="34" charset="0"/>
-                <a:ea typeface="Verdana" panose="020B0604030504040204" pitchFamily="34" charset="0"/>
-              </a:rPr>
-              <a:t>13</a:t>
-            </a:fld>
-            <a:endParaRPr lang="en-IN" b="1" dirty="0">
-              <a:solidFill>
-                <a:srgbClr val="002060"/>
-              </a:solidFill>
-              <a:latin typeface="Verdana" panose="020B0604030504040204" pitchFamily="34" charset="0"/>
-              <a:ea typeface="Verdana" panose="020B0604030504040204" pitchFamily="34" charset="0"/>
-            </a:endParaRPr>
-          </a:p>
-        </p:txBody>
-      </p:sp>
-      <p:sp>
-        <p:nvSpPr>
-          <p:cNvPr id="12" name="Footer Placeholder 7">
-            <a:extLst>
-              <a:ext uri="{FF2B5EF4-FFF2-40B4-BE49-F238E27FC236}">
-                <a16:creationId xmlns:a16="http://schemas.microsoft.com/office/drawing/2014/main" id="{64C57949-E349-47D3-A505-A098233AF49D}"/>
-              </a:ext>
-            </a:extLst>
-          </p:cNvPr>
-          <p:cNvSpPr txBox="1">
-            <a:spLocks/>
-          </p:cNvSpPr>
+            <a:r>
+              <a:rPr lang="en-US" dirty="0"/>
+              <a:t>API GW</a:t>
+            </a:r>
+            <a:endParaRPr lang="en-IN" dirty="0"/>
+          </a:p>
+        </p:txBody>
+      </p:sp>
+      <p:sp>
+        <p:nvSpPr>
+          <p:cNvPr id="6" name="Rectangle: Rounded Corners 5">
+            <a:extLst>
+              <a:ext uri="{FF2B5EF4-FFF2-40B4-BE49-F238E27FC236}">
+                <a16:creationId xmlns:a16="http://schemas.microsoft.com/office/drawing/2014/main" id="{F78A97B4-F1E3-4932-9408-75B214195608}"/>
+              </a:ext>
+            </a:extLst>
+          </p:cNvPr>
+          <p:cNvSpPr/>
           <p:nvPr/>
         </p:nvSpPr>
         <p:spPr>
           <a:xfrm>
-            <a:off x="133897" y="6428848"/>
-            <a:ext cx="4114800" cy="365125"/>
-          </a:xfrm>
-          <a:prstGeom prst="rect">
+            <a:off x="8587666" y="2006352"/>
+            <a:ext cx="1216241" cy="781235"/>
+          </a:xfrm>
+          <a:prstGeom prst="roundRect">
             <a:avLst/>
           </a:prstGeom>
         </p:spPr>
-        <p:txBody>
-          <a:bodyPr vert="horz" lIns="91440" tIns="45720" rIns="91440" bIns="45720" rtlCol="0" anchor="ctr"/>
-          <a:lstStyle>
-            <a:defPPr>
-              <a:defRPr lang="en-US"/>
-            </a:defPPr>
-            <a:lvl1pPr marL="0" algn="ctr" defTabSz="914400" rtl="0" eaLnBrk="1" latinLnBrk="0" hangingPunct="1">
-              <a:defRPr sz="1200" kern="1200">
-                <a:solidFill>
-                  <a:schemeClr val="tx1">
-                    <a:tint val="75000"/>
-                  </a:schemeClr>
-                </a:solidFill>
-                <a:latin typeface="+mn-lt"/>
-                <a:ea typeface="+mn-ea"/>
-                <a:cs typeface="+mn-cs"/>
-              </a:defRPr>
-            </a:lvl1pPr>
-            <a:lvl2pPr marL="457200" algn="l" defTabSz="914400" rtl="0" eaLnBrk="1" latinLnBrk="0" hangingPunct="1">
-              <a:defRPr sz="1800" kern="1200">
-                <a:solidFill>
-                  <a:schemeClr val="tx1"/>
-                </a:solidFill>
-                <a:latin typeface="+mn-lt"/>
-                <a:ea typeface="+mn-ea"/>
-                <a:cs typeface="+mn-cs"/>
-              </a:defRPr>
-            </a:lvl2pPr>
-            <a:lvl3pPr marL="914400" algn="l" defTabSz="914400" rtl="0" eaLnBrk="1" latinLnBrk="0" hangingPunct="1">
-              <a:defRPr sz="1800" kern="1200">
-                <a:solidFill>
-                  <a:schemeClr val="tx1"/>
-                </a:solidFill>
-                <a:latin typeface="+mn-lt"/>
-                <a:ea typeface="+mn-ea"/>
-                <a:cs typeface="+mn-cs"/>
-              </a:defRPr>
-            </a:lvl3pPr>
-            <a:lvl4pPr marL="1371600" algn="l" defTabSz="914400" rtl="0" eaLnBrk="1" latinLnBrk="0" hangingPunct="1">
-              <a:defRPr sz="1800" kern="1200">
-                <a:solidFill>
-                  <a:schemeClr val="tx1"/>
-                </a:solidFill>
-                <a:latin typeface="+mn-lt"/>
-                <a:ea typeface="+mn-ea"/>
-                <a:cs typeface="+mn-cs"/>
-              </a:defRPr>
-            </a:lvl4pPr>
-            <a:lvl5pPr marL="1828800" algn="l" defTabSz="914400" rtl="0" eaLnBrk="1" latinLnBrk="0" hangingPunct="1">
-              <a:defRPr sz="1800" kern="1200">
-                <a:solidFill>
-                  <a:schemeClr val="tx1"/>
-                </a:solidFill>
-                <a:latin typeface="+mn-lt"/>
-                <a:ea typeface="+mn-ea"/>
-                <a:cs typeface="+mn-cs"/>
-              </a:defRPr>
-            </a:lvl5pPr>
-            <a:lvl6pPr marL="2286000" algn="l" defTabSz="914400" rtl="0" eaLnBrk="1" latinLnBrk="0" hangingPunct="1">
-              <a:defRPr sz="1800" kern="1200">
-                <a:solidFill>
-                  <a:schemeClr val="tx1"/>
-                </a:solidFill>
-                <a:latin typeface="+mn-lt"/>
-                <a:ea typeface="+mn-ea"/>
-                <a:cs typeface="+mn-cs"/>
-              </a:defRPr>
-            </a:lvl6pPr>
-            <a:lvl7pPr marL="2743200" algn="l" defTabSz="914400" rtl="0" eaLnBrk="1" latinLnBrk="0" hangingPunct="1">
-              <a:defRPr sz="1800" kern="1200">
-                <a:solidFill>
-                  <a:schemeClr val="tx1"/>
-                </a:solidFill>
-                <a:latin typeface="+mn-lt"/>
-                <a:ea typeface="+mn-ea"/>
-                <a:cs typeface="+mn-cs"/>
-              </a:defRPr>
-            </a:lvl7pPr>
-            <a:lvl8pPr marL="3200400" algn="l" defTabSz="914400" rtl="0" eaLnBrk="1" latinLnBrk="0" hangingPunct="1">
-              <a:defRPr sz="1800" kern="1200">
-                <a:solidFill>
-                  <a:schemeClr val="tx1"/>
-                </a:solidFill>
-                <a:latin typeface="+mn-lt"/>
-                <a:ea typeface="+mn-ea"/>
-                <a:cs typeface="+mn-cs"/>
-              </a:defRPr>
-            </a:lvl8pPr>
-            <a:lvl9pPr marL="3657600" algn="l" defTabSz="914400" rtl="0" eaLnBrk="1" latinLnBrk="0" hangingPunct="1">
-              <a:defRPr sz="1800" kern="1200">
-                <a:solidFill>
-                  <a:schemeClr val="tx1"/>
-                </a:solidFill>
-                <a:latin typeface="+mn-lt"/>
-                <a:ea typeface="+mn-ea"/>
-                <a:cs typeface="+mn-cs"/>
-              </a:defRPr>
-            </a:lvl9pPr>
-          </a:lstStyle>
-          <a:p>
-            <a:r>
-              <a:rPr lang="en-IN" b="1" dirty="0">
-                <a:solidFill>
-                  <a:srgbClr val="002060"/>
-                </a:solidFill>
-                <a:latin typeface="Verdana" panose="020B0604030504040204" pitchFamily="34" charset="0"/>
-                <a:ea typeface="Verdana" panose="020B0604030504040204" pitchFamily="34" charset="0"/>
-              </a:rPr>
-              <a:t>C# Corner</a:t>
-            </a:r>
-          </a:p>
-        </p:txBody>
-      </p:sp>
-      <p:sp>
-        <p:nvSpPr>
-          <p:cNvPr id="11" name="Rectangle 10">
-            <a:extLst>
-              <a:ext uri="{FF2B5EF4-FFF2-40B4-BE49-F238E27FC236}">
-                <a16:creationId xmlns:a16="http://schemas.microsoft.com/office/drawing/2014/main" id="{D55098C6-1198-4DAB-B484-23DB1A599453}"/>
-              </a:ext>
-            </a:extLst>
-          </p:cNvPr>
-          <p:cNvSpPr/>
+        <p:style>
+          <a:lnRef idx="2">
+            <a:schemeClr val="accent1">
+              <a:shade val="50000"/>
+            </a:schemeClr>
+          </a:lnRef>
+          <a:fillRef idx="1">
+            <a:schemeClr val="accent1"/>
+          </a:fillRef>
+          <a:effectRef idx="0">
+            <a:schemeClr val="accent1"/>
+          </a:effectRef>
+          <a:fontRef idx="minor">
+            <a:schemeClr val="lt1"/>
+          </a:fontRef>
+        </p:style>
+        <p:txBody>
+          <a:bodyPr rtlCol="0" anchor="ctr"/>
+          <a:lstStyle/>
+          <a:p>
+            <a:pPr algn="ctr"/>
+            <a:r>
+              <a:rPr lang="en-US" dirty="0" err="1"/>
+              <a:t>Iden</a:t>
+            </a:r>
+            <a:r>
+              <a:rPr lang="en-US" dirty="0"/>
+              <a:t> MT</a:t>
+            </a:r>
+            <a:endParaRPr lang="en-IN" dirty="0"/>
+          </a:p>
+        </p:txBody>
+      </p:sp>
+      <p:cxnSp>
+        <p:nvCxnSpPr>
+          <p:cNvPr id="8" name="Straight Connector 7">
+            <a:extLst>
+              <a:ext uri="{FF2B5EF4-FFF2-40B4-BE49-F238E27FC236}">
+                <a16:creationId xmlns:a16="http://schemas.microsoft.com/office/drawing/2014/main" id="{967DF2B2-7895-49D2-ADB0-2643EC9CBBDE}"/>
+              </a:ext>
+            </a:extLst>
+          </p:cNvPr>
+          <p:cNvCxnSpPr/>
           <p:nvPr/>
-        </p:nvSpPr>
-        <p:spPr>
-          <a:xfrm>
-            <a:off x="2860860" y="1724460"/>
-            <a:ext cx="6434775" cy="3154710"/>
+        </p:nvCxnSpPr>
+        <p:spPr>
+          <a:xfrm flipH="1">
+            <a:off x="3116062" y="248575"/>
+            <a:ext cx="62144" cy="5575176"/>
+          </a:xfrm>
+          <a:prstGeom prst="line">
+            <a:avLst/>
+          </a:prstGeom>
+        </p:spPr>
+        <p:style>
+          <a:lnRef idx="1">
+            <a:schemeClr val="accent1"/>
+          </a:lnRef>
+          <a:fillRef idx="0">
+            <a:schemeClr val="accent1"/>
+          </a:fillRef>
+          <a:effectRef idx="0">
+            <a:schemeClr val="accent1"/>
+          </a:effectRef>
+          <a:fontRef idx="minor">
+            <a:schemeClr val="tx1"/>
+          </a:fontRef>
+        </p:style>
+      </p:cxnSp>
+      <p:sp>
+        <p:nvSpPr>
+          <p:cNvPr id="9" name="TextBox 8">
+            <a:extLst>
+              <a:ext uri="{FF2B5EF4-FFF2-40B4-BE49-F238E27FC236}">
+                <a16:creationId xmlns:a16="http://schemas.microsoft.com/office/drawing/2014/main" id="{CEC5D84C-15AC-468D-96BE-A5200F022909}"/>
+              </a:ext>
+            </a:extLst>
+          </p:cNvPr>
+          <p:cNvSpPr txBox="1"/>
+          <p:nvPr/>
+        </p:nvSpPr>
+        <p:spPr>
+          <a:xfrm>
+            <a:off x="6750594" y="3328589"/>
+            <a:ext cx="4714239" cy="923330"/>
           </a:xfrm>
           <a:prstGeom prst="rect">
             <a:avLst/>
@@ -6157,41 +6225,116 @@
           <a:noFill/>
         </p:spPr>
         <p:txBody>
-          <a:bodyPr wrap="none" lIns="91440" tIns="45720" rIns="91440" bIns="45720">
+          <a:bodyPr wrap="none" rtlCol="0">
             <a:spAutoFit/>
           </a:bodyPr>
           <a:lstStyle/>
           <a:p>
-            <a:pPr algn="ctr"/>
-            <a:r>
-              <a:rPr lang="en-US" sz="19900" b="1" cap="none" spc="0" dirty="0">
-                <a:ln w="9525">
-                  <a:solidFill>
-                    <a:schemeClr val="bg1"/>
-                  </a:solidFill>
-                  <a:prstDash val="solid"/>
-                </a:ln>
-                <a:solidFill>
-                  <a:schemeClr val="accent5"/>
-                </a:solidFill>
-                <a:effectLst>
-                  <a:outerShdw blurRad="12700" dist="38100" dir="2700000" algn="tl" rotWithShape="0">
-                    <a:schemeClr val="accent5">
-                      <a:lumMod val="60000"/>
-                      <a:lumOff val="40000"/>
-                    </a:schemeClr>
-                  </a:outerShdw>
-                </a:effectLst>
-              </a:rPr>
-              <a:t>Q &amp; A</a:t>
-            </a:r>
+            <a:r>
+              <a:rPr lang="en-IN" dirty="0">
+                <a:solidFill>
+                  <a:srgbClr val="C00000"/>
+                </a:solidFill>
+              </a:rPr>
+              <a:t>http://iden-service.azurewebsites.net/api/token</a:t>
+            </a:r>
+          </a:p>
+          <a:p>
+            <a:r>
+              <a:rPr lang="en-IN" dirty="0">
+                <a:solidFill>
+                  <a:srgbClr val="C00000"/>
+                </a:solidFill>
+              </a:rPr>
+              <a:t>POST: </a:t>
+            </a:r>
+            <a:r>
+              <a:rPr lang="en-IN" dirty="0" err="1">
+                <a:solidFill>
+                  <a:srgbClr val="C00000"/>
+                </a:solidFill>
+              </a:rPr>
+              <a:t>Dto</a:t>
+            </a:r>
+            <a:endParaRPr lang="en-IN" dirty="0">
+              <a:solidFill>
+                <a:srgbClr val="C00000"/>
+              </a:solidFill>
+            </a:endParaRPr>
+          </a:p>
+          <a:p>
+            <a:endParaRPr lang="en-IN" dirty="0">
+              <a:solidFill>
+                <a:srgbClr val="C00000"/>
+              </a:solidFill>
+            </a:endParaRPr>
+          </a:p>
+        </p:txBody>
+      </p:sp>
+      <p:sp>
+        <p:nvSpPr>
+          <p:cNvPr id="10" name="TextBox 9">
+            <a:extLst>
+              <a:ext uri="{FF2B5EF4-FFF2-40B4-BE49-F238E27FC236}">
+                <a16:creationId xmlns:a16="http://schemas.microsoft.com/office/drawing/2014/main" id="{A0C489EB-90D8-4E57-AF61-98C3A9B9D317}"/>
+              </a:ext>
+            </a:extLst>
+          </p:cNvPr>
+          <p:cNvSpPr txBox="1"/>
+          <p:nvPr/>
+        </p:nvSpPr>
+        <p:spPr>
+          <a:xfrm>
+            <a:off x="3525816" y="4414982"/>
+            <a:ext cx="5495094" cy="923330"/>
+          </a:xfrm>
+          <a:prstGeom prst="rect">
+            <a:avLst/>
+          </a:prstGeom>
+          <a:noFill/>
+        </p:spPr>
+        <p:txBody>
+          <a:bodyPr wrap="none" rtlCol="0">
+            <a:spAutoFit/>
+          </a:bodyPr>
+          <a:lstStyle/>
+          <a:p>
+            <a:r>
+              <a:rPr lang="en-IN" dirty="0">
+                <a:hlinkClick r:id="rId2"/>
+              </a:rPr>
+              <a:t>https://iden-service.azure-api.net/wfsapimgw/api/token</a:t>
+            </a:r>
+            <a:endParaRPr lang="en-IN" dirty="0"/>
+          </a:p>
+          <a:p>
+            <a:r>
+              <a:rPr lang="en-IN" dirty="0"/>
+              <a:t>POST: </a:t>
+            </a:r>
+            <a:r>
+              <a:rPr lang="en-IN" dirty="0" err="1"/>
+              <a:t>Dto</a:t>
+            </a:r>
+            <a:endParaRPr lang="en-IN" dirty="0"/>
+          </a:p>
+          <a:p>
+            <a:r>
+              <a:rPr lang="en-IN" dirty="0"/>
+              <a:t>Headers: </a:t>
+            </a:r>
+            <a:r>
+              <a:rPr lang="en-IN"/>
+              <a:t>SubKey</a:t>
+            </a:r>
+            <a:endParaRPr lang="en-IN" dirty="0"/>
           </a:p>
         </p:txBody>
       </p:sp>
     </p:spTree>
     <p:extLst>
       <p:ext uri="{BB962C8B-B14F-4D97-AF65-F5344CB8AC3E}">
-        <p14:creationId xmlns:p14="http://schemas.microsoft.com/office/powerpoint/2010/main" val="3499439994"/>
+        <p14:creationId xmlns:p14="http://schemas.microsoft.com/office/powerpoint/2010/main" val="3798582057"/>
       </p:ext>
     </p:extLst>
   </p:cSld>
@@ -6403,6 +6546,422 @@
                 <a:ea typeface="Verdana" panose="020B0604030504040204" pitchFamily="34" charset="0"/>
               </a:rPr>
               <a:t>14</a:t>
+            </a:fld>
+            <a:endParaRPr lang="en-IN" b="1" dirty="0">
+              <a:solidFill>
+                <a:srgbClr val="002060"/>
+              </a:solidFill>
+              <a:latin typeface="Verdana" panose="020B0604030504040204" pitchFamily="34" charset="0"/>
+              <a:ea typeface="Verdana" panose="020B0604030504040204" pitchFamily="34" charset="0"/>
+            </a:endParaRPr>
+          </a:p>
+        </p:txBody>
+      </p:sp>
+      <p:sp>
+        <p:nvSpPr>
+          <p:cNvPr id="12" name="Footer Placeholder 7">
+            <a:extLst>
+              <a:ext uri="{FF2B5EF4-FFF2-40B4-BE49-F238E27FC236}">
+                <a16:creationId xmlns:a16="http://schemas.microsoft.com/office/drawing/2014/main" id="{64C57949-E349-47D3-A505-A098233AF49D}"/>
+              </a:ext>
+            </a:extLst>
+          </p:cNvPr>
+          <p:cNvSpPr txBox="1">
+            <a:spLocks/>
+          </p:cNvSpPr>
+          <p:nvPr/>
+        </p:nvSpPr>
+        <p:spPr>
+          <a:xfrm>
+            <a:off x="133897" y="6428848"/>
+            <a:ext cx="4114800" cy="365125"/>
+          </a:xfrm>
+          <a:prstGeom prst="rect">
+            <a:avLst/>
+          </a:prstGeom>
+        </p:spPr>
+        <p:txBody>
+          <a:bodyPr vert="horz" lIns="91440" tIns="45720" rIns="91440" bIns="45720" rtlCol="0" anchor="ctr"/>
+          <a:lstStyle>
+            <a:defPPr>
+              <a:defRPr lang="en-US"/>
+            </a:defPPr>
+            <a:lvl1pPr marL="0" algn="ctr" defTabSz="914400" rtl="0" eaLnBrk="1" latinLnBrk="0" hangingPunct="1">
+              <a:defRPr sz="1200" kern="1200">
+                <a:solidFill>
+                  <a:schemeClr val="tx1">
+                    <a:tint val="75000"/>
+                  </a:schemeClr>
+                </a:solidFill>
+                <a:latin typeface="+mn-lt"/>
+                <a:ea typeface="+mn-ea"/>
+                <a:cs typeface="+mn-cs"/>
+              </a:defRPr>
+            </a:lvl1pPr>
+            <a:lvl2pPr marL="457200" algn="l" defTabSz="914400" rtl="0" eaLnBrk="1" latinLnBrk="0" hangingPunct="1">
+              <a:defRPr sz="1800" kern="1200">
+                <a:solidFill>
+                  <a:schemeClr val="tx1"/>
+                </a:solidFill>
+                <a:latin typeface="+mn-lt"/>
+                <a:ea typeface="+mn-ea"/>
+                <a:cs typeface="+mn-cs"/>
+              </a:defRPr>
+            </a:lvl2pPr>
+            <a:lvl3pPr marL="914400" algn="l" defTabSz="914400" rtl="0" eaLnBrk="1" latinLnBrk="0" hangingPunct="1">
+              <a:defRPr sz="1800" kern="1200">
+                <a:solidFill>
+                  <a:schemeClr val="tx1"/>
+                </a:solidFill>
+                <a:latin typeface="+mn-lt"/>
+                <a:ea typeface="+mn-ea"/>
+                <a:cs typeface="+mn-cs"/>
+              </a:defRPr>
+            </a:lvl3pPr>
+            <a:lvl4pPr marL="1371600" algn="l" defTabSz="914400" rtl="0" eaLnBrk="1" latinLnBrk="0" hangingPunct="1">
+              <a:defRPr sz="1800" kern="1200">
+                <a:solidFill>
+                  <a:schemeClr val="tx1"/>
+                </a:solidFill>
+                <a:latin typeface="+mn-lt"/>
+                <a:ea typeface="+mn-ea"/>
+                <a:cs typeface="+mn-cs"/>
+              </a:defRPr>
+            </a:lvl4pPr>
+            <a:lvl5pPr marL="1828800" algn="l" defTabSz="914400" rtl="0" eaLnBrk="1" latinLnBrk="0" hangingPunct="1">
+              <a:defRPr sz="1800" kern="1200">
+                <a:solidFill>
+                  <a:schemeClr val="tx1"/>
+                </a:solidFill>
+                <a:latin typeface="+mn-lt"/>
+                <a:ea typeface="+mn-ea"/>
+                <a:cs typeface="+mn-cs"/>
+              </a:defRPr>
+            </a:lvl5pPr>
+            <a:lvl6pPr marL="2286000" algn="l" defTabSz="914400" rtl="0" eaLnBrk="1" latinLnBrk="0" hangingPunct="1">
+              <a:defRPr sz="1800" kern="1200">
+                <a:solidFill>
+                  <a:schemeClr val="tx1"/>
+                </a:solidFill>
+                <a:latin typeface="+mn-lt"/>
+                <a:ea typeface="+mn-ea"/>
+                <a:cs typeface="+mn-cs"/>
+              </a:defRPr>
+            </a:lvl6pPr>
+            <a:lvl7pPr marL="2743200" algn="l" defTabSz="914400" rtl="0" eaLnBrk="1" latinLnBrk="0" hangingPunct="1">
+              <a:defRPr sz="1800" kern="1200">
+                <a:solidFill>
+                  <a:schemeClr val="tx1"/>
+                </a:solidFill>
+                <a:latin typeface="+mn-lt"/>
+                <a:ea typeface="+mn-ea"/>
+                <a:cs typeface="+mn-cs"/>
+              </a:defRPr>
+            </a:lvl7pPr>
+            <a:lvl8pPr marL="3200400" algn="l" defTabSz="914400" rtl="0" eaLnBrk="1" latinLnBrk="0" hangingPunct="1">
+              <a:defRPr sz="1800" kern="1200">
+                <a:solidFill>
+                  <a:schemeClr val="tx1"/>
+                </a:solidFill>
+                <a:latin typeface="+mn-lt"/>
+                <a:ea typeface="+mn-ea"/>
+                <a:cs typeface="+mn-cs"/>
+              </a:defRPr>
+            </a:lvl8pPr>
+            <a:lvl9pPr marL="3657600" algn="l" defTabSz="914400" rtl="0" eaLnBrk="1" latinLnBrk="0" hangingPunct="1">
+              <a:defRPr sz="1800" kern="1200">
+                <a:solidFill>
+                  <a:schemeClr val="tx1"/>
+                </a:solidFill>
+                <a:latin typeface="+mn-lt"/>
+                <a:ea typeface="+mn-ea"/>
+                <a:cs typeface="+mn-cs"/>
+              </a:defRPr>
+            </a:lvl9pPr>
+          </a:lstStyle>
+          <a:p>
+            <a:r>
+              <a:rPr lang="en-IN" b="1" dirty="0">
+                <a:solidFill>
+                  <a:srgbClr val="002060"/>
+                </a:solidFill>
+                <a:latin typeface="Verdana" panose="020B0604030504040204" pitchFamily="34" charset="0"/>
+                <a:ea typeface="Verdana" panose="020B0604030504040204" pitchFamily="34" charset="0"/>
+              </a:rPr>
+              <a:t>C# Corner</a:t>
+            </a:r>
+          </a:p>
+        </p:txBody>
+      </p:sp>
+      <p:sp>
+        <p:nvSpPr>
+          <p:cNvPr id="11" name="Rectangle 10">
+            <a:extLst>
+              <a:ext uri="{FF2B5EF4-FFF2-40B4-BE49-F238E27FC236}">
+                <a16:creationId xmlns:a16="http://schemas.microsoft.com/office/drawing/2014/main" id="{D55098C6-1198-4DAB-B484-23DB1A599453}"/>
+              </a:ext>
+            </a:extLst>
+          </p:cNvPr>
+          <p:cNvSpPr/>
+          <p:nvPr/>
+        </p:nvSpPr>
+        <p:spPr>
+          <a:xfrm>
+            <a:off x="2860860" y="1724460"/>
+            <a:ext cx="6434775" cy="3154710"/>
+          </a:xfrm>
+          <a:prstGeom prst="rect">
+            <a:avLst/>
+          </a:prstGeom>
+          <a:noFill/>
+        </p:spPr>
+        <p:txBody>
+          <a:bodyPr wrap="none" lIns="91440" tIns="45720" rIns="91440" bIns="45720">
+            <a:spAutoFit/>
+          </a:bodyPr>
+          <a:lstStyle/>
+          <a:p>
+            <a:pPr algn="ctr"/>
+            <a:r>
+              <a:rPr lang="en-US" sz="19900" b="1" cap="none" spc="0" dirty="0">
+                <a:ln w="9525">
+                  <a:solidFill>
+                    <a:schemeClr val="bg1"/>
+                  </a:solidFill>
+                  <a:prstDash val="solid"/>
+                </a:ln>
+                <a:solidFill>
+                  <a:schemeClr val="accent5"/>
+                </a:solidFill>
+                <a:effectLst>
+                  <a:outerShdw blurRad="12700" dist="38100" dir="2700000" algn="tl" rotWithShape="0">
+                    <a:schemeClr val="accent5">
+                      <a:lumMod val="60000"/>
+                      <a:lumOff val="40000"/>
+                    </a:schemeClr>
+                  </a:outerShdw>
+                </a:effectLst>
+              </a:rPr>
+              <a:t>Q &amp; A</a:t>
+            </a:r>
+          </a:p>
+        </p:txBody>
+      </p:sp>
+    </p:spTree>
+    <p:extLst>
+      <p:ext uri="{BB962C8B-B14F-4D97-AF65-F5344CB8AC3E}">
+        <p14:creationId xmlns:p14="http://schemas.microsoft.com/office/powerpoint/2010/main" val="3499439994"/>
+      </p:ext>
+    </p:extLst>
+  </p:cSld>
+  <p:clrMapOvr>
+    <a:masterClrMapping/>
+  </p:clrMapOvr>
+</p:sld>
+</file>
+
+<file path=ppt/slides/slide15.xml><?xml version="1.0" encoding="utf-8"?>
+<p:sld xmlns:a="http://schemas.openxmlformats.org/drawingml/2006/main" xmlns:r="http://schemas.openxmlformats.org/officeDocument/2006/relationships" xmlns:p="http://schemas.openxmlformats.org/presentationml/2006/main">
+  <p:cSld>
+    <p:spTree>
+      <p:nvGrpSpPr>
+        <p:cNvPr id="1" name=""/>
+        <p:cNvGrpSpPr/>
+        <p:nvPr/>
+      </p:nvGrpSpPr>
+      <p:grpSpPr>
+        <a:xfrm>
+          <a:off x="0" y="0"/>
+          <a:ext cx="0" cy="0"/>
+          <a:chOff x="0" y="0"/>
+          <a:chExt cx="0" cy="0"/>
+        </a:xfrm>
+      </p:grpSpPr>
+      <p:sp>
+        <p:nvSpPr>
+          <p:cNvPr id="4" name="Rectangle 3">
+            <a:extLst>
+              <a:ext uri="{FF2B5EF4-FFF2-40B4-BE49-F238E27FC236}">
+                <a16:creationId xmlns:a16="http://schemas.microsoft.com/office/drawing/2014/main" id="{055C22F7-3FD1-4C1B-8D0C-0C2F7FB61DBE}"/>
+              </a:ext>
+            </a:extLst>
+          </p:cNvPr>
+          <p:cNvSpPr/>
+          <p:nvPr/>
+        </p:nvSpPr>
+        <p:spPr>
+          <a:xfrm>
+            <a:off x="0" y="8878"/>
+            <a:ext cx="12183122" cy="497150"/>
+          </a:xfrm>
+          <a:prstGeom prst="rect">
+            <a:avLst/>
+          </a:prstGeom>
+          <a:solidFill>
+            <a:srgbClr val="0070C0"/>
+          </a:solidFill>
+        </p:spPr>
+        <p:style>
+          <a:lnRef idx="2">
+            <a:schemeClr val="accent1">
+              <a:shade val="50000"/>
+            </a:schemeClr>
+          </a:lnRef>
+          <a:fillRef idx="1">
+            <a:schemeClr val="accent1"/>
+          </a:fillRef>
+          <a:effectRef idx="0">
+            <a:schemeClr val="accent1"/>
+          </a:effectRef>
+          <a:fontRef idx="minor">
+            <a:schemeClr val="lt1"/>
+          </a:fontRef>
+        </p:style>
+        <p:txBody>
+          <a:bodyPr rtlCol="0" anchor="ctr"/>
+          <a:lstStyle/>
+          <a:p>
+            <a:pPr algn="ctr"/>
+            <a:r>
+              <a:rPr lang="en-US" b="1" dirty="0">
+                <a:latin typeface="Verdana" panose="020B0604030504040204" pitchFamily="34" charset="0"/>
+                <a:ea typeface="Verdana" panose="020B0604030504040204" pitchFamily="34" charset="0"/>
+              </a:rPr>
+              <a:t>C# Corner Global Monthly Virtual Meet – April 2020</a:t>
+            </a:r>
+            <a:endParaRPr lang="en-IN" b="1" dirty="0">
+              <a:latin typeface="Verdana" panose="020B0604030504040204" pitchFamily="34" charset="0"/>
+              <a:ea typeface="Verdana" panose="020B0604030504040204" pitchFamily="34" charset="0"/>
+            </a:endParaRPr>
+          </a:p>
+        </p:txBody>
+      </p:sp>
+      <p:sp>
+        <p:nvSpPr>
+          <p:cNvPr id="7" name="Rectangle 6">
+            <a:extLst>
+              <a:ext uri="{FF2B5EF4-FFF2-40B4-BE49-F238E27FC236}">
+                <a16:creationId xmlns:a16="http://schemas.microsoft.com/office/drawing/2014/main" id="{B10720DE-FD2A-4FE5-B9FB-74854D01A659}"/>
+              </a:ext>
+            </a:extLst>
+          </p:cNvPr>
+          <p:cNvSpPr/>
+          <p:nvPr/>
+        </p:nvSpPr>
+        <p:spPr>
+          <a:xfrm>
+            <a:off x="0" y="6383046"/>
+            <a:ext cx="12183122" cy="57703"/>
+          </a:xfrm>
+          <a:prstGeom prst="rect">
+            <a:avLst/>
+          </a:prstGeom>
+          <a:solidFill>
+            <a:srgbClr val="0070C0"/>
+          </a:solidFill>
+        </p:spPr>
+        <p:style>
+          <a:lnRef idx="2">
+            <a:schemeClr val="accent1">
+              <a:shade val="50000"/>
+            </a:schemeClr>
+          </a:lnRef>
+          <a:fillRef idx="1">
+            <a:schemeClr val="accent1"/>
+          </a:fillRef>
+          <a:effectRef idx="0">
+            <a:schemeClr val="accent1"/>
+          </a:effectRef>
+          <a:fontRef idx="minor">
+            <a:schemeClr val="lt1"/>
+          </a:fontRef>
+        </p:style>
+        <p:txBody>
+          <a:bodyPr rtlCol="0" anchor="ctr"/>
+          <a:lstStyle/>
+          <a:p>
+            <a:pPr algn="ctr"/>
+            <a:endParaRPr lang="en-IN" sz="1000" dirty="0">
+              <a:latin typeface="Verdana" panose="020B0604030504040204" pitchFamily="34" charset="0"/>
+              <a:ea typeface="Verdana" panose="020B0604030504040204" pitchFamily="34" charset="0"/>
+            </a:endParaRPr>
+          </a:p>
+        </p:txBody>
+      </p:sp>
+      <p:sp>
+        <p:nvSpPr>
+          <p:cNvPr id="8" name="Footer Placeholder 7">
+            <a:extLst>
+              <a:ext uri="{FF2B5EF4-FFF2-40B4-BE49-F238E27FC236}">
+                <a16:creationId xmlns:a16="http://schemas.microsoft.com/office/drawing/2014/main" id="{DD2A19CA-EC18-432D-8F8F-17079808F38B}"/>
+              </a:ext>
+            </a:extLst>
+          </p:cNvPr>
+          <p:cNvSpPr>
+            <a:spLocks noGrp="1"/>
+          </p:cNvSpPr>
+          <p:nvPr>
+            <p:ph type="ftr" sz="quarter" idx="11"/>
+          </p:nvPr>
+        </p:nvSpPr>
+        <p:spPr>
+          <a:xfrm>
+            <a:off x="4038600" y="6427374"/>
+            <a:ext cx="4114800" cy="365125"/>
+          </a:xfrm>
+        </p:spPr>
+        <p:txBody>
+          <a:bodyPr/>
+          <a:lstStyle/>
+          <a:p>
+            <a:r>
+              <a:rPr lang="en-IN" b="1" dirty="0">
+                <a:solidFill>
+                  <a:srgbClr val="002060"/>
+                </a:solidFill>
+                <a:latin typeface="Verdana" panose="020B0604030504040204" pitchFamily="34" charset="0"/>
+                <a:ea typeface="Verdana" panose="020B0604030504040204" pitchFamily="34" charset="0"/>
+              </a:rPr>
+              <a:t>11-Jul-2020</a:t>
+            </a:r>
+          </a:p>
+        </p:txBody>
+      </p:sp>
+      <p:sp>
+        <p:nvSpPr>
+          <p:cNvPr id="9" name="Slide Number Placeholder 8">
+            <a:extLst>
+              <a:ext uri="{FF2B5EF4-FFF2-40B4-BE49-F238E27FC236}">
+                <a16:creationId xmlns:a16="http://schemas.microsoft.com/office/drawing/2014/main" id="{8162625C-0B1F-42E0-BE7C-D99A08FED7A3}"/>
+              </a:ext>
+            </a:extLst>
+          </p:cNvPr>
+          <p:cNvSpPr>
+            <a:spLocks noGrp="1"/>
+          </p:cNvSpPr>
+          <p:nvPr>
+            <p:ph type="sldNum" sz="quarter" idx="12"/>
+          </p:nvPr>
+        </p:nvSpPr>
+        <p:spPr>
+          <a:xfrm>
+            <a:off x="8610600" y="6427374"/>
+            <a:ext cx="2743200" cy="365125"/>
+          </a:xfrm>
+        </p:spPr>
+        <p:txBody>
+          <a:bodyPr/>
+          <a:lstStyle/>
+          <a:p>
+            <a:fld id="{30AF63FB-5233-4811-A918-B572E3A55817}" type="slidenum">
+              <a:rPr lang="en-IN" b="1" smtClean="0">
+                <a:solidFill>
+                  <a:srgbClr val="002060"/>
+                </a:solidFill>
+                <a:latin typeface="Verdana" panose="020B0604030504040204" pitchFamily="34" charset="0"/>
+                <a:ea typeface="Verdana" panose="020B0604030504040204" pitchFamily="34" charset="0"/>
+              </a:rPr>
+              <a:t>15</a:t>
             </a:fld>
             <a:endParaRPr lang="en-IN" b="1" dirty="0">
               <a:solidFill>
@@ -7127,10 +7686,10 @@
       </p:grpSpPr>
       <p:sp>
         <p:nvSpPr>
-          <p:cNvPr id="4" name="Rectangle 3">
-            <a:extLst>
-              <a:ext uri="{FF2B5EF4-FFF2-40B4-BE49-F238E27FC236}">
-                <a16:creationId xmlns:a16="http://schemas.microsoft.com/office/drawing/2014/main" id="{055C22F7-3FD1-4C1B-8D0C-0C2F7FB61DBE}"/>
+          <p:cNvPr id="4" name="Flowchart: Magnetic Disk 3">
+            <a:extLst>
+              <a:ext uri="{FF2B5EF4-FFF2-40B4-BE49-F238E27FC236}">
+                <a16:creationId xmlns:a16="http://schemas.microsoft.com/office/drawing/2014/main" id="{5954228E-B7B8-471F-96BF-B1A49E1F0578}"/>
               </a:ext>
             </a:extLst>
           </p:cNvPr>
@@ -7139,15 +7698,12 @@
         </p:nvSpPr>
         <p:spPr>
           <a:xfrm>
-            <a:off x="0" y="8878"/>
-            <a:ext cx="12183122" cy="497150"/>
-          </a:xfrm>
-          <a:prstGeom prst="rect">
+            <a:off x="9996256" y="1775534"/>
+            <a:ext cx="887767" cy="1384916"/>
+          </a:xfrm>
+          <a:prstGeom prst="flowChartMagneticDisk">
             <a:avLst/>
           </a:prstGeom>
-          <a:solidFill>
-            <a:srgbClr val="0070C0"/>
-          </a:solidFill>
         </p:spPr>
         <p:style>
           <a:lnRef idx="2">
@@ -7171,21 +7727,18 @@
           <a:p>
             <a:pPr algn="ctr"/>
             <a:r>
-              <a:rPr lang="en-IN" b="1" dirty="0">
-                <a:latin typeface="Verdana" panose="020B0604030504040204" pitchFamily="34" charset="0"/>
-                <a:ea typeface="Verdana" panose="020B0604030504040204" pitchFamily="34" charset="0"/>
-              </a:rPr>
-              <a:t>A Quick walk through of Resource in Azure</a:t>
-            </a:r>
-          </a:p>
-        </p:txBody>
-      </p:sp>
-      <p:sp>
-        <p:nvSpPr>
-          <p:cNvPr id="7" name="Rectangle 6">
-            <a:extLst>
-              <a:ext uri="{FF2B5EF4-FFF2-40B4-BE49-F238E27FC236}">
-                <a16:creationId xmlns:a16="http://schemas.microsoft.com/office/drawing/2014/main" id="{B10720DE-FD2A-4FE5-B9FB-74854D01A659}"/>
+              <a:rPr lang="en-US" dirty="0"/>
+              <a:t>Data Store</a:t>
+            </a:r>
+          </a:p>
+        </p:txBody>
+      </p:sp>
+      <p:sp>
+        <p:nvSpPr>
+          <p:cNvPr id="5" name="Rectangle: Rounded Corners 4">
+            <a:extLst>
+              <a:ext uri="{FF2B5EF4-FFF2-40B4-BE49-F238E27FC236}">
+                <a16:creationId xmlns:a16="http://schemas.microsoft.com/office/drawing/2014/main" id="{A9B511D2-A59E-4439-A14F-C1DB98018D10}"/>
               </a:ext>
             </a:extLst>
           </p:cNvPr>
@@ -7194,15 +7747,12 @@
         </p:nvSpPr>
         <p:spPr>
           <a:xfrm>
-            <a:off x="0" y="6383046"/>
-            <a:ext cx="12183122" cy="57703"/>
-          </a:xfrm>
-          <a:prstGeom prst="rect">
+            <a:off x="8282866" y="941033"/>
+            <a:ext cx="754602" cy="736847"/>
+          </a:xfrm>
+          <a:prstGeom prst="roundRect">
             <a:avLst/>
           </a:prstGeom>
-          <a:solidFill>
-            <a:srgbClr val="0070C0"/>
-          </a:solidFill>
         </p:spPr>
         <p:style>
           <a:lnRef idx="2">
@@ -7225,273 +7775,666 @@
           <a:lstStyle/>
           <a:p>
             <a:pPr algn="ctr"/>
-            <a:endParaRPr lang="en-IN" sz="1000" dirty="0">
-              <a:latin typeface="Verdana" panose="020B0604030504040204" pitchFamily="34" charset="0"/>
-              <a:ea typeface="Verdana" panose="020B0604030504040204" pitchFamily="34" charset="0"/>
-            </a:endParaRPr>
-          </a:p>
-        </p:txBody>
-      </p:sp>
-      <p:sp>
-        <p:nvSpPr>
-          <p:cNvPr id="8" name="Footer Placeholder 7">
-            <a:extLst>
-              <a:ext uri="{FF2B5EF4-FFF2-40B4-BE49-F238E27FC236}">
-                <a16:creationId xmlns:a16="http://schemas.microsoft.com/office/drawing/2014/main" id="{DD2A19CA-EC18-432D-8F8F-17079808F38B}"/>
-              </a:ext>
-            </a:extLst>
-          </p:cNvPr>
-          <p:cNvSpPr>
-            <a:spLocks noGrp="1"/>
-          </p:cNvSpPr>
-          <p:nvPr>
-            <p:ph type="ftr" sz="quarter" idx="11"/>
-          </p:nvPr>
-        </p:nvSpPr>
-        <p:spPr>
-          <a:xfrm>
-            <a:off x="4038600" y="6427374"/>
-            <a:ext cx="4114800" cy="365125"/>
-          </a:xfrm>
-        </p:spPr>
-        <p:txBody>
-          <a:bodyPr/>
-          <a:lstStyle/>
-          <a:p>
-            <a:r>
-              <a:rPr lang="en-IN" b="1" dirty="0">
-                <a:solidFill>
-                  <a:srgbClr val="002060"/>
-                </a:solidFill>
-                <a:latin typeface="Verdana" panose="020B0604030504040204" pitchFamily="34" charset="0"/>
-                <a:ea typeface="Verdana" panose="020B0604030504040204" pitchFamily="34" charset="0"/>
-              </a:rPr>
-              <a:t>11-Jul-2020</a:t>
-            </a:r>
-          </a:p>
-        </p:txBody>
-      </p:sp>
-      <p:sp>
-        <p:nvSpPr>
-          <p:cNvPr id="9" name="Slide Number Placeholder 8">
-            <a:extLst>
-              <a:ext uri="{FF2B5EF4-FFF2-40B4-BE49-F238E27FC236}">
-                <a16:creationId xmlns:a16="http://schemas.microsoft.com/office/drawing/2014/main" id="{8162625C-0B1F-42E0-BE7C-D99A08FED7A3}"/>
-              </a:ext>
-            </a:extLst>
-          </p:cNvPr>
-          <p:cNvSpPr>
-            <a:spLocks noGrp="1"/>
-          </p:cNvSpPr>
-          <p:nvPr>
-            <p:ph type="sldNum" sz="quarter" idx="12"/>
-          </p:nvPr>
-        </p:nvSpPr>
-        <p:spPr>
-          <a:xfrm>
-            <a:off x="8610600" y="6427374"/>
-            <a:ext cx="2743200" cy="365125"/>
-          </a:xfrm>
-        </p:spPr>
-        <p:txBody>
-          <a:bodyPr/>
-          <a:lstStyle/>
-          <a:p>
-            <a:fld id="{30AF63FB-5233-4811-A918-B572E3A55817}" type="slidenum">
-              <a:rPr lang="en-IN" b="1" smtClean="0">
-                <a:solidFill>
-                  <a:srgbClr val="002060"/>
-                </a:solidFill>
-                <a:latin typeface="Verdana" panose="020B0604030504040204" pitchFamily="34" charset="0"/>
-                <a:ea typeface="Verdana" panose="020B0604030504040204" pitchFamily="34" charset="0"/>
-              </a:rPr>
-              <a:t>3</a:t>
-            </a:fld>
-            <a:endParaRPr lang="en-IN" b="1" dirty="0">
-              <a:solidFill>
-                <a:srgbClr val="002060"/>
-              </a:solidFill>
-              <a:latin typeface="Verdana" panose="020B0604030504040204" pitchFamily="34" charset="0"/>
-              <a:ea typeface="Verdana" panose="020B0604030504040204" pitchFamily="34" charset="0"/>
-            </a:endParaRPr>
-          </a:p>
-        </p:txBody>
-      </p:sp>
-      <p:sp>
-        <p:nvSpPr>
-          <p:cNvPr id="12" name="Footer Placeholder 7">
-            <a:extLst>
-              <a:ext uri="{FF2B5EF4-FFF2-40B4-BE49-F238E27FC236}">
-                <a16:creationId xmlns:a16="http://schemas.microsoft.com/office/drawing/2014/main" id="{64C57949-E349-47D3-A505-A098233AF49D}"/>
-              </a:ext>
-            </a:extLst>
-          </p:cNvPr>
-          <p:cNvSpPr txBox="1">
-            <a:spLocks/>
-          </p:cNvSpPr>
+            <a:r>
+              <a:rPr lang="en-US" dirty="0"/>
+              <a:t>Orders</a:t>
+            </a:r>
+            <a:endParaRPr lang="en-IN" dirty="0"/>
+          </a:p>
+        </p:txBody>
+      </p:sp>
+      <p:sp>
+        <p:nvSpPr>
+          <p:cNvPr id="6" name="Rectangle: Rounded Corners 5">
+            <a:extLst>
+              <a:ext uri="{FF2B5EF4-FFF2-40B4-BE49-F238E27FC236}">
+                <a16:creationId xmlns:a16="http://schemas.microsoft.com/office/drawing/2014/main" id="{A0662776-69B8-41B8-9E0E-200FF5CB1C3A}"/>
+              </a:ext>
+            </a:extLst>
+          </p:cNvPr>
+          <p:cNvSpPr/>
           <p:nvPr/>
         </p:nvSpPr>
         <p:spPr>
           <a:xfrm>
-            <a:off x="133897" y="6428848"/>
-            <a:ext cx="4114800" cy="365125"/>
+            <a:off x="8336132" y="2485748"/>
+            <a:ext cx="754602" cy="736847"/>
+          </a:xfrm>
+          <a:prstGeom prst="roundRect">
+            <a:avLst/>
+          </a:prstGeom>
+        </p:spPr>
+        <p:style>
+          <a:lnRef idx="2">
+            <a:schemeClr val="accent1">
+              <a:shade val="50000"/>
+            </a:schemeClr>
+          </a:lnRef>
+          <a:fillRef idx="1">
+            <a:schemeClr val="accent1"/>
+          </a:fillRef>
+          <a:effectRef idx="0">
+            <a:schemeClr val="accent1"/>
+          </a:effectRef>
+          <a:fontRef idx="minor">
+            <a:schemeClr val="lt1"/>
+          </a:fontRef>
+        </p:style>
+        <p:txBody>
+          <a:bodyPr rtlCol="0" anchor="ctr"/>
+          <a:lstStyle/>
+          <a:p>
+            <a:pPr algn="ctr"/>
+            <a:r>
+              <a:rPr lang="en-US" dirty="0"/>
+              <a:t>Products</a:t>
+            </a:r>
+            <a:endParaRPr lang="en-IN" dirty="0"/>
+          </a:p>
+        </p:txBody>
+      </p:sp>
+      <p:sp>
+        <p:nvSpPr>
+          <p:cNvPr id="7" name="Rectangle: Rounded Corners 6">
+            <a:extLst>
+              <a:ext uri="{FF2B5EF4-FFF2-40B4-BE49-F238E27FC236}">
+                <a16:creationId xmlns:a16="http://schemas.microsoft.com/office/drawing/2014/main" id="{A8199C79-9A3A-4791-8196-9F855FDD99D9}"/>
+              </a:ext>
+            </a:extLst>
+          </p:cNvPr>
+          <p:cNvSpPr/>
+          <p:nvPr/>
+        </p:nvSpPr>
+        <p:spPr>
+          <a:xfrm>
+            <a:off x="8336132" y="4156229"/>
+            <a:ext cx="754602" cy="736847"/>
+          </a:xfrm>
+          <a:prstGeom prst="roundRect">
+            <a:avLst/>
+          </a:prstGeom>
+        </p:spPr>
+        <p:style>
+          <a:lnRef idx="2">
+            <a:schemeClr val="accent1">
+              <a:shade val="50000"/>
+            </a:schemeClr>
+          </a:lnRef>
+          <a:fillRef idx="1">
+            <a:schemeClr val="accent1"/>
+          </a:fillRef>
+          <a:effectRef idx="0">
+            <a:schemeClr val="accent1"/>
+          </a:effectRef>
+          <a:fontRef idx="minor">
+            <a:schemeClr val="lt1"/>
+          </a:fontRef>
+        </p:style>
+        <p:txBody>
+          <a:bodyPr rtlCol="0" anchor="ctr"/>
+          <a:lstStyle/>
+          <a:p>
+            <a:pPr algn="ctr"/>
+            <a:r>
+              <a:rPr lang="en-US" dirty="0"/>
+              <a:t>Payment</a:t>
+            </a:r>
+            <a:endParaRPr lang="en-IN" dirty="0"/>
+          </a:p>
+        </p:txBody>
+      </p:sp>
+      <p:cxnSp>
+        <p:nvCxnSpPr>
+          <p:cNvPr id="9" name="Straight Connector 8">
+            <a:extLst>
+              <a:ext uri="{FF2B5EF4-FFF2-40B4-BE49-F238E27FC236}">
+                <a16:creationId xmlns:a16="http://schemas.microsoft.com/office/drawing/2014/main" id="{277428E4-C511-41CC-A76A-FEFB412C2717}"/>
+              </a:ext>
+            </a:extLst>
+          </p:cNvPr>
+          <p:cNvCxnSpPr/>
+          <p:nvPr/>
+        </p:nvCxnSpPr>
+        <p:spPr>
+          <a:xfrm>
+            <a:off x="9499107" y="408373"/>
+            <a:ext cx="115410" cy="5628443"/>
+          </a:xfrm>
+          <a:prstGeom prst="line">
+            <a:avLst/>
+          </a:prstGeom>
+        </p:spPr>
+        <p:style>
+          <a:lnRef idx="1">
+            <a:schemeClr val="accent1"/>
+          </a:lnRef>
+          <a:fillRef idx="0">
+            <a:schemeClr val="accent1"/>
+          </a:fillRef>
+          <a:effectRef idx="0">
+            <a:schemeClr val="accent1"/>
+          </a:effectRef>
+          <a:fontRef idx="minor">
+            <a:schemeClr val="tx1"/>
+          </a:fontRef>
+        </p:style>
+      </p:cxnSp>
+      <p:cxnSp>
+        <p:nvCxnSpPr>
+          <p:cNvPr id="11" name="Straight Connector 10">
+            <a:extLst>
+              <a:ext uri="{FF2B5EF4-FFF2-40B4-BE49-F238E27FC236}">
+                <a16:creationId xmlns:a16="http://schemas.microsoft.com/office/drawing/2014/main" id="{6E4B3EF3-3443-474F-B67B-CFDC5A470DC3}"/>
+              </a:ext>
+            </a:extLst>
+          </p:cNvPr>
+          <p:cNvCxnSpPr/>
+          <p:nvPr/>
+        </p:nvCxnSpPr>
+        <p:spPr>
+          <a:xfrm>
+            <a:off x="7563775" y="523783"/>
+            <a:ext cx="142042" cy="5566299"/>
+          </a:xfrm>
+          <a:prstGeom prst="line">
+            <a:avLst/>
+          </a:prstGeom>
+        </p:spPr>
+        <p:style>
+          <a:lnRef idx="1">
+            <a:schemeClr val="accent1"/>
+          </a:lnRef>
+          <a:fillRef idx="0">
+            <a:schemeClr val="accent1"/>
+          </a:fillRef>
+          <a:effectRef idx="0">
+            <a:schemeClr val="accent1"/>
+          </a:effectRef>
+          <a:fontRef idx="minor">
+            <a:schemeClr val="tx1"/>
+          </a:fontRef>
+        </p:style>
+      </p:cxnSp>
+      <p:sp>
+        <p:nvSpPr>
+          <p:cNvPr id="13" name="Rectangle 12">
+            <a:extLst>
+              <a:ext uri="{FF2B5EF4-FFF2-40B4-BE49-F238E27FC236}">
+                <a16:creationId xmlns:a16="http://schemas.microsoft.com/office/drawing/2014/main" id="{0AA18DBE-39C7-4B8F-AAA9-B8820354BEF4}"/>
+              </a:ext>
+            </a:extLst>
+          </p:cNvPr>
+          <p:cNvSpPr/>
+          <p:nvPr/>
+        </p:nvSpPr>
+        <p:spPr>
+          <a:xfrm>
+            <a:off x="4835371" y="2516821"/>
+            <a:ext cx="1260629" cy="1180730"/>
           </a:xfrm>
           <a:prstGeom prst="rect">
             <a:avLst/>
           </a:prstGeom>
-        </p:spPr>
-        <p:txBody>
-          <a:bodyPr vert="horz" lIns="91440" tIns="45720" rIns="91440" bIns="45720" rtlCol="0" anchor="ctr"/>
-          <a:lstStyle>
-            <a:defPPr>
-              <a:defRPr lang="en-US"/>
-            </a:defPPr>
-            <a:lvl1pPr marL="0" algn="ctr" defTabSz="914400" rtl="0" eaLnBrk="1" latinLnBrk="0" hangingPunct="1">
-              <a:defRPr sz="1200" kern="1200">
-                <a:solidFill>
-                  <a:schemeClr val="tx1">
-                    <a:tint val="75000"/>
-                  </a:schemeClr>
-                </a:solidFill>
-                <a:latin typeface="+mn-lt"/>
-                <a:ea typeface="+mn-ea"/>
-                <a:cs typeface="+mn-cs"/>
-              </a:defRPr>
-            </a:lvl1pPr>
-            <a:lvl2pPr marL="457200" algn="l" defTabSz="914400" rtl="0" eaLnBrk="1" latinLnBrk="0" hangingPunct="1">
-              <a:defRPr sz="1800" kern="1200">
-                <a:solidFill>
-                  <a:schemeClr val="tx1"/>
-                </a:solidFill>
-                <a:latin typeface="+mn-lt"/>
-                <a:ea typeface="+mn-ea"/>
-                <a:cs typeface="+mn-cs"/>
-              </a:defRPr>
-            </a:lvl2pPr>
-            <a:lvl3pPr marL="914400" algn="l" defTabSz="914400" rtl="0" eaLnBrk="1" latinLnBrk="0" hangingPunct="1">
-              <a:defRPr sz="1800" kern="1200">
-                <a:solidFill>
-                  <a:schemeClr val="tx1"/>
-                </a:solidFill>
-                <a:latin typeface="+mn-lt"/>
-                <a:ea typeface="+mn-ea"/>
-                <a:cs typeface="+mn-cs"/>
-              </a:defRPr>
-            </a:lvl3pPr>
-            <a:lvl4pPr marL="1371600" algn="l" defTabSz="914400" rtl="0" eaLnBrk="1" latinLnBrk="0" hangingPunct="1">
-              <a:defRPr sz="1800" kern="1200">
-                <a:solidFill>
-                  <a:schemeClr val="tx1"/>
-                </a:solidFill>
-                <a:latin typeface="+mn-lt"/>
-                <a:ea typeface="+mn-ea"/>
-                <a:cs typeface="+mn-cs"/>
-              </a:defRPr>
-            </a:lvl4pPr>
-            <a:lvl5pPr marL="1828800" algn="l" defTabSz="914400" rtl="0" eaLnBrk="1" latinLnBrk="0" hangingPunct="1">
-              <a:defRPr sz="1800" kern="1200">
-                <a:solidFill>
-                  <a:schemeClr val="tx1"/>
-                </a:solidFill>
-                <a:latin typeface="+mn-lt"/>
-                <a:ea typeface="+mn-ea"/>
-                <a:cs typeface="+mn-cs"/>
-              </a:defRPr>
-            </a:lvl5pPr>
-            <a:lvl6pPr marL="2286000" algn="l" defTabSz="914400" rtl="0" eaLnBrk="1" latinLnBrk="0" hangingPunct="1">
-              <a:defRPr sz="1800" kern="1200">
-                <a:solidFill>
-                  <a:schemeClr val="tx1"/>
-                </a:solidFill>
-                <a:latin typeface="+mn-lt"/>
-                <a:ea typeface="+mn-ea"/>
-                <a:cs typeface="+mn-cs"/>
-              </a:defRPr>
-            </a:lvl6pPr>
-            <a:lvl7pPr marL="2743200" algn="l" defTabSz="914400" rtl="0" eaLnBrk="1" latinLnBrk="0" hangingPunct="1">
-              <a:defRPr sz="1800" kern="1200">
-                <a:solidFill>
-                  <a:schemeClr val="tx1"/>
-                </a:solidFill>
-                <a:latin typeface="+mn-lt"/>
-                <a:ea typeface="+mn-ea"/>
-                <a:cs typeface="+mn-cs"/>
-              </a:defRPr>
-            </a:lvl7pPr>
-            <a:lvl8pPr marL="3200400" algn="l" defTabSz="914400" rtl="0" eaLnBrk="1" latinLnBrk="0" hangingPunct="1">
-              <a:defRPr sz="1800" kern="1200">
-                <a:solidFill>
-                  <a:schemeClr val="tx1"/>
-                </a:solidFill>
-                <a:latin typeface="+mn-lt"/>
-                <a:ea typeface="+mn-ea"/>
-                <a:cs typeface="+mn-cs"/>
-              </a:defRPr>
-            </a:lvl8pPr>
-            <a:lvl9pPr marL="3657600" algn="l" defTabSz="914400" rtl="0" eaLnBrk="1" latinLnBrk="0" hangingPunct="1">
-              <a:defRPr sz="1800" kern="1200">
-                <a:solidFill>
-                  <a:schemeClr val="tx1"/>
-                </a:solidFill>
-                <a:latin typeface="+mn-lt"/>
-                <a:ea typeface="+mn-ea"/>
-                <a:cs typeface="+mn-cs"/>
-              </a:defRPr>
-            </a:lvl9pPr>
-          </a:lstStyle>
-          <a:p>
-            <a:r>
-              <a:rPr lang="en-IN" b="1" dirty="0">
-                <a:solidFill>
-                  <a:srgbClr val="002060"/>
-                </a:solidFill>
-                <a:latin typeface="Verdana" panose="020B0604030504040204" pitchFamily="34" charset="0"/>
-                <a:ea typeface="Verdana" panose="020B0604030504040204" pitchFamily="34" charset="0"/>
-              </a:rPr>
-              <a:t>C# Corner</a:t>
-            </a:r>
-          </a:p>
-        </p:txBody>
-      </p:sp>
-      <p:pic>
-        <p:nvPicPr>
-          <p:cNvPr id="3" name="Picture 2">
-            <a:extLst>
-              <a:ext uri="{FF2B5EF4-FFF2-40B4-BE49-F238E27FC236}">
-                <a16:creationId xmlns:a16="http://schemas.microsoft.com/office/drawing/2014/main" id="{EA1A83FE-58CA-471B-9E44-6AD92947D57B}"/>
-              </a:ext>
-            </a:extLst>
-          </p:cNvPr>
-          <p:cNvPicPr>
-            <a:picLocks noChangeAspect="1"/>
-          </p:cNvPicPr>
+          <a:solidFill>
+            <a:srgbClr val="FFC000"/>
+          </a:solidFill>
+        </p:spPr>
+        <p:style>
+          <a:lnRef idx="2">
+            <a:schemeClr val="accent1">
+              <a:shade val="50000"/>
+            </a:schemeClr>
+          </a:lnRef>
+          <a:fillRef idx="1">
+            <a:schemeClr val="accent1"/>
+          </a:fillRef>
+          <a:effectRef idx="0">
+            <a:schemeClr val="accent1"/>
+          </a:effectRef>
+          <a:fontRef idx="minor">
+            <a:schemeClr val="lt1"/>
+          </a:fontRef>
+        </p:style>
+        <p:txBody>
+          <a:bodyPr rtlCol="0" anchor="ctr"/>
+          <a:lstStyle/>
+          <a:p>
+            <a:pPr algn="ctr"/>
+            <a:r>
+              <a:rPr lang="en-US" b="1" dirty="0"/>
+              <a:t>API Mgt</a:t>
+            </a:r>
+          </a:p>
+          <a:p>
+            <a:pPr algn="ctr"/>
+            <a:r>
+              <a:rPr lang="en-US" dirty="0"/>
+              <a:t>GW</a:t>
+            </a:r>
+            <a:endParaRPr lang="en-IN" dirty="0"/>
+          </a:p>
+        </p:txBody>
+      </p:sp>
+      <p:cxnSp>
+        <p:nvCxnSpPr>
+          <p:cNvPr id="15" name="Straight Arrow Connector 14">
+            <a:extLst>
+              <a:ext uri="{FF2B5EF4-FFF2-40B4-BE49-F238E27FC236}">
+                <a16:creationId xmlns:a16="http://schemas.microsoft.com/office/drawing/2014/main" id="{8AFC02BA-32AC-4398-B21F-A409BB23D294}"/>
+              </a:ext>
+            </a:extLst>
+          </p:cNvPr>
+          <p:cNvCxnSpPr>
+            <a:endCxn id="5" idx="1"/>
+          </p:cNvCxnSpPr>
           <p:nvPr/>
-        </p:nvPicPr>
-        <p:blipFill>
-          <a:blip r:embed="rId2"/>
-          <a:stretch>
-            <a:fillRect/>
-          </a:stretch>
-        </p:blipFill>
-        <p:spPr>
-          <a:xfrm>
-            <a:off x="59971" y="1247775"/>
-            <a:ext cx="12058049" cy="4362450"/>
+        </p:nvCxnSpPr>
+        <p:spPr>
+          <a:xfrm flipV="1">
+            <a:off x="6096000" y="1309457"/>
+            <a:ext cx="2186866" cy="1158535"/>
+          </a:xfrm>
+          <a:prstGeom prst="straightConnector1">
+            <a:avLst/>
+          </a:prstGeom>
+          <a:ln>
+            <a:tailEnd type="triangle"/>
+          </a:ln>
+        </p:spPr>
+        <p:style>
+          <a:lnRef idx="1">
+            <a:schemeClr val="accent1"/>
+          </a:lnRef>
+          <a:fillRef idx="0">
+            <a:schemeClr val="accent1"/>
+          </a:fillRef>
+          <a:effectRef idx="0">
+            <a:schemeClr val="accent1"/>
+          </a:effectRef>
+          <a:fontRef idx="minor">
+            <a:schemeClr val="tx1"/>
+          </a:fontRef>
+        </p:style>
+      </p:cxnSp>
+      <p:cxnSp>
+        <p:nvCxnSpPr>
+          <p:cNvPr id="17" name="Straight Arrow Connector 16">
+            <a:extLst>
+              <a:ext uri="{FF2B5EF4-FFF2-40B4-BE49-F238E27FC236}">
+                <a16:creationId xmlns:a16="http://schemas.microsoft.com/office/drawing/2014/main" id="{46120B55-C965-429E-A7B1-B55949F8AC04}"/>
+              </a:ext>
+            </a:extLst>
+          </p:cNvPr>
+          <p:cNvCxnSpPr>
+            <a:stCxn id="13" idx="3"/>
+            <a:endCxn id="6" idx="1"/>
+          </p:cNvCxnSpPr>
+          <p:nvPr/>
+        </p:nvCxnSpPr>
+        <p:spPr>
+          <a:xfrm flipV="1">
+            <a:off x="6096000" y="2854172"/>
+            <a:ext cx="2240132" cy="253014"/>
+          </a:xfrm>
+          <a:prstGeom prst="straightConnector1">
+            <a:avLst/>
+          </a:prstGeom>
+          <a:ln>
+            <a:tailEnd type="triangle"/>
+          </a:ln>
+        </p:spPr>
+        <p:style>
+          <a:lnRef idx="1">
+            <a:schemeClr val="accent1"/>
+          </a:lnRef>
+          <a:fillRef idx="0">
+            <a:schemeClr val="accent1"/>
+          </a:fillRef>
+          <a:effectRef idx="0">
+            <a:schemeClr val="accent1"/>
+          </a:effectRef>
+          <a:fontRef idx="minor">
+            <a:schemeClr val="tx1"/>
+          </a:fontRef>
+        </p:style>
+      </p:cxnSp>
+      <p:cxnSp>
+        <p:nvCxnSpPr>
+          <p:cNvPr id="19" name="Straight Arrow Connector 18">
+            <a:extLst>
+              <a:ext uri="{FF2B5EF4-FFF2-40B4-BE49-F238E27FC236}">
+                <a16:creationId xmlns:a16="http://schemas.microsoft.com/office/drawing/2014/main" id="{A712F0D1-48CD-4B14-9445-CB496CF5D222}"/>
+              </a:ext>
+            </a:extLst>
+          </p:cNvPr>
+          <p:cNvCxnSpPr>
+            <a:endCxn id="7" idx="1"/>
+          </p:cNvCxnSpPr>
+          <p:nvPr/>
+        </p:nvCxnSpPr>
+        <p:spPr>
+          <a:xfrm>
+            <a:off x="6096000" y="3697551"/>
+            <a:ext cx="2240132" cy="827102"/>
+          </a:xfrm>
+          <a:prstGeom prst="straightConnector1">
+            <a:avLst/>
+          </a:prstGeom>
+          <a:ln>
+            <a:tailEnd type="triangle"/>
+          </a:ln>
+        </p:spPr>
+        <p:style>
+          <a:lnRef idx="1">
+            <a:schemeClr val="accent1"/>
+          </a:lnRef>
+          <a:fillRef idx="0">
+            <a:schemeClr val="accent1"/>
+          </a:fillRef>
+          <a:effectRef idx="0">
+            <a:schemeClr val="accent1"/>
+          </a:effectRef>
+          <a:fontRef idx="minor">
+            <a:schemeClr val="tx1"/>
+          </a:fontRef>
+        </p:style>
+      </p:cxnSp>
+      <p:sp>
+        <p:nvSpPr>
+          <p:cNvPr id="20" name="TextBox 19">
+            <a:extLst>
+              <a:ext uri="{FF2B5EF4-FFF2-40B4-BE49-F238E27FC236}">
+                <a16:creationId xmlns:a16="http://schemas.microsoft.com/office/drawing/2014/main" id="{8DF90D7B-0514-4BC0-960C-C98F0F363D81}"/>
+              </a:ext>
+            </a:extLst>
+          </p:cNvPr>
+          <p:cNvSpPr txBox="1"/>
+          <p:nvPr/>
+        </p:nvSpPr>
+        <p:spPr>
+          <a:xfrm>
+            <a:off x="4628226" y="5548543"/>
+            <a:ext cx="631904" cy="369332"/>
           </a:xfrm>
           <a:prstGeom prst="rect">
             <a:avLst/>
           </a:prstGeom>
+          <a:noFill/>
+        </p:spPr>
+        <p:txBody>
+          <a:bodyPr wrap="none" rtlCol="0">
+            <a:spAutoFit/>
+          </a:bodyPr>
+          <a:lstStyle/>
+          <a:p>
+            <a:r>
+              <a:rPr lang="en-US" dirty="0"/>
+              <a:t>DMZ</a:t>
+            </a:r>
+            <a:endParaRPr lang="en-IN" dirty="0"/>
+          </a:p>
+        </p:txBody>
+      </p:sp>
+      <p:sp>
+        <p:nvSpPr>
+          <p:cNvPr id="21" name="Oval 20">
+            <a:extLst>
+              <a:ext uri="{FF2B5EF4-FFF2-40B4-BE49-F238E27FC236}">
+                <a16:creationId xmlns:a16="http://schemas.microsoft.com/office/drawing/2014/main" id="{9A08A5AD-CF45-497F-A1CA-338E0D755D01}"/>
+              </a:ext>
+            </a:extLst>
+          </p:cNvPr>
+          <p:cNvSpPr/>
+          <p:nvPr/>
+        </p:nvSpPr>
+        <p:spPr>
+          <a:xfrm>
+            <a:off x="1012054" y="1083076"/>
+            <a:ext cx="816746" cy="834501"/>
+          </a:xfrm>
+          <a:prstGeom prst="ellipse">
+            <a:avLst/>
+          </a:prstGeom>
+        </p:spPr>
+        <p:style>
+          <a:lnRef idx="2">
+            <a:schemeClr val="accent1">
+              <a:shade val="50000"/>
+            </a:schemeClr>
+          </a:lnRef>
+          <a:fillRef idx="1">
+            <a:schemeClr val="accent1"/>
+          </a:fillRef>
+          <a:effectRef idx="0">
+            <a:schemeClr val="accent1"/>
+          </a:effectRef>
+          <a:fontRef idx="minor">
+            <a:schemeClr val="lt1"/>
+          </a:fontRef>
+        </p:style>
+        <p:txBody>
+          <a:bodyPr rtlCol="0" anchor="ctr"/>
+          <a:lstStyle/>
+          <a:p>
+            <a:pPr algn="ctr"/>
+            <a:r>
+              <a:rPr lang="en-US" dirty="0"/>
+              <a:t>C1</a:t>
+            </a:r>
+            <a:endParaRPr lang="en-IN" dirty="0"/>
+          </a:p>
+        </p:txBody>
+      </p:sp>
+      <p:sp>
+        <p:nvSpPr>
+          <p:cNvPr id="22" name="Oval 21">
+            <a:extLst>
+              <a:ext uri="{FF2B5EF4-FFF2-40B4-BE49-F238E27FC236}">
+                <a16:creationId xmlns:a16="http://schemas.microsoft.com/office/drawing/2014/main" id="{43A164B5-04D1-4777-BD0A-81D97A9D1514}"/>
+              </a:ext>
+            </a:extLst>
+          </p:cNvPr>
+          <p:cNvSpPr/>
+          <p:nvPr/>
+        </p:nvSpPr>
+        <p:spPr>
+          <a:xfrm>
+            <a:off x="843379" y="3018408"/>
+            <a:ext cx="816746" cy="763479"/>
+          </a:xfrm>
+          <a:prstGeom prst="ellipse">
+            <a:avLst/>
+          </a:prstGeom>
+        </p:spPr>
+        <p:style>
+          <a:lnRef idx="2">
+            <a:schemeClr val="accent1">
+              <a:shade val="50000"/>
+            </a:schemeClr>
+          </a:lnRef>
+          <a:fillRef idx="1">
+            <a:schemeClr val="accent1"/>
+          </a:fillRef>
+          <a:effectRef idx="0">
+            <a:schemeClr val="accent1"/>
+          </a:effectRef>
+          <a:fontRef idx="minor">
+            <a:schemeClr val="lt1"/>
+          </a:fontRef>
+        </p:style>
+        <p:txBody>
+          <a:bodyPr rtlCol="0" anchor="ctr"/>
+          <a:lstStyle/>
+          <a:p>
+            <a:pPr algn="ctr"/>
+            <a:r>
+              <a:rPr lang="en-US" dirty="0"/>
+              <a:t>CN</a:t>
+            </a:r>
+            <a:endParaRPr lang="en-IN" dirty="0"/>
+          </a:p>
+        </p:txBody>
+      </p:sp>
+      <p:cxnSp>
+        <p:nvCxnSpPr>
+          <p:cNvPr id="25" name="Straight Arrow Connector 24">
+            <a:extLst>
+              <a:ext uri="{FF2B5EF4-FFF2-40B4-BE49-F238E27FC236}">
+                <a16:creationId xmlns:a16="http://schemas.microsoft.com/office/drawing/2014/main" id="{6909D2DD-53FC-4C48-BA6E-F361981C0FEF}"/>
+              </a:ext>
+            </a:extLst>
+          </p:cNvPr>
+          <p:cNvCxnSpPr>
+            <a:stCxn id="21" idx="6"/>
+            <a:endCxn id="13" idx="1"/>
+          </p:cNvCxnSpPr>
+          <p:nvPr/>
+        </p:nvCxnSpPr>
+        <p:spPr>
+          <a:xfrm>
+            <a:off x="1828800" y="1500327"/>
+            <a:ext cx="3006571" cy="1606859"/>
+          </a:xfrm>
+          <a:prstGeom prst="straightConnector1">
+            <a:avLst/>
+          </a:prstGeom>
           <a:ln>
-            <a:solidFill>
-              <a:schemeClr val="accent1"/>
-            </a:solidFill>
+            <a:tailEnd type="triangle"/>
           </a:ln>
         </p:spPr>
-      </p:pic>
+        <p:style>
+          <a:lnRef idx="1">
+            <a:schemeClr val="accent1"/>
+          </a:lnRef>
+          <a:fillRef idx="0">
+            <a:schemeClr val="accent1"/>
+          </a:fillRef>
+          <a:effectRef idx="0">
+            <a:schemeClr val="accent1"/>
+          </a:effectRef>
+          <a:fontRef idx="minor">
+            <a:schemeClr val="tx1"/>
+          </a:fontRef>
+        </p:style>
+      </p:cxnSp>
+      <p:cxnSp>
+        <p:nvCxnSpPr>
+          <p:cNvPr id="27" name="Straight Arrow Connector 26">
+            <a:extLst>
+              <a:ext uri="{FF2B5EF4-FFF2-40B4-BE49-F238E27FC236}">
+                <a16:creationId xmlns:a16="http://schemas.microsoft.com/office/drawing/2014/main" id="{EE519F32-BB6B-4DAD-B4AE-7211218A39F3}"/>
+              </a:ext>
+            </a:extLst>
+          </p:cNvPr>
+          <p:cNvCxnSpPr>
+            <a:stCxn id="22" idx="6"/>
+            <a:endCxn id="13" idx="1"/>
+          </p:cNvCxnSpPr>
+          <p:nvPr/>
+        </p:nvCxnSpPr>
+        <p:spPr>
+          <a:xfrm flipV="1">
+            <a:off x="1660125" y="3107186"/>
+            <a:ext cx="3175246" cy="292962"/>
+          </a:xfrm>
+          <a:prstGeom prst="straightConnector1">
+            <a:avLst/>
+          </a:prstGeom>
+          <a:ln>
+            <a:tailEnd type="triangle"/>
+          </a:ln>
+        </p:spPr>
+        <p:style>
+          <a:lnRef idx="1">
+            <a:schemeClr val="accent1"/>
+          </a:lnRef>
+          <a:fillRef idx="0">
+            <a:schemeClr val="accent1"/>
+          </a:fillRef>
+          <a:effectRef idx="0">
+            <a:schemeClr val="accent1"/>
+          </a:effectRef>
+          <a:fontRef idx="minor">
+            <a:schemeClr val="tx1"/>
+          </a:fontRef>
+        </p:style>
+      </p:cxnSp>
+      <p:sp>
+        <p:nvSpPr>
+          <p:cNvPr id="28" name="TextBox 27">
+            <a:extLst>
+              <a:ext uri="{FF2B5EF4-FFF2-40B4-BE49-F238E27FC236}">
+                <a16:creationId xmlns:a16="http://schemas.microsoft.com/office/drawing/2014/main" id="{BCEBDC57-D3E3-4B5D-853D-BDA8500BD793}"/>
+              </a:ext>
+            </a:extLst>
+          </p:cNvPr>
+          <p:cNvSpPr txBox="1"/>
+          <p:nvPr/>
+        </p:nvSpPr>
+        <p:spPr>
+          <a:xfrm>
+            <a:off x="7910004" y="5548543"/>
+            <a:ext cx="1508555" cy="369332"/>
+          </a:xfrm>
+          <a:prstGeom prst="rect">
+            <a:avLst/>
+          </a:prstGeom>
+          <a:noFill/>
+        </p:spPr>
+        <p:txBody>
+          <a:bodyPr wrap="none" rtlCol="0">
+            <a:spAutoFit/>
+          </a:bodyPr>
+          <a:lstStyle/>
+          <a:p>
+            <a:r>
+              <a:rPr lang="en-US" dirty="0"/>
+              <a:t>IP Restrictions</a:t>
+            </a:r>
+            <a:endParaRPr lang="en-IN" dirty="0"/>
+          </a:p>
+        </p:txBody>
+      </p:sp>
+      <p:cxnSp>
+        <p:nvCxnSpPr>
+          <p:cNvPr id="30" name="Straight Connector 29">
+            <a:extLst>
+              <a:ext uri="{FF2B5EF4-FFF2-40B4-BE49-F238E27FC236}">
+                <a16:creationId xmlns:a16="http://schemas.microsoft.com/office/drawing/2014/main" id="{8F006765-9A94-493C-8541-EE70502A22E6}"/>
+              </a:ext>
+            </a:extLst>
+          </p:cNvPr>
+          <p:cNvCxnSpPr/>
+          <p:nvPr/>
+        </p:nvCxnSpPr>
+        <p:spPr>
+          <a:xfrm>
+            <a:off x="4110361" y="523783"/>
+            <a:ext cx="0" cy="5814873"/>
+          </a:xfrm>
+          <a:prstGeom prst="line">
+            <a:avLst/>
+          </a:prstGeom>
+        </p:spPr>
+        <p:style>
+          <a:lnRef idx="1">
+            <a:schemeClr val="accent1"/>
+          </a:lnRef>
+          <a:fillRef idx="0">
+            <a:schemeClr val="accent1"/>
+          </a:fillRef>
+          <a:effectRef idx="0">
+            <a:schemeClr val="accent1"/>
+          </a:effectRef>
+          <a:fontRef idx="minor">
+            <a:schemeClr val="tx1"/>
+          </a:fontRef>
+        </p:style>
+      </p:cxnSp>
     </p:spTree>
     <p:extLst>
       <p:ext uri="{BB962C8B-B14F-4D97-AF65-F5344CB8AC3E}">
-        <p14:creationId xmlns:p14="http://schemas.microsoft.com/office/powerpoint/2010/main" val="1818719697"/>
+        <p14:creationId xmlns:p14="http://schemas.microsoft.com/office/powerpoint/2010/main" val="3604514135"/>
       </p:ext>
     </p:extLst>
   </p:cSld>
@@ -7564,16 +8507,12 @@
           <a:p>
             <a:pPr algn="ctr"/>
             <a:r>
-              <a:rPr lang="en-US" b="1" dirty="0">
+              <a:rPr lang="en-IN" b="1" dirty="0">
                 <a:latin typeface="Verdana" panose="020B0604030504040204" pitchFamily="34" charset="0"/>
                 <a:ea typeface="Verdana" panose="020B0604030504040204" pitchFamily="34" charset="0"/>
               </a:rPr>
-              <a:t>Hosting a couple of Middle tier services as web API into Azure</a:t>
-            </a:r>
-            <a:endParaRPr lang="en-IN" b="1" dirty="0">
-              <a:latin typeface="Verdana" panose="020B0604030504040204" pitchFamily="34" charset="0"/>
-              <a:ea typeface="Verdana" panose="020B0604030504040204" pitchFamily="34" charset="0"/>
-            </a:endParaRPr>
+              <a:t>A Quick walk through of Resource in Azure</a:t>
+            </a:r>
           </a:p>
         </p:txBody>
       </p:sp>
@@ -7850,158 +8789,45 @@
           </a:p>
         </p:txBody>
       </p:sp>
-      <p:sp>
-        <p:nvSpPr>
-          <p:cNvPr id="10" name="TextBox 9">
-            <a:extLst>
-              <a:ext uri="{FF2B5EF4-FFF2-40B4-BE49-F238E27FC236}">
-                <a16:creationId xmlns:a16="http://schemas.microsoft.com/office/drawing/2014/main" id="{3F57BFF1-0046-4C84-A430-03E3F25BA26D}"/>
-              </a:ext>
-            </a:extLst>
-          </p:cNvPr>
-          <p:cNvSpPr txBox="1"/>
+      <p:pic>
+        <p:nvPicPr>
+          <p:cNvPr id="3" name="Picture 2">
+            <a:extLst>
+              <a:ext uri="{FF2B5EF4-FFF2-40B4-BE49-F238E27FC236}">
+                <a16:creationId xmlns:a16="http://schemas.microsoft.com/office/drawing/2014/main" id="{EA1A83FE-58CA-471B-9E44-6AD92947D57B}"/>
+              </a:ext>
+            </a:extLst>
+          </p:cNvPr>
+          <p:cNvPicPr>
+            <a:picLocks noChangeAspect="1"/>
+          </p:cNvPicPr>
           <p:nvPr/>
-        </p:nvSpPr>
-        <p:spPr>
-          <a:xfrm>
-            <a:off x="80629" y="602214"/>
-            <a:ext cx="12037390" cy="3684920"/>
+        </p:nvPicPr>
+        <p:blipFill>
+          <a:blip r:embed="rId2"/>
+          <a:stretch>
+            <a:fillRect/>
+          </a:stretch>
+        </p:blipFill>
+        <p:spPr>
+          <a:xfrm>
+            <a:off x="59971" y="1247775"/>
+            <a:ext cx="12058049" cy="4362450"/>
           </a:xfrm>
           <a:prstGeom prst="rect">
             <a:avLst/>
           </a:prstGeom>
-          <a:noFill/>
-        </p:spPr>
-        <p:txBody>
-          <a:bodyPr wrap="square" rtlCol="0">
-            <a:spAutoFit/>
-          </a:bodyPr>
-          <a:lstStyle/>
-          <a:p>
-            <a:pPr>
-              <a:lnSpc>
-                <a:spcPct val="200000"/>
-              </a:lnSpc>
-            </a:pPr>
-            <a:r>
-              <a:rPr lang="en-US" sz="2000" dirty="0">
-                <a:solidFill>
-                  <a:srgbClr val="002060"/>
-                </a:solidFill>
-                <a:latin typeface="Verdana" panose="020B0604030504040204" pitchFamily="34" charset="0"/>
-                <a:ea typeface="Verdana" panose="020B0604030504040204" pitchFamily="34" charset="0"/>
-              </a:rPr>
-              <a:t>Hosting Middle Tier to Azure</a:t>
-            </a:r>
-          </a:p>
-          <a:p>
-            <a:pPr marL="628650" lvl="1" indent="-171450">
-              <a:lnSpc>
-                <a:spcPct val="200000"/>
-              </a:lnSpc>
-              <a:buFont typeface="Wingdings" panose="05000000000000000000" pitchFamily="2" charset="2"/>
-              <a:buChar char="Ø"/>
-            </a:pPr>
-            <a:r>
-              <a:rPr lang="en-US" sz="2000" dirty="0">
-                <a:solidFill>
-                  <a:srgbClr val="002060"/>
-                </a:solidFill>
-                <a:latin typeface="Verdana" panose="020B0604030504040204" pitchFamily="34" charset="0"/>
-                <a:ea typeface="Verdana" panose="020B0604030504040204" pitchFamily="34" charset="0"/>
-              </a:rPr>
-              <a:t> We have created two App Service [Windows OS].</a:t>
-            </a:r>
-          </a:p>
-          <a:p>
-            <a:pPr marL="628650" lvl="1" indent="-171450">
-              <a:lnSpc>
-                <a:spcPct val="200000"/>
-              </a:lnSpc>
-              <a:buFont typeface="Wingdings" panose="05000000000000000000" pitchFamily="2" charset="2"/>
-              <a:buChar char="Ø"/>
-            </a:pPr>
-            <a:r>
-              <a:rPr lang="en-US" sz="2000" dirty="0">
-                <a:solidFill>
-                  <a:srgbClr val="002060"/>
-                </a:solidFill>
-                <a:latin typeface="Verdana" panose="020B0604030504040204" pitchFamily="34" charset="0"/>
-                <a:ea typeface="Verdana" panose="020B0604030504040204" pitchFamily="34" charset="0"/>
-              </a:rPr>
-              <a:t> We have one App Service Plan. [D1 Shared].</a:t>
-            </a:r>
-          </a:p>
-          <a:p>
-            <a:pPr marL="628650" lvl="1" indent="-171450">
-              <a:lnSpc>
-                <a:spcPct val="200000"/>
-              </a:lnSpc>
-              <a:buFont typeface="Wingdings" panose="05000000000000000000" pitchFamily="2" charset="2"/>
-              <a:buChar char="Ø"/>
-            </a:pPr>
-            <a:r>
-              <a:rPr lang="en-US" sz="2000" dirty="0">
-                <a:solidFill>
-                  <a:srgbClr val="002060"/>
-                </a:solidFill>
-                <a:latin typeface="Verdana" panose="020B0604030504040204" pitchFamily="34" charset="0"/>
-                <a:ea typeface="Verdana" panose="020B0604030504040204" pitchFamily="34" charset="0"/>
-              </a:rPr>
-              <a:t> We are deploying it using Visual Studio 2019. [Publish].</a:t>
-            </a:r>
-          </a:p>
-          <a:p>
-            <a:pPr marL="628650" lvl="1" indent="-171450">
-              <a:lnSpc>
-                <a:spcPct val="200000"/>
-              </a:lnSpc>
-              <a:buFont typeface="Wingdings" panose="05000000000000000000" pitchFamily="2" charset="2"/>
-              <a:buChar char="Ø"/>
-            </a:pPr>
-            <a:r>
-              <a:rPr lang="en-US" sz="2000" dirty="0">
-                <a:solidFill>
-                  <a:srgbClr val="002060"/>
-                </a:solidFill>
-                <a:latin typeface="Verdana" panose="020B0604030504040204" pitchFamily="34" charset="0"/>
-                <a:ea typeface="Verdana" panose="020B0604030504040204" pitchFamily="34" charset="0"/>
-              </a:rPr>
-              <a:t> We have published College Service. We will verify using Postman.</a:t>
-            </a:r>
-          </a:p>
-          <a:p>
-            <a:pPr marL="628650" lvl="1" indent="-171450">
-              <a:lnSpc>
-                <a:spcPct val="200000"/>
-              </a:lnSpc>
-              <a:buFont typeface="Wingdings" panose="05000000000000000000" pitchFamily="2" charset="2"/>
-              <a:buChar char="Ø"/>
-            </a:pPr>
-            <a:r>
-              <a:rPr lang="en-US" sz="2000" dirty="0">
-                <a:solidFill>
-                  <a:srgbClr val="002060"/>
-                </a:solidFill>
-                <a:latin typeface="Verdana" panose="020B0604030504040204" pitchFamily="34" charset="0"/>
-                <a:ea typeface="Verdana" panose="020B0604030504040204" pitchFamily="34" charset="0"/>
-              </a:rPr>
-              <a:t> We will publish Weather Forecast Service.</a:t>
-            </a:r>
-            <a:endParaRPr lang="en-IN" sz="2000" dirty="0">
-              <a:solidFill>
-                <a:srgbClr val="002060"/>
-              </a:solidFill>
-              <a:latin typeface="Verdana" panose="020B0604030504040204" pitchFamily="34" charset="0"/>
-              <a:ea typeface="Verdana" panose="020B0604030504040204" pitchFamily="34" charset="0"/>
-            </a:endParaRPr>
-          </a:p>
-        </p:txBody>
-      </p:sp>
+          <a:ln>
+            <a:solidFill>
+              <a:schemeClr val="accent1"/>
+            </a:solidFill>
+          </a:ln>
+        </p:spPr>
+      </p:pic>
     </p:spTree>
     <p:extLst>
       <p:ext uri="{BB962C8B-B14F-4D97-AF65-F5344CB8AC3E}">
-        <p14:creationId xmlns:p14="http://schemas.microsoft.com/office/powerpoint/2010/main" val="1871915448"/>
+        <p14:creationId xmlns:p14="http://schemas.microsoft.com/office/powerpoint/2010/main" val="1818719697"/>
       </p:ext>
     </p:extLst>
   </p:cSld>
@@ -8362,20 +9188,20 @@
       </p:sp>
       <p:sp>
         <p:nvSpPr>
-          <p:cNvPr id="11" name="Rectangle 10">
-            <a:extLst>
-              <a:ext uri="{FF2B5EF4-FFF2-40B4-BE49-F238E27FC236}">
-                <a16:creationId xmlns:a16="http://schemas.microsoft.com/office/drawing/2014/main" id="{F60D9B38-5067-4841-9B4A-CE7786A2CB4A}"/>
-              </a:ext>
-            </a:extLst>
-          </p:cNvPr>
-          <p:cNvSpPr/>
+          <p:cNvPr id="10" name="TextBox 9">
+            <a:extLst>
+              <a:ext uri="{FF2B5EF4-FFF2-40B4-BE49-F238E27FC236}">
+                <a16:creationId xmlns:a16="http://schemas.microsoft.com/office/drawing/2014/main" id="{3F57BFF1-0046-4C84-A430-03E3F25BA26D}"/>
+              </a:ext>
+            </a:extLst>
+          </p:cNvPr>
+          <p:cNvSpPr txBox="1"/>
           <p:nvPr/>
         </p:nvSpPr>
         <p:spPr>
           <a:xfrm>
-            <a:off x="517279" y="588106"/>
-            <a:ext cx="11121954" cy="4128694"/>
+            <a:off x="80629" y="602214"/>
+            <a:ext cx="12037390" cy="3684920"/>
           </a:xfrm>
           <a:prstGeom prst="rect">
             <a:avLst/>
@@ -8383,152 +9209,135 @@
           <a:noFill/>
         </p:spPr>
         <p:txBody>
-          <a:bodyPr wrap="none" lIns="91440" tIns="45720" rIns="91440" bIns="45720">
+          <a:bodyPr wrap="square" rtlCol="0">
             <a:spAutoFit/>
           </a:bodyPr>
           <a:lstStyle/>
           <a:p>
-            <a:pPr algn="ctr"/>
-            <a:r>
-              <a:rPr lang="en-US" sz="8800" b="1" cap="none" spc="0" dirty="0">
-                <a:ln w="9525">
-                  <a:solidFill>
-                    <a:schemeClr val="bg1"/>
-                  </a:solidFill>
-                  <a:prstDash val="solid"/>
-                </a:ln>
-                <a:solidFill>
-                  <a:schemeClr val="accent5"/>
-                </a:solidFill>
-                <a:effectLst>
-                  <a:outerShdw blurRad="12700" dist="38100" dir="2700000" algn="tl" rotWithShape="0">
-                    <a:schemeClr val="accent5">
-                      <a:lumMod val="60000"/>
-                      <a:lumOff val="40000"/>
-                    </a:schemeClr>
-                  </a:outerShdw>
-                </a:effectLst>
+            <a:pPr>
+              <a:lnSpc>
+                <a:spcPct val="200000"/>
+              </a:lnSpc>
+            </a:pPr>
+            <a:r>
+              <a:rPr lang="en-US" sz="2000" dirty="0">
+                <a:solidFill>
+                  <a:srgbClr val="002060"/>
+                </a:solidFill>
                 <a:latin typeface="Verdana" panose="020B0604030504040204" pitchFamily="34" charset="0"/>
                 <a:ea typeface="Verdana" panose="020B0604030504040204" pitchFamily="34" charset="0"/>
               </a:rPr>
-              <a:t>Demo 1</a:t>
-            </a:r>
-          </a:p>
-          <a:p>
-            <a:pPr marL="1371600" indent="-1371600" algn="ctr">
-              <a:buAutoNum type="arabicPeriod"/>
+              <a:t>Hosting Middle Tier to Azure</a:t>
+            </a:r>
+          </a:p>
+          <a:p>
+            <a:pPr marL="628650" lvl="1" indent="-171450">
+              <a:lnSpc>
+                <a:spcPct val="200000"/>
+              </a:lnSpc>
+              <a:buFont typeface="Wingdings" panose="05000000000000000000" pitchFamily="2" charset="2"/>
+              <a:buChar char="Ø"/>
             </a:pPr>
-            <a:endParaRPr lang="en-US" sz="4000" b="1" cap="none" spc="0" dirty="0">
-              <a:ln w="9525">
-                <a:solidFill>
-                  <a:schemeClr val="bg1"/>
-                </a:solidFill>
-                <a:prstDash val="solid"/>
-              </a:ln>
+            <a:r>
+              <a:rPr lang="en-US" sz="2000" dirty="0">
+                <a:solidFill>
+                  <a:srgbClr val="002060"/>
+                </a:solidFill>
+                <a:latin typeface="Verdana" panose="020B0604030504040204" pitchFamily="34" charset="0"/>
+                <a:ea typeface="Verdana" panose="020B0604030504040204" pitchFamily="34" charset="0"/>
+              </a:rPr>
+              <a:t> We have created two App Service [Windows OS].</a:t>
+            </a:r>
+          </a:p>
+          <a:p>
+            <a:pPr marL="628650" lvl="1" indent="-171450">
+              <a:lnSpc>
+                <a:spcPct val="200000"/>
+              </a:lnSpc>
+              <a:buFont typeface="Wingdings" panose="05000000000000000000" pitchFamily="2" charset="2"/>
+              <a:buChar char="Ø"/>
+            </a:pPr>
+            <a:r>
+              <a:rPr lang="en-US" sz="2000" dirty="0">
+                <a:solidFill>
+                  <a:srgbClr val="002060"/>
+                </a:solidFill>
+                <a:latin typeface="Verdana" panose="020B0604030504040204" pitchFamily="34" charset="0"/>
+                <a:ea typeface="Verdana" panose="020B0604030504040204" pitchFamily="34" charset="0"/>
+              </a:rPr>
+              <a:t> We have one App Service Plan. [D1 Shared].</a:t>
+            </a:r>
+          </a:p>
+          <a:p>
+            <a:pPr marL="628650" lvl="1" indent="-171450">
+              <a:lnSpc>
+                <a:spcPct val="200000"/>
+              </a:lnSpc>
+              <a:buFont typeface="Wingdings" panose="05000000000000000000" pitchFamily="2" charset="2"/>
+              <a:buChar char="Ø"/>
+            </a:pPr>
+            <a:r>
+              <a:rPr lang="en-US" sz="2000" dirty="0">
+                <a:solidFill>
+                  <a:srgbClr val="002060"/>
+                </a:solidFill>
+                <a:latin typeface="Verdana" panose="020B0604030504040204" pitchFamily="34" charset="0"/>
+                <a:ea typeface="Verdana" panose="020B0604030504040204" pitchFamily="34" charset="0"/>
+              </a:rPr>
+              <a:t> We are deploying it using Visual Studio 2019. [Publish].</a:t>
+            </a:r>
+          </a:p>
+          <a:p>
+            <a:pPr marL="628650" lvl="1" indent="-171450">
+              <a:lnSpc>
+                <a:spcPct val="200000"/>
+              </a:lnSpc>
+              <a:buFont typeface="Wingdings" panose="05000000000000000000" pitchFamily="2" charset="2"/>
+              <a:buChar char="Ø"/>
+            </a:pPr>
+            <a:r>
+              <a:rPr lang="en-US" sz="2000" dirty="0">
+                <a:solidFill>
+                  <a:srgbClr val="002060"/>
+                </a:solidFill>
+                <a:latin typeface="Verdana" panose="020B0604030504040204" pitchFamily="34" charset="0"/>
+                <a:ea typeface="Verdana" panose="020B0604030504040204" pitchFamily="34" charset="0"/>
+              </a:rPr>
+              <a:t> We have published College Service. We will verify using Postman.</a:t>
+            </a:r>
+          </a:p>
+          <a:p>
+            <a:pPr marL="628650" lvl="1" indent="-171450">
+              <a:lnSpc>
+                <a:spcPct val="200000"/>
+              </a:lnSpc>
+              <a:buFont typeface="Wingdings" panose="05000000000000000000" pitchFamily="2" charset="2"/>
+              <a:buChar char="Ø"/>
+            </a:pPr>
+            <a:r>
+              <a:rPr lang="en-US" sz="2000" dirty="0">
+                <a:solidFill>
+                  <a:srgbClr val="002060"/>
+                </a:solidFill>
+                <a:latin typeface="Verdana" panose="020B0604030504040204" pitchFamily="34" charset="0"/>
+                <a:ea typeface="Verdana" panose="020B0604030504040204" pitchFamily="34" charset="0"/>
+              </a:rPr>
+              <a:t> We will publish Weather Forecast Service.</a:t>
+            </a:r>
+            <a:endParaRPr lang="en-IN" sz="2000" dirty="0">
               <a:solidFill>
-                <a:schemeClr val="accent5"/>
+                <a:srgbClr val="002060"/>
               </a:solidFill>
-              <a:effectLst>
-                <a:outerShdw blurRad="12700" dist="38100" dir="2700000" algn="tl" rotWithShape="0">
-                  <a:schemeClr val="accent5">
-                    <a:lumMod val="60000"/>
-                    <a:lumOff val="40000"/>
-                  </a:schemeClr>
-                </a:outerShdw>
-              </a:effectLst>
               <a:latin typeface="Verdana" panose="020B0604030504040204" pitchFamily="34" charset="0"/>
               <a:ea typeface="Verdana" panose="020B0604030504040204" pitchFamily="34" charset="0"/>
             </a:endParaRPr>
           </a:p>
-          <a:p>
-            <a:pPr algn="ctr">
-              <a:lnSpc>
-                <a:spcPct val="150000"/>
-              </a:lnSpc>
-            </a:pPr>
-            <a:r>
-              <a:rPr lang="en-US" sz="4800" b="1" dirty="0">
-                <a:ln w="9525">
-                  <a:solidFill>
-                    <a:schemeClr val="bg1"/>
-                  </a:solidFill>
-                  <a:prstDash val="solid"/>
-                </a:ln>
-                <a:solidFill>
-                  <a:schemeClr val="accent5"/>
-                </a:solidFill>
-                <a:effectLst>
-                  <a:outerShdw blurRad="12700" dist="38100" dir="2700000" algn="tl" rotWithShape="0">
-                    <a:schemeClr val="accent5">
-                      <a:lumMod val="60000"/>
-                      <a:lumOff val="40000"/>
-                    </a:schemeClr>
-                  </a:outerShdw>
-                </a:effectLst>
-                <a:latin typeface="Verdana" panose="020B0604030504040204" pitchFamily="34" charset="0"/>
-                <a:ea typeface="Verdana" panose="020B0604030504040204" pitchFamily="34" charset="0"/>
-              </a:rPr>
-              <a:t>Hosting a couple of Middle tier </a:t>
-            </a:r>
-          </a:p>
-          <a:p>
-            <a:pPr algn="ctr">
-              <a:lnSpc>
-                <a:spcPct val="150000"/>
-              </a:lnSpc>
-            </a:pPr>
-            <a:r>
-              <a:rPr lang="en-US" sz="4800" b="1" dirty="0">
-                <a:ln w="9525">
-                  <a:solidFill>
-                    <a:schemeClr val="bg1"/>
-                  </a:solidFill>
-                  <a:prstDash val="solid"/>
-                </a:ln>
-                <a:solidFill>
-                  <a:schemeClr val="accent5"/>
-                </a:solidFill>
-                <a:effectLst>
-                  <a:outerShdw blurRad="12700" dist="38100" dir="2700000" algn="tl" rotWithShape="0">
-                    <a:schemeClr val="accent5">
-                      <a:lumMod val="60000"/>
-                      <a:lumOff val="40000"/>
-                    </a:schemeClr>
-                  </a:outerShdw>
-                </a:effectLst>
-                <a:latin typeface="Verdana" panose="020B0604030504040204" pitchFamily="34" charset="0"/>
-                <a:ea typeface="Verdana" panose="020B0604030504040204" pitchFamily="34" charset="0"/>
-              </a:rPr>
-              <a:t>services as web API into Azure.</a:t>
-            </a:r>
-            <a:endParaRPr lang="en-US" sz="4800" b="1" cap="none" spc="0" dirty="0">
-              <a:ln w="9525">
-                <a:solidFill>
-                  <a:schemeClr val="bg1"/>
-                </a:solidFill>
-                <a:prstDash val="solid"/>
-              </a:ln>
-              <a:solidFill>
-                <a:schemeClr val="accent5"/>
-              </a:solidFill>
-              <a:effectLst>
-                <a:outerShdw blurRad="12700" dist="38100" dir="2700000" algn="tl" rotWithShape="0">
-                  <a:schemeClr val="accent5">
-                    <a:lumMod val="60000"/>
-                    <a:lumOff val="40000"/>
-                  </a:schemeClr>
-                </a:outerShdw>
-              </a:effectLst>
-              <a:latin typeface="Verdana" panose="020B0604030504040204" pitchFamily="34" charset="0"/>
-              <a:ea typeface="Verdana" panose="020B0604030504040204" pitchFamily="34" charset="0"/>
-            </a:endParaRPr>
-          </a:p>
         </p:txBody>
       </p:sp>
     </p:spTree>
     <p:extLst>
       <p:ext uri="{BB962C8B-B14F-4D97-AF65-F5344CB8AC3E}">
-        <p14:creationId xmlns:p14="http://schemas.microsoft.com/office/powerpoint/2010/main" val="2885900891"/>
+        <p14:creationId xmlns:p14="http://schemas.microsoft.com/office/powerpoint/2010/main" val="1871915448"/>
       </p:ext>
     </p:extLst>
   </p:cSld>
@@ -8605,7 +9414,7 @@
                 <a:latin typeface="Verdana" panose="020B0604030504040204" pitchFamily="34" charset="0"/>
                 <a:ea typeface="Verdana" panose="020B0604030504040204" pitchFamily="34" charset="0"/>
               </a:rPr>
-              <a:t>Creating Azure API Management and adding the two Middle Tier Services</a:t>
+              <a:t>Hosting a couple of Middle tier services as web API into Azure</a:t>
             </a:r>
             <a:endParaRPr lang="en-IN" b="1" dirty="0">
               <a:latin typeface="Verdana" panose="020B0604030504040204" pitchFamily="34" charset="0"/>
@@ -8889,20 +9698,20 @@
       </p:sp>
       <p:sp>
         <p:nvSpPr>
-          <p:cNvPr id="10" name="TextBox 9">
-            <a:extLst>
-              <a:ext uri="{FF2B5EF4-FFF2-40B4-BE49-F238E27FC236}">
-                <a16:creationId xmlns:a16="http://schemas.microsoft.com/office/drawing/2014/main" id="{3F57BFF1-0046-4C84-A430-03E3F25BA26D}"/>
-              </a:ext>
-            </a:extLst>
-          </p:cNvPr>
-          <p:cNvSpPr txBox="1"/>
+          <p:cNvPr id="11" name="Rectangle 10">
+            <a:extLst>
+              <a:ext uri="{FF2B5EF4-FFF2-40B4-BE49-F238E27FC236}">
+                <a16:creationId xmlns:a16="http://schemas.microsoft.com/office/drawing/2014/main" id="{F60D9B38-5067-4841-9B4A-CE7786A2CB4A}"/>
+              </a:ext>
+            </a:extLst>
+          </p:cNvPr>
+          <p:cNvSpPr/>
           <p:nvPr/>
         </p:nvSpPr>
         <p:spPr>
           <a:xfrm>
-            <a:off x="80629" y="602214"/>
-            <a:ext cx="12037390" cy="4300473"/>
+            <a:off x="517279" y="588106"/>
+            <a:ext cx="11121954" cy="4128694"/>
           </a:xfrm>
           <a:prstGeom prst="rect">
             <a:avLst/>
@@ -8910,228 +9719,152 @@
           <a:noFill/>
         </p:spPr>
         <p:txBody>
-          <a:bodyPr wrap="square" rtlCol="0">
+          <a:bodyPr wrap="none" lIns="91440" tIns="45720" rIns="91440" bIns="45720">
             <a:spAutoFit/>
           </a:bodyPr>
           <a:lstStyle/>
           <a:p>
-            <a:pPr>
-              <a:lnSpc>
-                <a:spcPct val="200000"/>
-              </a:lnSpc>
-            </a:pPr>
-            <a:r>
-              <a:rPr lang="en-US" sz="2000" dirty="0">
-                <a:solidFill>
-                  <a:srgbClr val="002060"/>
-                </a:solidFill>
+            <a:pPr algn="ctr"/>
+            <a:r>
+              <a:rPr lang="en-US" sz="8800" b="1" cap="none" spc="0" dirty="0">
+                <a:ln w="9525">
+                  <a:solidFill>
+                    <a:schemeClr val="bg1"/>
+                  </a:solidFill>
+                  <a:prstDash val="solid"/>
+                </a:ln>
+                <a:solidFill>
+                  <a:schemeClr val="accent5"/>
+                </a:solidFill>
+                <a:effectLst>
+                  <a:outerShdw blurRad="12700" dist="38100" dir="2700000" algn="tl" rotWithShape="0">
+                    <a:schemeClr val="accent5">
+                      <a:lumMod val="60000"/>
+                      <a:lumOff val="40000"/>
+                    </a:schemeClr>
+                  </a:outerShdw>
+                </a:effectLst>
                 <a:latin typeface="Verdana" panose="020B0604030504040204" pitchFamily="34" charset="0"/>
                 <a:ea typeface="Verdana" panose="020B0604030504040204" pitchFamily="34" charset="0"/>
               </a:rPr>
-              <a:t>Hosting Middle Tier to Azure</a:t>
-            </a:r>
-          </a:p>
-          <a:p>
-            <a:pPr marL="171450" indent="-171450">
-              <a:lnSpc>
-                <a:spcPct val="200000"/>
-              </a:lnSpc>
-              <a:buFont typeface="Wingdings" panose="05000000000000000000" pitchFamily="2" charset="2"/>
-              <a:buChar char="Ø"/>
+              <a:t>Demo 1</a:t>
+            </a:r>
+          </a:p>
+          <a:p>
+            <a:pPr marL="1371600" indent="-1371600" algn="ctr">
+              <a:buAutoNum type="arabicPeriod"/>
             </a:pPr>
-            <a:r>
-              <a:rPr lang="en-US" sz="2000" dirty="0">
-                <a:solidFill>
-                  <a:srgbClr val="002060"/>
-                </a:solidFill>
-                <a:latin typeface="Verdana" panose="020B0604030504040204" pitchFamily="34" charset="0"/>
-                <a:ea typeface="Verdana" panose="020B0604030504040204" pitchFamily="34" charset="0"/>
-              </a:rPr>
-              <a:t> We have created two API Management.</a:t>
-            </a:r>
-          </a:p>
-          <a:p>
-            <a:pPr marL="800100" lvl="1" indent="-342900">
-              <a:lnSpc>
-                <a:spcPct val="200000"/>
-              </a:lnSpc>
-              <a:buFont typeface="Wingdings" panose="05000000000000000000" pitchFamily="2" charset="2"/>
-              <a:buChar char="ü"/>
-            </a:pPr>
-            <a:r>
-              <a:rPr lang="en-US" sz="2000" dirty="0">
-                <a:solidFill>
-                  <a:srgbClr val="002060"/>
-                </a:solidFill>
-                <a:latin typeface="Verdana" panose="020B0604030504040204" pitchFamily="34" charset="0"/>
-                <a:ea typeface="Verdana" panose="020B0604030504040204" pitchFamily="34" charset="0"/>
-              </a:rPr>
-              <a:t>college-service-</a:t>
-            </a:r>
-            <a:r>
-              <a:rPr lang="en-US" sz="2000" dirty="0" err="1">
-                <a:solidFill>
-                  <a:srgbClr val="002060"/>
-                </a:solidFill>
-                <a:latin typeface="Verdana" panose="020B0604030504040204" pitchFamily="34" charset="0"/>
-                <a:ea typeface="Verdana" panose="020B0604030504040204" pitchFamily="34" charset="0"/>
-              </a:rPr>
-              <a:t>apimgw</a:t>
-            </a:r>
-            <a:endParaRPr lang="en-US" sz="2000" dirty="0">
+            <a:endParaRPr lang="en-US" sz="4000" b="1" cap="none" spc="0" dirty="0">
+              <a:ln w="9525">
+                <a:solidFill>
+                  <a:schemeClr val="bg1"/>
+                </a:solidFill>
+                <a:prstDash val="solid"/>
+              </a:ln>
               <a:solidFill>
-                <a:srgbClr val="002060"/>
+                <a:schemeClr val="accent5"/>
               </a:solidFill>
+              <a:effectLst>
+                <a:outerShdw blurRad="12700" dist="38100" dir="2700000" algn="tl" rotWithShape="0">
+                  <a:schemeClr val="accent5">
+                    <a:lumMod val="60000"/>
+                    <a:lumOff val="40000"/>
+                  </a:schemeClr>
+                </a:outerShdw>
+              </a:effectLst>
               <a:latin typeface="Verdana" panose="020B0604030504040204" pitchFamily="34" charset="0"/>
               <a:ea typeface="Verdana" panose="020B0604030504040204" pitchFamily="34" charset="0"/>
             </a:endParaRPr>
           </a:p>
           <a:p>
-            <a:pPr marL="800100" lvl="1" indent="-342900">
+            <a:pPr algn="ctr">
               <a:lnSpc>
-                <a:spcPct val="200000"/>
+                <a:spcPct val="150000"/>
               </a:lnSpc>
-              <a:buFont typeface="Wingdings" panose="05000000000000000000" pitchFamily="2" charset="2"/>
-              <a:buChar char="ü"/>
             </a:pPr>
             <a:r>
-              <a:rPr lang="en-US" sz="2000" dirty="0">
-                <a:solidFill>
-                  <a:srgbClr val="002060"/>
-                </a:solidFill>
+              <a:rPr lang="en-US" sz="4800" b="1" dirty="0">
+                <a:ln w="9525">
+                  <a:solidFill>
+                    <a:schemeClr val="bg1"/>
+                  </a:solidFill>
+                  <a:prstDash val="solid"/>
+                </a:ln>
+                <a:solidFill>
+                  <a:schemeClr val="accent5"/>
+                </a:solidFill>
+                <a:effectLst>
+                  <a:outerShdw blurRad="12700" dist="38100" dir="2700000" algn="tl" rotWithShape="0">
+                    <a:schemeClr val="accent5">
+                      <a:lumMod val="60000"/>
+                      <a:lumOff val="40000"/>
+                    </a:schemeClr>
+                  </a:outerShdw>
+                </a:effectLst>
                 <a:latin typeface="Verdana" panose="020B0604030504040204" pitchFamily="34" charset="0"/>
                 <a:ea typeface="Verdana" panose="020B0604030504040204" pitchFamily="34" charset="0"/>
               </a:rPr>
-              <a:t>weather-forecast-</a:t>
-            </a:r>
-            <a:r>
-              <a:rPr lang="en-US" sz="2000" dirty="0" err="1">
-                <a:solidFill>
-                  <a:srgbClr val="002060"/>
-                </a:solidFill>
+              <a:t>Hosting a couple of Middle tier </a:t>
+            </a:r>
+          </a:p>
+          <a:p>
+            <a:pPr algn="ctr">
+              <a:lnSpc>
+                <a:spcPct val="150000"/>
+              </a:lnSpc>
+            </a:pPr>
+            <a:r>
+              <a:rPr lang="en-US" sz="4800" b="1" dirty="0">
+                <a:ln w="9525">
+                  <a:solidFill>
+                    <a:schemeClr val="bg1"/>
+                  </a:solidFill>
+                  <a:prstDash val="solid"/>
+                </a:ln>
+                <a:solidFill>
+                  <a:schemeClr val="accent5"/>
+                </a:solidFill>
+                <a:effectLst>
+                  <a:outerShdw blurRad="12700" dist="38100" dir="2700000" algn="tl" rotWithShape="0">
+                    <a:schemeClr val="accent5">
+                      <a:lumMod val="60000"/>
+                      <a:lumOff val="40000"/>
+                    </a:schemeClr>
+                  </a:outerShdw>
+                </a:effectLst>
                 <a:latin typeface="Verdana" panose="020B0604030504040204" pitchFamily="34" charset="0"/>
                 <a:ea typeface="Verdana" panose="020B0604030504040204" pitchFamily="34" charset="0"/>
               </a:rPr>
-              <a:t>apimgw</a:t>
-            </a:r>
-            <a:endParaRPr lang="en-US" sz="2000" dirty="0">
+              <a:t>services as web API into Azure.</a:t>
+            </a:r>
+            <a:endParaRPr lang="en-US" sz="4800" b="1" cap="none" spc="0" dirty="0">
+              <a:ln w="9525">
+                <a:solidFill>
+                  <a:schemeClr val="bg1"/>
+                </a:solidFill>
+                <a:prstDash val="solid"/>
+              </a:ln>
               <a:solidFill>
-                <a:srgbClr val="002060"/>
+                <a:schemeClr val="accent5"/>
               </a:solidFill>
+              <a:effectLst>
+                <a:outerShdw blurRad="12700" dist="38100" dir="2700000" algn="tl" rotWithShape="0">
+                  <a:schemeClr val="accent5">
+                    <a:lumMod val="60000"/>
+                    <a:lumOff val="40000"/>
+                  </a:schemeClr>
+                </a:outerShdw>
+              </a:effectLst>
               <a:latin typeface="Verdana" panose="020B0604030504040204" pitchFamily="34" charset="0"/>
               <a:ea typeface="Verdana" panose="020B0604030504040204" pitchFamily="34" charset="0"/>
             </a:endParaRPr>
           </a:p>
-          <a:p>
-            <a:pPr marL="171450" indent="-171450">
-              <a:lnSpc>
-                <a:spcPct val="200000"/>
-              </a:lnSpc>
-              <a:buFont typeface="Wingdings" panose="05000000000000000000" pitchFamily="2" charset="2"/>
-              <a:buChar char="Ø"/>
-            </a:pPr>
-            <a:r>
-              <a:rPr lang="en-US" sz="2000" dirty="0">
-                <a:solidFill>
-                  <a:srgbClr val="002060"/>
-                </a:solidFill>
-                <a:latin typeface="Verdana" panose="020B0604030504040204" pitchFamily="34" charset="0"/>
-                <a:ea typeface="Verdana" panose="020B0604030504040204" pitchFamily="34" charset="0"/>
-              </a:rPr>
-              <a:t> college-service-</a:t>
-            </a:r>
-            <a:r>
-              <a:rPr lang="en-US" sz="2000" dirty="0" err="1">
-                <a:solidFill>
-                  <a:srgbClr val="002060"/>
-                </a:solidFill>
-                <a:latin typeface="Verdana" panose="020B0604030504040204" pitchFamily="34" charset="0"/>
-                <a:ea typeface="Verdana" panose="020B0604030504040204" pitchFamily="34" charset="0"/>
-              </a:rPr>
-              <a:t>apimgw</a:t>
-            </a:r>
-            <a:r>
-              <a:rPr lang="en-US" sz="2000" dirty="0">
-                <a:solidFill>
-                  <a:srgbClr val="002060"/>
-                </a:solidFill>
-                <a:latin typeface="Verdana" panose="020B0604030504040204" pitchFamily="34" charset="0"/>
-                <a:ea typeface="Verdana" panose="020B0604030504040204" pitchFamily="34" charset="0"/>
-              </a:rPr>
-              <a:t> has been published. We will test using Postman.</a:t>
-            </a:r>
-          </a:p>
-          <a:p>
-            <a:pPr marL="171450" indent="-171450">
-              <a:lnSpc>
-                <a:spcPct val="200000"/>
-              </a:lnSpc>
-              <a:buFont typeface="Wingdings" panose="05000000000000000000" pitchFamily="2" charset="2"/>
-              <a:buChar char="Ø"/>
-            </a:pPr>
-            <a:r>
-              <a:rPr lang="en-US" sz="2000" dirty="0">
-                <a:solidFill>
-                  <a:srgbClr val="002060"/>
-                </a:solidFill>
-                <a:latin typeface="Verdana" panose="020B0604030504040204" pitchFamily="34" charset="0"/>
-                <a:ea typeface="Verdana" panose="020B0604030504040204" pitchFamily="34" charset="0"/>
-              </a:rPr>
-              <a:t> We will configure weather-forecast-</a:t>
-            </a:r>
-            <a:r>
-              <a:rPr lang="en-US" sz="2000" dirty="0" err="1">
-                <a:solidFill>
-                  <a:srgbClr val="002060"/>
-                </a:solidFill>
-                <a:latin typeface="Verdana" panose="020B0604030504040204" pitchFamily="34" charset="0"/>
-                <a:ea typeface="Verdana" panose="020B0604030504040204" pitchFamily="34" charset="0"/>
-              </a:rPr>
-              <a:t>apimgw</a:t>
-            </a:r>
-            <a:r>
-              <a:rPr lang="en-US" sz="2000" dirty="0">
-                <a:solidFill>
-                  <a:srgbClr val="002060"/>
-                </a:solidFill>
-                <a:latin typeface="Verdana" panose="020B0604030504040204" pitchFamily="34" charset="0"/>
-                <a:ea typeface="Verdana" panose="020B0604030504040204" pitchFamily="34" charset="0"/>
-              </a:rPr>
-              <a:t> now.</a:t>
-            </a:r>
-          </a:p>
-          <a:p>
-            <a:pPr marL="171450" indent="-171450">
-              <a:lnSpc>
-                <a:spcPct val="200000"/>
-              </a:lnSpc>
-              <a:buFont typeface="Wingdings" panose="05000000000000000000" pitchFamily="2" charset="2"/>
-              <a:buChar char="Ø"/>
-            </a:pPr>
-            <a:r>
-              <a:rPr lang="en-US" sz="2000" dirty="0">
-                <a:solidFill>
-                  <a:srgbClr val="002060"/>
-                </a:solidFill>
-                <a:latin typeface="Verdana" panose="020B0604030504040204" pitchFamily="34" charset="0"/>
-                <a:ea typeface="Verdana" panose="020B0604030504040204" pitchFamily="34" charset="0"/>
-              </a:rPr>
-              <a:t> Verify the Weather Forecasting APIM using Postman.</a:t>
-            </a:r>
-            <a:endParaRPr lang="en-IN" sz="2000" dirty="0">
-              <a:solidFill>
-                <a:srgbClr val="002060"/>
-              </a:solidFill>
-              <a:latin typeface="Verdana" panose="020B0604030504040204" pitchFamily="34" charset="0"/>
-              <a:ea typeface="Verdana" panose="020B0604030504040204" pitchFamily="34" charset="0"/>
-            </a:endParaRPr>
-          </a:p>
         </p:txBody>
       </p:sp>
     </p:spTree>
     <p:extLst>
       <p:ext uri="{BB962C8B-B14F-4D97-AF65-F5344CB8AC3E}">
-        <p14:creationId xmlns:p14="http://schemas.microsoft.com/office/powerpoint/2010/main" val="308079843"/>
+        <p14:creationId xmlns:p14="http://schemas.microsoft.com/office/powerpoint/2010/main" val="2885900891"/>
       </p:ext>
     </p:extLst>
   </p:cSld>
@@ -9492,20 +10225,20 @@
       </p:sp>
       <p:sp>
         <p:nvSpPr>
-          <p:cNvPr id="11" name="Rectangle 10">
-            <a:extLst>
-              <a:ext uri="{FF2B5EF4-FFF2-40B4-BE49-F238E27FC236}">
-                <a16:creationId xmlns:a16="http://schemas.microsoft.com/office/drawing/2014/main" id="{F60D9B38-5067-4841-9B4A-CE7786A2CB4A}"/>
-              </a:ext>
-            </a:extLst>
-          </p:cNvPr>
-          <p:cNvSpPr/>
+          <p:cNvPr id="10" name="TextBox 9">
+            <a:extLst>
+              <a:ext uri="{FF2B5EF4-FFF2-40B4-BE49-F238E27FC236}">
+                <a16:creationId xmlns:a16="http://schemas.microsoft.com/office/drawing/2014/main" id="{3F57BFF1-0046-4C84-A430-03E3F25BA26D}"/>
+              </a:ext>
+            </a:extLst>
+          </p:cNvPr>
+          <p:cNvSpPr txBox="1"/>
           <p:nvPr/>
         </p:nvSpPr>
         <p:spPr>
           <a:xfrm>
-            <a:off x="234349" y="588106"/>
-            <a:ext cx="11687815" cy="5236690"/>
+            <a:off x="80629" y="602214"/>
+            <a:ext cx="12037390" cy="4300473"/>
           </a:xfrm>
           <a:prstGeom prst="rect">
             <a:avLst/>
@@ -9513,183 +10246,228 @@
           <a:noFill/>
         </p:spPr>
         <p:txBody>
-          <a:bodyPr wrap="none" lIns="91440" tIns="45720" rIns="91440" bIns="45720">
+          <a:bodyPr wrap="square" rtlCol="0">
             <a:spAutoFit/>
           </a:bodyPr>
           <a:lstStyle/>
           <a:p>
-            <a:pPr algn="ctr"/>
-            <a:r>
-              <a:rPr lang="en-US" sz="8800" b="1" cap="none" spc="0" dirty="0">
-                <a:ln w="9525">
-                  <a:solidFill>
-                    <a:schemeClr val="bg1"/>
-                  </a:solidFill>
-                  <a:prstDash val="solid"/>
-                </a:ln>
-                <a:solidFill>
-                  <a:schemeClr val="accent5"/>
-                </a:solidFill>
-                <a:effectLst>
-                  <a:outerShdw blurRad="12700" dist="38100" dir="2700000" algn="tl" rotWithShape="0">
-                    <a:schemeClr val="accent5">
-                      <a:lumMod val="60000"/>
-                      <a:lumOff val="40000"/>
-                    </a:schemeClr>
-                  </a:outerShdw>
-                </a:effectLst>
+            <a:pPr>
+              <a:lnSpc>
+                <a:spcPct val="200000"/>
+              </a:lnSpc>
+            </a:pPr>
+            <a:r>
+              <a:rPr lang="en-US" sz="2000" dirty="0">
+                <a:solidFill>
+                  <a:srgbClr val="002060"/>
+                </a:solidFill>
                 <a:latin typeface="Verdana" panose="020B0604030504040204" pitchFamily="34" charset="0"/>
                 <a:ea typeface="Verdana" panose="020B0604030504040204" pitchFamily="34" charset="0"/>
               </a:rPr>
-              <a:t>Demo 2</a:t>
-            </a:r>
-          </a:p>
-          <a:p>
-            <a:pPr marL="1371600" indent="-1371600" algn="ctr">
-              <a:buAutoNum type="arabicPeriod"/>
+              <a:t>Hosting Middle Tier to Azure</a:t>
+            </a:r>
+          </a:p>
+          <a:p>
+            <a:pPr marL="171450" indent="-171450">
+              <a:lnSpc>
+                <a:spcPct val="200000"/>
+              </a:lnSpc>
+              <a:buFont typeface="Wingdings" panose="05000000000000000000" pitchFamily="2" charset="2"/>
+              <a:buChar char="Ø"/>
             </a:pPr>
-            <a:endParaRPr lang="en-US" sz="4000" b="1" cap="none" spc="0" dirty="0">
-              <a:ln w="9525">
-                <a:solidFill>
-                  <a:schemeClr val="bg1"/>
-                </a:solidFill>
-                <a:prstDash val="solid"/>
-              </a:ln>
+            <a:r>
+              <a:rPr lang="en-US" sz="2000" dirty="0">
+                <a:solidFill>
+                  <a:srgbClr val="002060"/>
+                </a:solidFill>
+                <a:latin typeface="Verdana" panose="020B0604030504040204" pitchFamily="34" charset="0"/>
+                <a:ea typeface="Verdana" panose="020B0604030504040204" pitchFamily="34" charset="0"/>
+              </a:rPr>
+              <a:t> We have created two API Management.</a:t>
+            </a:r>
+          </a:p>
+          <a:p>
+            <a:pPr marL="800100" lvl="1" indent="-342900">
+              <a:lnSpc>
+                <a:spcPct val="200000"/>
+              </a:lnSpc>
+              <a:buFont typeface="Wingdings" panose="05000000000000000000" pitchFamily="2" charset="2"/>
+              <a:buChar char="ü"/>
+            </a:pPr>
+            <a:r>
+              <a:rPr lang="en-US" sz="2000" dirty="0">
+                <a:solidFill>
+                  <a:srgbClr val="002060"/>
+                </a:solidFill>
+                <a:latin typeface="Verdana" panose="020B0604030504040204" pitchFamily="34" charset="0"/>
+                <a:ea typeface="Verdana" panose="020B0604030504040204" pitchFamily="34" charset="0"/>
+              </a:rPr>
+              <a:t>college-service-</a:t>
+            </a:r>
+            <a:r>
+              <a:rPr lang="en-US" sz="2000" dirty="0" err="1">
+                <a:solidFill>
+                  <a:srgbClr val="002060"/>
+                </a:solidFill>
+                <a:latin typeface="Verdana" panose="020B0604030504040204" pitchFamily="34" charset="0"/>
+                <a:ea typeface="Verdana" panose="020B0604030504040204" pitchFamily="34" charset="0"/>
+              </a:rPr>
+              <a:t>apimgw</a:t>
+            </a:r>
+            <a:endParaRPr lang="en-US" sz="2000" dirty="0">
               <a:solidFill>
-                <a:schemeClr val="accent5"/>
+                <a:srgbClr val="002060"/>
               </a:solidFill>
-              <a:effectLst>
-                <a:outerShdw blurRad="12700" dist="38100" dir="2700000" algn="tl" rotWithShape="0">
-                  <a:schemeClr val="accent5">
-                    <a:lumMod val="60000"/>
-                    <a:lumOff val="40000"/>
-                  </a:schemeClr>
-                </a:outerShdw>
-              </a:effectLst>
               <a:latin typeface="Verdana" panose="020B0604030504040204" pitchFamily="34" charset="0"/>
               <a:ea typeface="Verdana" panose="020B0604030504040204" pitchFamily="34" charset="0"/>
             </a:endParaRPr>
           </a:p>
           <a:p>
-            <a:pPr algn="ctr">
+            <a:pPr marL="800100" lvl="1" indent="-342900">
               <a:lnSpc>
-                <a:spcPct val="150000"/>
+                <a:spcPct val="200000"/>
               </a:lnSpc>
+              <a:buFont typeface="Wingdings" panose="05000000000000000000" pitchFamily="2" charset="2"/>
+              <a:buChar char="ü"/>
             </a:pPr>
             <a:r>
-              <a:rPr lang="en-US" sz="4800" b="1" dirty="0">
-                <a:ln w="9525">
-                  <a:solidFill>
-                    <a:schemeClr val="bg1"/>
-                  </a:solidFill>
-                  <a:prstDash val="solid"/>
-                </a:ln>
-                <a:solidFill>
-                  <a:schemeClr val="accent5"/>
-                </a:solidFill>
-                <a:effectLst>
-                  <a:outerShdw blurRad="12700" dist="38100" dir="2700000" algn="tl" rotWithShape="0">
-                    <a:schemeClr val="accent5">
-                      <a:lumMod val="60000"/>
-                      <a:lumOff val="40000"/>
-                    </a:schemeClr>
-                  </a:outerShdw>
-                </a:effectLst>
+              <a:rPr lang="en-US" sz="2000" dirty="0">
+                <a:solidFill>
+                  <a:srgbClr val="002060"/>
+                </a:solidFill>
                 <a:latin typeface="Verdana" panose="020B0604030504040204" pitchFamily="34" charset="0"/>
                 <a:ea typeface="Verdana" panose="020B0604030504040204" pitchFamily="34" charset="0"/>
               </a:rPr>
-              <a:t>Creating Azure API Management </a:t>
-            </a:r>
-          </a:p>
-          <a:p>
-            <a:pPr algn="ctr">
-              <a:lnSpc>
-                <a:spcPct val="150000"/>
-              </a:lnSpc>
-            </a:pPr>
-            <a:r>
-              <a:rPr lang="en-US" sz="4800" b="1" dirty="0">
-                <a:ln w="9525">
-                  <a:solidFill>
-                    <a:schemeClr val="bg1"/>
-                  </a:solidFill>
-                  <a:prstDash val="solid"/>
-                </a:ln>
-                <a:solidFill>
-                  <a:schemeClr val="accent5"/>
-                </a:solidFill>
-                <a:effectLst>
-                  <a:outerShdw blurRad="12700" dist="38100" dir="2700000" algn="tl" rotWithShape="0">
-                    <a:schemeClr val="accent5">
-                      <a:lumMod val="60000"/>
-                      <a:lumOff val="40000"/>
-                    </a:schemeClr>
-                  </a:outerShdw>
-                </a:effectLst>
+              <a:t>weather-forecast-</a:t>
+            </a:r>
+            <a:r>
+              <a:rPr lang="en-US" sz="2000" dirty="0" err="1">
+                <a:solidFill>
+                  <a:srgbClr val="002060"/>
+                </a:solidFill>
                 <a:latin typeface="Verdana" panose="020B0604030504040204" pitchFamily="34" charset="0"/>
                 <a:ea typeface="Verdana" panose="020B0604030504040204" pitchFamily="34" charset="0"/>
               </a:rPr>
-              <a:t>and adding </a:t>
-            </a:r>
-          </a:p>
-          <a:p>
-            <a:pPr algn="ctr">
-              <a:lnSpc>
-                <a:spcPct val="150000"/>
-              </a:lnSpc>
-            </a:pPr>
-            <a:r>
-              <a:rPr lang="en-US" sz="4800" b="1" dirty="0">
-                <a:ln w="9525">
-                  <a:solidFill>
-                    <a:schemeClr val="bg1"/>
-                  </a:solidFill>
-                  <a:prstDash val="solid"/>
-                </a:ln>
-                <a:solidFill>
-                  <a:schemeClr val="accent5"/>
-                </a:solidFill>
-                <a:effectLst>
-                  <a:outerShdw blurRad="12700" dist="38100" dir="2700000" algn="tl" rotWithShape="0">
-                    <a:schemeClr val="accent5">
-                      <a:lumMod val="60000"/>
-                      <a:lumOff val="40000"/>
-                    </a:schemeClr>
-                  </a:outerShdw>
-                </a:effectLst>
-                <a:latin typeface="Verdana" panose="020B0604030504040204" pitchFamily="34" charset="0"/>
-                <a:ea typeface="Verdana" panose="020B0604030504040204" pitchFamily="34" charset="0"/>
-              </a:rPr>
-              <a:t>One Middle Tier Services</a:t>
-            </a:r>
-            <a:endParaRPr lang="en-US" sz="4000" b="1" cap="none" spc="0" dirty="0">
-              <a:ln w="9525">
-                <a:solidFill>
-                  <a:schemeClr val="bg1"/>
-                </a:solidFill>
-                <a:prstDash val="solid"/>
-              </a:ln>
+              <a:t>apimgw</a:t>
+            </a:r>
+            <a:endParaRPr lang="en-US" sz="2000" dirty="0">
               <a:solidFill>
-                <a:schemeClr val="accent5"/>
+                <a:srgbClr val="002060"/>
               </a:solidFill>
-              <a:effectLst>
-                <a:outerShdw blurRad="12700" dist="38100" dir="2700000" algn="tl" rotWithShape="0">
-                  <a:schemeClr val="accent5">
-                    <a:lumMod val="60000"/>
-                    <a:lumOff val="40000"/>
-                  </a:schemeClr>
-                </a:outerShdw>
-              </a:effectLst>
               <a:latin typeface="Verdana" panose="020B0604030504040204" pitchFamily="34" charset="0"/>
               <a:ea typeface="Verdana" panose="020B0604030504040204" pitchFamily="34" charset="0"/>
             </a:endParaRPr>
           </a:p>
+          <a:p>
+            <a:pPr marL="171450" indent="-171450">
+              <a:lnSpc>
+                <a:spcPct val="200000"/>
+              </a:lnSpc>
+              <a:buFont typeface="Wingdings" panose="05000000000000000000" pitchFamily="2" charset="2"/>
+              <a:buChar char="Ø"/>
+            </a:pPr>
+            <a:r>
+              <a:rPr lang="en-US" sz="2000" dirty="0">
+                <a:solidFill>
+                  <a:srgbClr val="002060"/>
+                </a:solidFill>
+                <a:latin typeface="Verdana" panose="020B0604030504040204" pitchFamily="34" charset="0"/>
+                <a:ea typeface="Verdana" panose="020B0604030504040204" pitchFamily="34" charset="0"/>
+              </a:rPr>
+              <a:t> college-service-</a:t>
+            </a:r>
+            <a:r>
+              <a:rPr lang="en-US" sz="2000" dirty="0" err="1">
+                <a:solidFill>
+                  <a:srgbClr val="002060"/>
+                </a:solidFill>
+                <a:latin typeface="Verdana" panose="020B0604030504040204" pitchFamily="34" charset="0"/>
+                <a:ea typeface="Verdana" panose="020B0604030504040204" pitchFamily="34" charset="0"/>
+              </a:rPr>
+              <a:t>apimgw</a:t>
+            </a:r>
+            <a:r>
+              <a:rPr lang="en-US" sz="2000" dirty="0">
+                <a:solidFill>
+                  <a:srgbClr val="002060"/>
+                </a:solidFill>
+                <a:latin typeface="Verdana" panose="020B0604030504040204" pitchFamily="34" charset="0"/>
+                <a:ea typeface="Verdana" panose="020B0604030504040204" pitchFamily="34" charset="0"/>
+              </a:rPr>
+              <a:t> has been published. We will test using Postman.</a:t>
+            </a:r>
+          </a:p>
+          <a:p>
+            <a:pPr marL="171450" indent="-171450">
+              <a:lnSpc>
+                <a:spcPct val="200000"/>
+              </a:lnSpc>
+              <a:buFont typeface="Wingdings" panose="05000000000000000000" pitchFamily="2" charset="2"/>
+              <a:buChar char="Ø"/>
+            </a:pPr>
+            <a:r>
+              <a:rPr lang="en-US" sz="2000" dirty="0">
+                <a:solidFill>
+                  <a:srgbClr val="002060"/>
+                </a:solidFill>
+                <a:latin typeface="Verdana" panose="020B0604030504040204" pitchFamily="34" charset="0"/>
+                <a:ea typeface="Verdana" panose="020B0604030504040204" pitchFamily="34" charset="0"/>
+              </a:rPr>
+              <a:t> We will configure weather-forecast-</a:t>
+            </a:r>
+            <a:r>
+              <a:rPr lang="en-US" sz="2000" dirty="0" err="1">
+                <a:solidFill>
+                  <a:srgbClr val="002060"/>
+                </a:solidFill>
+                <a:latin typeface="Verdana" panose="020B0604030504040204" pitchFamily="34" charset="0"/>
+                <a:ea typeface="Verdana" panose="020B0604030504040204" pitchFamily="34" charset="0"/>
+              </a:rPr>
+              <a:t>apimgw</a:t>
+            </a:r>
+            <a:r>
+              <a:rPr lang="en-US" sz="2000" dirty="0">
+                <a:solidFill>
+                  <a:srgbClr val="002060"/>
+                </a:solidFill>
+                <a:latin typeface="Verdana" panose="020B0604030504040204" pitchFamily="34" charset="0"/>
+                <a:ea typeface="Verdana" panose="020B0604030504040204" pitchFamily="34" charset="0"/>
+              </a:rPr>
+              <a:t> now.</a:t>
+            </a:r>
+          </a:p>
+          <a:p>
+            <a:pPr marL="171450" indent="-171450">
+              <a:lnSpc>
+                <a:spcPct val="200000"/>
+              </a:lnSpc>
+              <a:buFont typeface="Wingdings" panose="05000000000000000000" pitchFamily="2" charset="2"/>
+              <a:buChar char="Ø"/>
+            </a:pPr>
+            <a:r>
+              <a:rPr lang="en-US" sz="2000" dirty="0">
+                <a:solidFill>
+                  <a:srgbClr val="002060"/>
+                </a:solidFill>
+                <a:latin typeface="Verdana" panose="020B0604030504040204" pitchFamily="34" charset="0"/>
+                <a:ea typeface="Verdana" panose="020B0604030504040204" pitchFamily="34" charset="0"/>
+              </a:rPr>
+              <a:t> Verify the Weather Forecasting APIM using Postman.</a:t>
+            </a:r>
+            <a:endParaRPr lang="en-IN" sz="2000" dirty="0">
+              <a:solidFill>
+                <a:srgbClr val="002060"/>
+              </a:solidFill>
+              <a:latin typeface="Verdana" panose="020B0604030504040204" pitchFamily="34" charset="0"/>
+              <a:ea typeface="Verdana" panose="020B0604030504040204" pitchFamily="34" charset="0"/>
+            </a:endParaRPr>
+          </a:p>
         </p:txBody>
       </p:sp>
     </p:spTree>
     <p:extLst>
       <p:ext uri="{BB962C8B-B14F-4D97-AF65-F5344CB8AC3E}">
-        <p14:creationId xmlns:p14="http://schemas.microsoft.com/office/powerpoint/2010/main" val="1391075928"/>
+        <p14:creationId xmlns:p14="http://schemas.microsoft.com/office/powerpoint/2010/main" val="308079843"/>
       </p:ext>
     </p:extLst>
   </p:cSld>
@@ -9766,7 +10544,7 @@
                 <a:latin typeface="Verdana" panose="020B0604030504040204" pitchFamily="34" charset="0"/>
                 <a:ea typeface="Verdana" panose="020B0604030504040204" pitchFamily="34" charset="0"/>
               </a:rPr>
-              <a:t>Adding Policies to Global, Product, Services and Operation Level</a:t>
+              <a:t>Creating Azure API Management and adding the two Middle Tier Services</a:t>
             </a:r>
             <a:endParaRPr lang="en-IN" b="1" dirty="0">
               <a:latin typeface="Verdana" panose="020B0604030504040204" pitchFamily="34" charset="0"/>
@@ -10050,20 +10828,20 @@
       </p:sp>
       <p:sp>
         <p:nvSpPr>
-          <p:cNvPr id="11" name="TextBox 10">
-            <a:extLst>
-              <a:ext uri="{FF2B5EF4-FFF2-40B4-BE49-F238E27FC236}">
-                <a16:creationId xmlns:a16="http://schemas.microsoft.com/office/drawing/2014/main" id="{13E2DF1E-6C2C-406F-BEFA-709E8A507357}"/>
-              </a:ext>
-            </a:extLst>
-          </p:cNvPr>
-          <p:cNvSpPr txBox="1"/>
+          <p:cNvPr id="11" name="Rectangle 10">
+            <a:extLst>
+              <a:ext uri="{FF2B5EF4-FFF2-40B4-BE49-F238E27FC236}">
+                <a16:creationId xmlns:a16="http://schemas.microsoft.com/office/drawing/2014/main" id="{F60D9B38-5067-4841-9B4A-CE7786A2CB4A}"/>
+              </a:ext>
+            </a:extLst>
+          </p:cNvPr>
+          <p:cNvSpPr/>
           <p:nvPr/>
         </p:nvSpPr>
         <p:spPr>
           <a:xfrm>
-            <a:off x="80629" y="602214"/>
-            <a:ext cx="12037390" cy="3069366"/>
+            <a:off x="234349" y="588106"/>
+            <a:ext cx="11687815" cy="5236690"/>
           </a:xfrm>
           <a:prstGeom prst="rect">
             <a:avLst/>
@@ -10071,156 +10849,183 @@
           <a:noFill/>
         </p:spPr>
         <p:txBody>
-          <a:bodyPr wrap="square" rtlCol="0">
+          <a:bodyPr wrap="none" lIns="91440" tIns="45720" rIns="91440" bIns="45720">
             <a:spAutoFit/>
           </a:bodyPr>
           <a:lstStyle/>
           <a:p>
-            <a:pPr>
-              <a:lnSpc>
-                <a:spcPct val="200000"/>
-              </a:lnSpc>
-            </a:pPr>
-            <a:r>
-              <a:rPr lang="en-US" sz="2000" dirty="0">
-                <a:solidFill>
-                  <a:srgbClr val="002060"/>
-                </a:solidFill>
+            <a:pPr algn="ctr"/>
+            <a:r>
+              <a:rPr lang="en-US" sz="8800" b="1" cap="none" spc="0" dirty="0">
+                <a:ln w="9525">
+                  <a:solidFill>
+                    <a:schemeClr val="bg1"/>
+                  </a:solidFill>
+                  <a:prstDash val="solid"/>
+                </a:ln>
+                <a:solidFill>
+                  <a:schemeClr val="accent5"/>
+                </a:solidFill>
+                <a:effectLst>
+                  <a:outerShdw blurRad="12700" dist="38100" dir="2700000" algn="tl" rotWithShape="0">
+                    <a:schemeClr val="accent5">
+                      <a:lumMod val="60000"/>
+                      <a:lumOff val="40000"/>
+                    </a:schemeClr>
+                  </a:outerShdw>
+                </a:effectLst>
                 <a:latin typeface="Verdana" panose="020B0604030504040204" pitchFamily="34" charset="0"/>
                 <a:ea typeface="Verdana" panose="020B0604030504040204" pitchFamily="34" charset="0"/>
               </a:rPr>
-              <a:t>Configuring Policies using Azure Portal</a:t>
-            </a:r>
-          </a:p>
-          <a:p>
-            <a:pPr marL="171450" indent="-171450">
-              <a:lnSpc>
-                <a:spcPct val="200000"/>
-              </a:lnSpc>
-              <a:buFont typeface="Wingdings" panose="05000000000000000000" pitchFamily="2" charset="2"/>
-              <a:buChar char="Ø"/>
+              <a:t>Demo 2</a:t>
+            </a:r>
+          </a:p>
+          <a:p>
+            <a:pPr marL="1371600" indent="-1371600" algn="ctr">
+              <a:buAutoNum type="arabicPeriod"/>
             </a:pPr>
-            <a:r>
-              <a:rPr lang="en-US" sz="2000" dirty="0">
-                <a:solidFill>
-                  <a:srgbClr val="002060"/>
-                </a:solidFill>
-                <a:latin typeface="Verdana" panose="020B0604030504040204" pitchFamily="34" charset="0"/>
-                <a:ea typeface="Verdana" panose="020B0604030504040204" pitchFamily="34" charset="0"/>
-              </a:rPr>
-              <a:t> Verify the Policy created for college-service-</a:t>
-            </a:r>
-            <a:r>
-              <a:rPr lang="en-US" sz="2000" dirty="0" err="1">
-                <a:solidFill>
-                  <a:srgbClr val="002060"/>
-                </a:solidFill>
-                <a:latin typeface="Verdana" panose="020B0604030504040204" pitchFamily="34" charset="0"/>
-                <a:ea typeface="Verdana" panose="020B0604030504040204" pitchFamily="34" charset="0"/>
-              </a:rPr>
-              <a:t>apimgw</a:t>
-            </a:r>
-            <a:r>
-              <a:rPr lang="en-US" sz="2000" dirty="0">
-                <a:solidFill>
-                  <a:srgbClr val="002060"/>
-                </a:solidFill>
-                <a:latin typeface="Verdana" panose="020B0604030504040204" pitchFamily="34" charset="0"/>
-                <a:ea typeface="Verdana" panose="020B0604030504040204" pitchFamily="34" charset="0"/>
-              </a:rPr>
-              <a:t>. Rate Limit.</a:t>
-            </a:r>
-          </a:p>
-          <a:p>
-            <a:pPr marL="171450" indent="-171450">
-              <a:lnSpc>
-                <a:spcPct val="200000"/>
-              </a:lnSpc>
-              <a:buFont typeface="Wingdings" panose="05000000000000000000" pitchFamily="2" charset="2"/>
-              <a:buChar char="Ø"/>
-            </a:pPr>
-            <a:r>
-              <a:rPr lang="en-US" sz="2000" dirty="0">
-                <a:solidFill>
-                  <a:srgbClr val="002060"/>
-                </a:solidFill>
-                <a:latin typeface="Verdana" panose="020B0604030504040204" pitchFamily="34" charset="0"/>
-                <a:ea typeface="Verdana" panose="020B0604030504040204" pitchFamily="34" charset="0"/>
-              </a:rPr>
-              <a:t> We will test using Postman.</a:t>
-            </a:r>
-          </a:p>
-          <a:p>
-            <a:pPr marL="171450" indent="-171450">
-              <a:lnSpc>
-                <a:spcPct val="200000"/>
-              </a:lnSpc>
-              <a:buFont typeface="Wingdings" panose="05000000000000000000" pitchFamily="2" charset="2"/>
-              <a:buChar char="Ø"/>
-            </a:pPr>
-            <a:r>
-              <a:rPr lang="en-US" sz="2000" dirty="0">
-                <a:solidFill>
-                  <a:srgbClr val="002060"/>
-                </a:solidFill>
-                <a:latin typeface="Verdana" panose="020B0604030504040204" pitchFamily="34" charset="0"/>
-                <a:ea typeface="Verdana" panose="020B0604030504040204" pitchFamily="34" charset="0"/>
-              </a:rPr>
-              <a:t> We will configure for weather-forecast-</a:t>
-            </a:r>
-            <a:r>
-              <a:rPr lang="en-US" sz="2000" dirty="0" err="1">
-                <a:solidFill>
-                  <a:srgbClr val="002060"/>
-                </a:solidFill>
-                <a:latin typeface="Verdana" panose="020B0604030504040204" pitchFamily="34" charset="0"/>
-                <a:ea typeface="Verdana" panose="020B0604030504040204" pitchFamily="34" charset="0"/>
-              </a:rPr>
-              <a:t>apimgw</a:t>
-            </a:r>
-            <a:r>
-              <a:rPr lang="en-US" sz="2000" dirty="0">
-                <a:solidFill>
-                  <a:srgbClr val="002060"/>
-                </a:solidFill>
-                <a:latin typeface="Verdana" panose="020B0604030504040204" pitchFamily="34" charset="0"/>
-                <a:ea typeface="Verdana" panose="020B0604030504040204" pitchFamily="34" charset="0"/>
-              </a:rPr>
-              <a:t> now.</a:t>
-            </a:r>
-          </a:p>
-          <a:p>
-            <a:pPr marL="171450" indent="-171450">
-              <a:lnSpc>
-                <a:spcPct val="200000"/>
-              </a:lnSpc>
-              <a:buFont typeface="Wingdings" panose="05000000000000000000" pitchFamily="2" charset="2"/>
-              <a:buChar char="Ø"/>
-            </a:pPr>
-            <a:r>
-              <a:rPr lang="en-US" sz="2000" dirty="0">
-                <a:solidFill>
-                  <a:srgbClr val="002060"/>
-                </a:solidFill>
-                <a:latin typeface="Verdana" panose="020B0604030504040204" pitchFamily="34" charset="0"/>
-                <a:ea typeface="Verdana" panose="020B0604030504040204" pitchFamily="34" charset="0"/>
-              </a:rPr>
-              <a:t> Verify the Weather Forecasting APIM using Postman.</a:t>
-            </a:r>
-            <a:endParaRPr lang="en-IN" sz="2000" dirty="0">
+            <a:endParaRPr lang="en-US" sz="4000" b="1" cap="none" spc="0" dirty="0">
+              <a:ln w="9525">
+                <a:solidFill>
+                  <a:schemeClr val="bg1"/>
+                </a:solidFill>
+                <a:prstDash val="solid"/>
+              </a:ln>
               <a:solidFill>
-                <a:srgbClr val="002060"/>
+                <a:schemeClr val="accent5"/>
               </a:solidFill>
+              <a:effectLst>
+                <a:outerShdw blurRad="12700" dist="38100" dir="2700000" algn="tl" rotWithShape="0">
+                  <a:schemeClr val="accent5">
+                    <a:lumMod val="60000"/>
+                    <a:lumOff val="40000"/>
+                  </a:schemeClr>
+                </a:outerShdw>
+              </a:effectLst>
               <a:latin typeface="Verdana" panose="020B0604030504040204" pitchFamily="34" charset="0"/>
               <a:ea typeface="Verdana" panose="020B0604030504040204" pitchFamily="34" charset="0"/>
             </a:endParaRPr>
           </a:p>
+          <a:p>
+            <a:pPr algn="ctr">
+              <a:lnSpc>
+                <a:spcPct val="150000"/>
+              </a:lnSpc>
+            </a:pPr>
+            <a:r>
+              <a:rPr lang="en-US" sz="4800" b="1" dirty="0">
+                <a:ln w="9525">
+                  <a:solidFill>
+                    <a:schemeClr val="bg1"/>
+                  </a:solidFill>
+                  <a:prstDash val="solid"/>
+                </a:ln>
+                <a:solidFill>
+                  <a:schemeClr val="accent5"/>
+                </a:solidFill>
+                <a:effectLst>
+                  <a:outerShdw blurRad="12700" dist="38100" dir="2700000" algn="tl" rotWithShape="0">
+                    <a:schemeClr val="accent5">
+                      <a:lumMod val="60000"/>
+                      <a:lumOff val="40000"/>
+                    </a:schemeClr>
+                  </a:outerShdw>
+                </a:effectLst>
+                <a:latin typeface="Verdana" panose="020B0604030504040204" pitchFamily="34" charset="0"/>
+                <a:ea typeface="Verdana" panose="020B0604030504040204" pitchFamily="34" charset="0"/>
+              </a:rPr>
+              <a:t>Creating Azure API Management </a:t>
+            </a:r>
+          </a:p>
+          <a:p>
+            <a:pPr algn="ctr">
+              <a:lnSpc>
+                <a:spcPct val="150000"/>
+              </a:lnSpc>
+            </a:pPr>
+            <a:r>
+              <a:rPr lang="en-US" sz="4800" b="1" dirty="0">
+                <a:ln w="9525">
+                  <a:solidFill>
+                    <a:schemeClr val="bg1"/>
+                  </a:solidFill>
+                  <a:prstDash val="solid"/>
+                </a:ln>
+                <a:solidFill>
+                  <a:schemeClr val="accent5"/>
+                </a:solidFill>
+                <a:effectLst>
+                  <a:outerShdw blurRad="12700" dist="38100" dir="2700000" algn="tl" rotWithShape="0">
+                    <a:schemeClr val="accent5">
+                      <a:lumMod val="60000"/>
+                      <a:lumOff val="40000"/>
+                    </a:schemeClr>
+                  </a:outerShdw>
+                </a:effectLst>
+                <a:latin typeface="Verdana" panose="020B0604030504040204" pitchFamily="34" charset="0"/>
+                <a:ea typeface="Verdana" panose="020B0604030504040204" pitchFamily="34" charset="0"/>
+              </a:rPr>
+              <a:t>and adding </a:t>
+            </a:r>
+          </a:p>
+          <a:p>
+            <a:pPr algn="ctr">
+              <a:lnSpc>
+                <a:spcPct val="150000"/>
+              </a:lnSpc>
+            </a:pPr>
+            <a:r>
+              <a:rPr lang="en-US" sz="4800" b="1" dirty="0">
+                <a:ln w="9525">
+                  <a:solidFill>
+                    <a:schemeClr val="bg1"/>
+                  </a:solidFill>
+                  <a:prstDash val="solid"/>
+                </a:ln>
+                <a:solidFill>
+                  <a:schemeClr val="accent5"/>
+                </a:solidFill>
+                <a:effectLst>
+                  <a:outerShdw blurRad="12700" dist="38100" dir="2700000" algn="tl" rotWithShape="0">
+                    <a:schemeClr val="accent5">
+                      <a:lumMod val="60000"/>
+                      <a:lumOff val="40000"/>
+                    </a:schemeClr>
+                  </a:outerShdw>
+                </a:effectLst>
+                <a:latin typeface="Verdana" panose="020B0604030504040204" pitchFamily="34" charset="0"/>
+                <a:ea typeface="Verdana" panose="020B0604030504040204" pitchFamily="34" charset="0"/>
+              </a:rPr>
+              <a:t>One Middle Tier Services</a:t>
+            </a:r>
+            <a:endParaRPr lang="en-US" sz="4000" b="1" cap="none" spc="0" dirty="0">
+              <a:ln w="9525">
+                <a:solidFill>
+                  <a:schemeClr val="bg1"/>
+                </a:solidFill>
+                <a:prstDash val="solid"/>
+              </a:ln>
+              <a:solidFill>
+                <a:schemeClr val="accent5"/>
+              </a:solidFill>
+              <a:effectLst>
+                <a:outerShdw blurRad="12700" dist="38100" dir="2700000" algn="tl" rotWithShape="0">
+                  <a:schemeClr val="accent5">
+                    <a:lumMod val="60000"/>
+                    <a:lumOff val="40000"/>
+                  </a:schemeClr>
+                </a:outerShdw>
+              </a:effectLst>
+              <a:latin typeface="Verdana" panose="020B0604030504040204" pitchFamily="34" charset="0"/>
+              <a:ea typeface="Verdana" panose="020B0604030504040204" pitchFamily="34" charset="0"/>
+            </a:endParaRPr>
+          </a:p>
         </p:txBody>
       </p:sp>
     </p:spTree>
     <p:extLst>
       <p:ext uri="{BB962C8B-B14F-4D97-AF65-F5344CB8AC3E}">
-        <p14:creationId xmlns:p14="http://schemas.microsoft.com/office/powerpoint/2010/main" val="3321109480"/>
+        <p14:creationId xmlns:p14="http://schemas.microsoft.com/office/powerpoint/2010/main" val="1391075928"/>
       </p:ext>
     </p:extLst>
   </p:cSld>
@@ -10581,20 +11386,20 @@
       </p:sp>
       <p:sp>
         <p:nvSpPr>
-          <p:cNvPr id="11" name="Rectangle 10">
-            <a:extLst>
-              <a:ext uri="{FF2B5EF4-FFF2-40B4-BE49-F238E27FC236}">
-                <a16:creationId xmlns:a16="http://schemas.microsoft.com/office/drawing/2014/main" id="{F60D9B38-5067-4841-9B4A-CE7786A2CB4A}"/>
-              </a:ext>
-            </a:extLst>
-          </p:cNvPr>
-          <p:cNvSpPr/>
+          <p:cNvPr id="11" name="TextBox 10">
+            <a:extLst>
+              <a:ext uri="{FF2B5EF4-FFF2-40B4-BE49-F238E27FC236}">
+                <a16:creationId xmlns:a16="http://schemas.microsoft.com/office/drawing/2014/main" id="{13E2DF1E-6C2C-406F-BEFA-709E8A507357}"/>
+              </a:ext>
+            </a:extLst>
+          </p:cNvPr>
+          <p:cNvSpPr txBox="1"/>
           <p:nvPr/>
         </p:nvSpPr>
         <p:spPr>
           <a:xfrm>
-            <a:off x="1479881" y="588106"/>
-            <a:ext cx="9196748" cy="5236690"/>
+            <a:off x="80629" y="602214"/>
+            <a:ext cx="12037390" cy="3069366"/>
           </a:xfrm>
           <a:prstGeom prst="rect">
             <a:avLst/>
@@ -10602,183 +11407,156 @@
           <a:noFill/>
         </p:spPr>
         <p:txBody>
-          <a:bodyPr wrap="none" lIns="91440" tIns="45720" rIns="91440" bIns="45720">
+          <a:bodyPr wrap="square" rtlCol="0">
             <a:spAutoFit/>
           </a:bodyPr>
           <a:lstStyle/>
           <a:p>
-            <a:pPr algn="ctr"/>
-            <a:r>
-              <a:rPr lang="en-US" sz="8800" b="1" cap="none" spc="0" dirty="0">
-                <a:ln w="9525">
-                  <a:solidFill>
-                    <a:schemeClr val="bg1"/>
-                  </a:solidFill>
-                  <a:prstDash val="solid"/>
-                </a:ln>
-                <a:solidFill>
-                  <a:schemeClr val="accent5"/>
-                </a:solidFill>
-                <a:effectLst>
-                  <a:outerShdw blurRad="12700" dist="38100" dir="2700000" algn="tl" rotWithShape="0">
-                    <a:schemeClr val="accent5">
-                      <a:lumMod val="60000"/>
-                      <a:lumOff val="40000"/>
-                    </a:schemeClr>
-                  </a:outerShdw>
-                </a:effectLst>
+            <a:pPr>
+              <a:lnSpc>
+                <a:spcPct val="200000"/>
+              </a:lnSpc>
+            </a:pPr>
+            <a:r>
+              <a:rPr lang="en-US" sz="2000" dirty="0">
+                <a:solidFill>
+                  <a:srgbClr val="002060"/>
+                </a:solidFill>
                 <a:latin typeface="Verdana" panose="020B0604030504040204" pitchFamily="34" charset="0"/>
                 <a:ea typeface="Verdana" panose="020B0604030504040204" pitchFamily="34" charset="0"/>
               </a:rPr>
-              <a:t>Demo 3</a:t>
-            </a:r>
-          </a:p>
-          <a:p>
-            <a:pPr marL="1371600" indent="-1371600" algn="ctr">
-              <a:buAutoNum type="arabicPeriod"/>
+              <a:t>Configuring Policies using Azure Portal</a:t>
+            </a:r>
+          </a:p>
+          <a:p>
+            <a:pPr marL="171450" indent="-171450">
+              <a:lnSpc>
+                <a:spcPct val="200000"/>
+              </a:lnSpc>
+              <a:buFont typeface="Wingdings" panose="05000000000000000000" pitchFamily="2" charset="2"/>
+              <a:buChar char="Ø"/>
             </a:pPr>
-            <a:endParaRPr lang="en-US" sz="4000" b="1" cap="none" spc="0" dirty="0">
-              <a:ln w="9525">
-                <a:solidFill>
-                  <a:schemeClr val="bg1"/>
-                </a:solidFill>
-                <a:prstDash val="solid"/>
-              </a:ln>
+            <a:r>
+              <a:rPr lang="en-US" sz="2000" dirty="0">
+                <a:solidFill>
+                  <a:srgbClr val="002060"/>
+                </a:solidFill>
+                <a:latin typeface="Verdana" panose="020B0604030504040204" pitchFamily="34" charset="0"/>
+                <a:ea typeface="Verdana" panose="020B0604030504040204" pitchFamily="34" charset="0"/>
+              </a:rPr>
+              <a:t> Verify the Policy created for college-service-</a:t>
+            </a:r>
+            <a:r>
+              <a:rPr lang="en-US" sz="2000" dirty="0" err="1">
+                <a:solidFill>
+                  <a:srgbClr val="002060"/>
+                </a:solidFill>
+                <a:latin typeface="Verdana" panose="020B0604030504040204" pitchFamily="34" charset="0"/>
+                <a:ea typeface="Verdana" panose="020B0604030504040204" pitchFamily="34" charset="0"/>
+              </a:rPr>
+              <a:t>apimgw</a:t>
+            </a:r>
+            <a:r>
+              <a:rPr lang="en-US" sz="2000" dirty="0">
+                <a:solidFill>
+                  <a:srgbClr val="002060"/>
+                </a:solidFill>
+                <a:latin typeface="Verdana" panose="020B0604030504040204" pitchFamily="34" charset="0"/>
+                <a:ea typeface="Verdana" panose="020B0604030504040204" pitchFamily="34" charset="0"/>
+              </a:rPr>
+              <a:t>. Rate Limit.</a:t>
+            </a:r>
+          </a:p>
+          <a:p>
+            <a:pPr marL="171450" indent="-171450">
+              <a:lnSpc>
+                <a:spcPct val="200000"/>
+              </a:lnSpc>
+              <a:buFont typeface="Wingdings" panose="05000000000000000000" pitchFamily="2" charset="2"/>
+              <a:buChar char="Ø"/>
+            </a:pPr>
+            <a:r>
+              <a:rPr lang="en-US" sz="2000" dirty="0">
+                <a:solidFill>
+                  <a:srgbClr val="002060"/>
+                </a:solidFill>
+                <a:latin typeface="Verdana" panose="020B0604030504040204" pitchFamily="34" charset="0"/>
+                <a:ea typeface="Verdana" panose="020B0604030504040204" pitchFamily="34" charset="0"/>
+              </a:rPr>
+              <a:t> We will test using Postman.</a:t>
+            </a:r>
+          </a:p>
+          <a:p>
+            <a:pPr marL="171450" indent="-171450">
+              <a:lnSpc>
+                <a:spcPct val="200000"/>
+              </a:lnSpc>
+              <a:buFont typeface="Wingdings" panose="05000000000000000000" pitchFamily="2" charset="2"/>
+              <a:buChar char="Ø"/>
+            </a:pPr>
+            <a:r>
+              <a:rPr lang="en-US" sz="2000" dirty="0">
+                <a:solidFill>
+                  <a:srgbClr val="002060"/>
+                </a:solidFill>
+                <a:latin typeface="Verdana" panose="020B0604030504040204" pitchFamily="34" charset="0"/>
+                <a:ea typeface="Verdana" panose="020B0604030504040204" pitchFamily="34" charset="0"/>
+              </a:rPr>
+              <a:t> We will configure for weather-forecast-</a:t>
+            </a:r>
+            <a:r>
+              <a:rPr lang="en-US" sz="2000" dirty="0" err="1">
+                <a:solidFill>
+                  <a:srgbClr val="002060"/>
+                </a:solidFill>
+                <a:latin typeface="Verdana" panose="020B0604030504040204" pitchFamily="34" charset="0"/>
+                <a:ea typeface="Verdana" panose="020B0604030504040204" pitchFamily="34" charset="0"/>
+              </a:rPr>
+              <a:t>apimgw</a:t>
+            </a:r>
+            <a:r>
+              <a:rPr lang="en-US" sz="2000" dirty="0">
+                <a:solidFill>
+                  <a:srgbClr val="002060"/>
+                </a:solidFill>
+                <a:latin typeface="Verdana" panose="020B0604030504040204" pitchFamily="34" charset="0"/>
+                <a:ea typeface="Verdana" panose="020B0604030504040204" pitchFamily="34" charset="0"/>
+              </a:rPr>
+              <a:t> now.</a:t>
+            </a:r>
+          </a:p>
+          <a:p>
+            <a:pPr marL="171450" indent="-171450">
+              <a:lnSpc>
+                <a:spcPct val="200000"/>
+              </a:lnSpc>
+              <a:buFont typeface="Wingdings" panose="05000000000000000000" pitchFamily="2" charset="2"/>
+              <a:buChar char="Ø"/>
+            </a:pPr>
+            <a:r>
+              <a:rPr lang="en-US" sz="2000" dirty="0">
+                <a:solidFill>
+                  <a:srgbClr val="002060"/>
+                </a:solidFill>
+                <a:latin typeface="Verdana" panose="020B0604030504040204" pitchFamily="34" charset="0"/>
+                <a:ea typeface="Verdana" panose="020B0604030504040204" pitchFamily="34" charset="0"/>
+              </a:rPr>
+              <a:t> Verify the Weather Forecasting APIM using Postman.</a:t>
+            </a:r>
+            <a:endParaRPr lang="en-IN" sz="2000" dirty="0">
               <a:solidFill>
-                <a:schemeClr val="accent5"/>
+                <a:srgbClr val="002060"/>
               </a:solidFill>
-              <a:effectLst>
-                <a:outerShdw blurRad="12700" dist="38100" dir="2700000" algn="tl" rotWithShape="0">
-                  <a:schemeClr val="accent5">
-                    <a:lumMod val="60000"/>
-                    <a:lumOff val="40000"/>
-                  </a:schemeClr>
-                </a:outerShdw>
-              </a:effectLst>
               <a:latin typeface="Verdana" panose="020B0604030504040204" pitchFamily="34" charset="0"/>
               <a:ea typeface="Verdana" panose="020B0604030504040204" pitchFamily="34" charset="0"/>
             </a:endParaRPr>
           </a:p>
-          <a:p>
-            <a:pPr algn="ctr">
-              <a:lnSpc>
-                <a:spcPct val="150000"/>
-              </a:lnSpc>
-            </a:pPr>
-            <a:r>
-              <a:rPr lang="en-US" sz="4800" b="1" dirty="0">
-                <a:ln w="9525">
-                  <a:solidFill>
-                    <a:schemeClr val="bg1"/>
-                  </a:solidFill>
-                  <a:prstDash val="solid"/>
-                </a:ln>
-                <a:solidFill>
-                  <a:schemeClr val="accent5"/>
-                </a:solidFill>
-                <a:effectLst>
-                  <a:outerShdw blurRad="12700" dist="38100" dir="2700000" algn="tl" rotWithShape="0">
-                    <a:schemeClr val="accent5">
-                      <a:lumMod val="60000"/>
-                      <a:lumOff val="40000"/>
-                    </a:schemeClr>
-                  </a:outerShdw>
-                </a:effectLst>
-                <a:latin typeface="Verdana" panose="020B0604030504040204" pitchFamily="34" charset="0"/>
-                <a:ea typeface="Verdana" panose="020B0604030504040204" pitchFamily="34" charset="0"/>
-              </a:rPr>
-              <a:t>Adding Policies to Global, </a:t>
-            </a:r>
-          </a:p>
-          <a:p>
-            <a:pPr algn="ctr">
-              <a:lnSpc>
-                <a:spcPct val="150000"/>
-              </a:lnSpc>
-            </a:pPr>
-            <a:r>
-              <a:rPr lang="en-US" sz="4800" b="1" dirty="0">
-                <a:ln w="9525">
-                  <a:solidFill>
-                    <a:schemeClr val="bg1"/>
-                  </a:solidFill>
-                  <a:prstDash val="solid"/>
-                </a:ln>
-                <a:solidFill>
-                  <a:schemeClr val="accent5"/>
-                </a:solidFill>
-                <a:effectLst>
-                  <a:outerShdw blurRad="12700" dist="38100" dir="2700000" algn="tl" rotWithShape="0">
-                    <a:schemeClr val="accent5">
-                      <a:lumMod val="60000"/>
-                      <a:lumOff val="40000"/>
-                    </a:schemeClr>
-                  </a:outerShdw>
-                </a:effectLst>
-                <a:latin typeface="Verdana" panose="020B0604030504040204" pitchFamily="34" charset="0"/>
-                <a:ea typeface="Verdana" panose="020B0604030504040204" pitchFamily="34" charset="0"/>
-              </a:rPr>
-              <a:t>Product, Services </a:t>
-            </a:r>
-          </a:p>
-          <a:p>
-            <a:pPr algn="ctr">
-              <a:lnSpc>
-                <a:spcPct val="150000"/>
-              </a:lnSpc>
-            </a:pPr>
-            <a:r>
-              <a:rPr lang="en-US" sz="4800" b="1" dirty="0">
-                <a:ln w="9525">
-                  <a:solidFill>
-                    <a:schemeClr val="bg1"/>
-                  </a:solidFill>
-                  <a:prstDash val="solid"/>
-                </a:ln>
-                <a:solidFill>
-                  <a:schemeClr val="accent5"/>
-                </a:solidFill>
-                <a:effectLst>
-                  <a:outerShdw blurRad="12700" dist="38100" dir="2700000" algn="tl" rotWithShape="0">
-                    <a:schemeClr val="accent5">
-                      <a:lumMod val="60000"/>
-                      <a:lumOff val="40000"/>
-                    </a:schemeClr>
-                  </a:outerShdw>
-                </a:effectLst>
-                <a:latin typeface="Verdana" panose="020B0604030504040204" pitchFamily="34" charset="0"/>
-                <a:ea typeface="Verdana" panose="020B0604030504040204" pitchFamily="34" charset="0"/>
-              </a:rPr>
-              <a:t>and Operation Level</a:t>
-            </a:r>
-            <a:endParaRPr lang="en-US" sz="4800" b="1" cap="none" spc="0" dirty="0">
-              <a:ln w="9525">
-                <a:solidFill>
-                  <a:schemeClr val="bg1"/>
-                </a:solidFill>
-                <a:prstDash val="solid"/>
-              </a:ln>
-              <a:solidFill>
-                <a:schemeClr val="accent5"/>
-              </a:solidFill>
-              <a:effectLst>
-                <a:outerShdw blurRad="12700" dist="38100" dir="2700000" algn="tl" rotWithShape="0">
-                  <a:schemeClr val="accent5">
-                    <a:lumMod val="60000"/>
-                    <a:lumOff val="40000"/>
-                  </a:schemeClr>
-                </a:outerShdw>
-              </a:effectLst>
-              <a:latin typeface="Verdana" panose="020B0604030504040204" pitchFamily="34" charset="0"/>
-              <a:ea typeface="Verdana" panose="020B0604030504040204" pitchFamily="34" charset="0"/>
-            </a:endParaRPr>
-          </a:p>
         </p:txBody>
       </p:sp>
     </p:spTree>
     <p:extLst>
       <p:ext uri="{BB962C8B-B14F-4D97-AF65-F5344CB8AC3E}">
-        <p14:creationId xmlns:p14="http://schemas.microsoft.com/office/powerpoint/2010/main" val="2826965558"/>
+        <p14:creationId xmlns:p14="http://schemas.microsoft.com/office/powerpoint/2010/main" val="3321109480"/>
       </p:ext>
     </p:extLst>
   </p:cSld>
